--- a/002/lesson_2.pptx
+++ b/002/lesson_2.pptx
@@ -5,51 +5,50 @@
     <p:sldMasterId id="2147483668" r:id="rId1"/>
   </p:sldMasterIdLst>
   <p:notesMasterIdLst>
-    <p:notesMasterId r:id="rId16"/>
+    <p:notesMasterId r:id="rId15"/>
   </p:notesMasterIdLst>
   <p:sldIdLst>
     <p:sldId id="256" r:id="rId2"/>
-    <p:sldId id="290" r:id="rId3"/>
-    <p:sldId id="258" r:id="rId4"/>
-    <p:sldId id="284" r:id="rId5"/>
-    <p:sldId id="285" r:id="rId6"/>
+    <p:sldId id="258" r:id="rId3"/>
+    <p:sldId id="290" r:id="rId4"/>
+    <p:sldId id="293" r:id="rId5"/>
+    <p:sldId id="294" r:id="rId6"/>
     <p:sldId id="286" r:id="rId7"/>
-    <p:sldId id="288" r:id="rId8"/>
-    <p:sldId id="287" r:id="rId9"/>
-    <p:sldId id="259" r:id="rId10"/>
-    <p:sldId id="283" r:id="rId11"/>
-    <p:sldId id="263" r:id="rId12"/>
-    <p:sldId id="289" r:id="rId13"/>
-    <p:sldId id="264" r:id="rId14"/>
-    <p:sldId id="278" r:id="rId15"/>
+    <p:sldId id="291" r:id="rId8"/>
+    <p:sldId id="292" r:id="rId9"/>
+    <p:sldId id="295" r:id="rId10"/>
+    <p:sldId id="263" r:id="rId11"/>
+    <p:sldId id="296" r:id="rId12"/>
+    <p:sldId id="264" r:id="rId13"/>
+    <p:sldId id="278" r:id="rId14"/>
   </p:sldIdLst>
   <p:sldSz cx="12192000" cy="6858000"/>
   <p:notesSz cx="6858000" cy="9144000"/>
   <p:embeddedFontLst>
     <p:embeddedFont>
-      <p:font typeface="Abril Fatface" panose="02000503000000020003" pitchFamily="2" charset="77"/>
-      <p:regular r:id="rId17"/>
+      <p:font typeface="Abril Fatface" panose="020B0604020202020204" charset="0"/>
+      <p:regular r:id="rId16"/>
     </p:embeddedFont>
     <p:embeddedFont>
       <p:font typeface="Calibri" panose="020F0502020204030204" pitchFamily="34" charset="0"/>
-      <p:regular r:id="rId18"/>
-      <p:bold r:id="rId19"/>
-      <p:italic r:id="rId20"/>
-      <p:boldItalic r:id="rId21"/>
+      <p:regular r:id="rId17"/>
+      <p:bold r:id="rId18"/>
+      <p:italic r:id="rId19"/>
+      <p:boldItalic r:id="rId20"/>
     </p:embeddedFont>
     <p:embeddedFont>
       <p:font typeface="Roboto" panose="02000000000000000000" pitchFamily="2" charset="0"/>
-      <p:regular r:id="rId22"/>
-      <p:bold r:id="rId23"/>
-      <p:italic r:id="rId24"/>
-      <p:boldItalic r:id="rId25"/>
+      <p:regular r:id="rId21"/>
+      <p:bold r:id="rId22"/>
+      <p:italic r:id="rId23"/>
+      <p:boldItalic r:id="rId24"/>
     </p:embeddedFont>
     <p:embeddedFont>
-      <p:font typeface="Roboto Mono" pitchFamily="49" charset="0"/>
-      <p:regular r:id="rId26"/>
-      <p:bold r:id="rId27"/>
-      <p:italic r:id="rId28"/>
-      <p:boldItalic r:id="rId29"/>
+      <p:font typeface="Roboto Mono" panose="020B0604020202020204" charset="0"/>
+      <p:regular r:id="rId25"/>
+      <p:bold r:id="rId26"/>
+      <p:italic r:id="rId27"/>
+      <p:boldItalic r:id="rId28"/>
     </p:embeddedFont>
   </p:embeddedFontLst>
   <p:defaultTextStyle>
@@ -846,175 +845,6 @@
 </file>
 
 <file path=ppt/notesSlides/notesSlide2.xml><?xml version="1.0" encoding="utf-8"?>
-<p:notes xmlns:a="http://schemas.openxmlformats.org/drawingml/2006/main" xmlns:r="http://schemas.openxmlformats.org/officeDocument/2006/relationships" xmlns:p="http://schemas.openxmlformats.org/presentationml/2006/main">
-  <p:cSld>
-    <p:spTree>
-      <p:nvGrpSpPr>
-        <p:cNvPr id="1" name=""/>
-        <p:cNvGrpSpPr/>
-        <p:nvPr/>
-      </p:nvGrpSpPr>
-      <p:grpSpPr>
-        <a:xfrm>
-          <a:off x="0" y="0"/>
-          <a:ext cx="0" cy="0"/>
-          <a:chOff x="0" y="0"/>
-          <a:chExt cx="0" cy="0"/>
-        </a:xfrm>
-      </p:grpSpPr>
-      <p:sp>
-        <p:nvSpPr>
-          <p:cNvPr id="2" name="Slide Image Placeholder 1"/>
-          <p:cNvSpPr>
-            <a:spLocks noGrp="1" noRot="1" noChangeAspect="1"/>
-          </p:cNvSpPr>
-          <p:nvPr>
-            <p:ph type="sldImg"/>
-          </p:nvPr>
-        </p:nvSpPr>
-        <p:spPr>
-          <a:xfrm>
-            <a:off x="381000" y="685800"/>
-            <a:ext cx="6096000" cy="3429000"/>
-          </a:xfrm>
-        </p:spPr>
-      </p:sp>
-      <p:sp>
-        <p:nvSpPr>
-          <p:cNvPr id="3" name="Notes Placeholder 2"/>
-          <p:cNvSpPr>
-            <a:spLocks noGrp="1"/>
-          </p:cNvSpPr>
-          <p:nvPr>
-            <p:ph type="body" idx="1"/>
-          </p:nvPr>
-        </p:nvSpPr>
-        <p:spPr/>
-        <p:txBody>
-          <a:bodyPr/>
-          <a:lstStyle/>
-          <a:p>
-            <a:pPr marL="457200" marR="0" lvl="0" indent="-298450" algn="l" defTabSz="914400" rtl="0" eaLnBrk="1" fontAlgn="auto" latinLnBrk="0" hangingPunct="1">
-              <a:lnSpc>
-                <a:spcPct val="100000"/>
-              </a:lnSpc>
-              <a:spcBef>
-                <a:spcPts val="0"/>
-              </a:spcBef>
-              <a:spcAft>
-                <a:spcPts val="0"/>
-              </a:spcAft>
-              <a:buClr>
-                <a:srgbClr val="000000"/>
-              </a:buClr>
-              <a:buSzPts val="1100"/>
-              <a:buFont typeface="Arial"/>
-              <a:buChar char="●"/>
-              <a:tabLst/>
-              <a:defRPr/>
-            </a:pPr>
-            <a:r>
-              <a:rPr lang="en-GB" sz="1100" dirty="0">
-                <a:solidFill>
-                  <a:schemeClr val="tx1"/>
-                </a:solidFill>
-              </a:rPr>
-              <a:t>https://</a:t>
-            </a:r>
-            <a:r>
-              <a:rPr lang="en-GB" sz="1100" dirty="0" err="1">
-                <a:solidFill>
-                  <a:schemeClr val="tx1"/>
-                </a:solidFill>
-              </a:rPr>
-              <a:t>codegree.de</a:t>
-            </a:r>
-            <a:r>
-              <a:rPr lang="en-GB" sz="1100" dirty="0">
-                <a:solidFill>
-                  <a:schemeClr val="tx1"/>
-                </a:solidFill>
-              </a:rPr>
-              <a:t>/python-</a:t>
-            </a:r>
-            <a:r>
-              <a:rPr lang="en-GB" sz="1100" dirty="0" err="1">
-                <a:solidFill>
-                  <a:schemeClr val="tx1"/>
-                </a:solidFill>
-              </a:rPr>
-              <a:t>schleifen</a:t>
-            </a:r>
-            <a:r>
-              <a:rPr lang="en-GB" sz="1100" dirty="0">
-                <a:solidFill>
-                  <a:schemeClr val="tx1"/>
-                </a:solidFill>
-              </a:rPr>
-              <a:t>-</a:t>
-            </a:r>
-            <a:r>
-              <a:rPr lang="en-GB" sz="1100" dirty="0" err="1">
-                <a:solidFill>
-                  <a:schemeClr val="tx1"/>
-                </a:solidFill>
-              </a:rPr>
-              <a:t>alles</a:t>
-            </a:r>
-            <a:r>
-              <a:rPr lang="en-GB" sz="1100" dirty="0">
-                <a:solidFill>
-                  <a:schemeClr val="tx1"/>
-                </a:solidFill>
-              </a:rPr>
-              <a:t>-</a:t>
-            </a:r>
-            <a:r>
-              <a:rPr lang="en-GB" sz="1100" dirty="0" err="1">
-                <a:solidFill>
-                  <a:schemeClr val="tx1"/>
-                </a:solidFill>
-              </a:rPr>
-              <a:t>ueber</a:t>
-            </a:r>
-            <a:r>
-              <a:rPr lang="en-GB" sz="1100" dirty="0">
-                <a:solidFill>
-                  <a:schemeClr val="tx1"/>
-                </a:solidFill>
-              </a:rPr>
-              <a:t>-die-python-</a:t>
-            </a:r>
-            <a:r>
-              <a:rPr lang="en-GB" sz="1100" dirty="0" err="1">
-                <a:solidFill>
-                  <a:schemeClr val="tx1"/>
-                </a:solidFill>
-              </a:rPr>
-              <a:t>schleifen</a:t>
-            </a:r>
-            <a:endParaRPr lang="en-GB" sz="1100" dirty="0">
-              <a:solidFill>
-                <a:schemeClr val="tx1"/>
-              </a:solidFill>
-            </a:endParaRPr>
-          </a:p>
-        </p:txBody>
-      </p:sp>
-    </p:spTree>
-    <p:extLst>
-      <p:ext uri="{BB962C8B-B14F-4D97-AF65-F5344CB8AC3E}">
-        <p14:creationId xmlns:p14="http://schemas.microsoft.com/office/powerpoint/2010/main" val="3022595415"/>
-      </p:ext>
-    </p:extLst>
-  </p:cSld>
-  <p:clrMapOvr>
-    <a:masterClrMapping/>
-  </p:clrMapOvr>
-</p:notes>
-</file>
-
-<file path=ppt/notesSlides/notesSlide3.xml><?xml version="1.0" encoding="utf-8"?>
 <p:notes xmlns:a="http://schemas.openxmlformats.org/drawingml/2006/main" xmlns:r="http://schemas.openxmlformats.org/officeDocument/2006/relationships" xmlns:p="http://schemas.openxmlformats.org/presentationml/2006/main" showMasterSp="0" showMasterPhAnim="0">
   <p:cSld>
     <p:spTree>
@@ -1097,16 +927,191 @@
           </a:bodyPr>
           <a:lstStyle/>
           <a:p>
-            <a:pPr marL="0" lvl="0" indent="0" algn="l" rtl="0">
-              <a:spcBef>
-                <a:spcPts val="0"/>
-              </a:spcBef>
-              <a:spcAft>
-                <a:spcPts val="0"/>
-              </a:spcAft>
-              <a:buNone/>
-            </a:pPr>
-            <a:endParaRPr/>
+            <a:r>
+              <a:rPr lang="en-DE" sz="2400" dirty="0">
+                <a:solidFill>
+                  <a:schemeClr val="tx1"/>
+                </a:solidFill>
+              </a:rPr>
+              <a:t>- </a:t>
+            </a:r>
+            <a:r>
+              <a:rPr lang="en-DE" sz="2400" dirty="0" err="1">
+                <a:solidFill>
+                  <a:schemeClr val="tx1"/>
+                </a:solidFill>
+              </a:rPr>
+              <a:t>Funktionen</a:t>
+            </a:r>
+            <a:endParaRPr lang="en-DE" sz="2400" dirty="0">
+              <a:solidFill>
+                <a:schemeClr val="tx1"/>
+              </a:solidFill>
+            </a:endParaRPr>
+          </a:p>
+          <a:p>
+            <a:pPr lvl="3"/>
+            <a:r>
+              <a:rPr lang="en-DE" sz="2400" dirty="0">
+                <a:solidFill>
+                  <a:schemeClr val="tx1"/>
+                </a:solidFill>
+              </a:rPr>
+              <a:t>   - Parameter</a:t>
+            </a:r>
+          </a:p>
+          <a:p>
+            <a:pPr lvl="3"/>
+            <a:r>
+              <a:rPr lang="en-DE" sz="2400" dirty="0">
+                <a:solidFill>
+                  <a:schemeClr val="tx1"/>
+                </a:solidFill>
+              </a:rPr>
+              <a:t>   - </a:t>
+            </a:r>
+            <a:r>
+              <a:rPr lang="en-DE" sz="2400" dirty="0" err="1">
+                <a:solidFill>
+                  <a:schemeClr val="tx1"/>
+                </a:solidFill>
+              </a:rPr>
+              <a:t>Rückgabewerte</a:t>
+            </a:r>
+            <a:endParaRPr lang="en-DE" sz="2400" dirty="0">
+              <a:solidFill>
+                <a:schemeClr val="tx1"/>
+              </a:solidFill>
+            </a:endParaRPr>
+          </a:p>
+          <a:p>
+            <a:pPr lvl="3"/>
+            <a:r>
+              <a:rPr lang="en-DE" sz="2400" dirty="0">
+                <a:solidFill>
+                  <a:schemeClr val="tx1"/>
+                </a:solidFill>
+              </a:rPr>
+              <a:t>   - </a:t>
+            </a:r>
+            <a:r>
+              <a:rPr lang="en-DE" sz="2400" dirty="0" err="1">
+                <a:solidFill>
+                  <a:schemeClr val="tx1"/>
+                </a:solidFill>
+              </a:rPr>
+              <a:t>rekrusive</a:t>
+            </a:r>
+            <a:r>
+              <a:rPr lang="en-DE" sz="2400" dirty="0">
+                <a:solidFill>
+                  <a:schemeClr val="tx1"/>
+                </a:solidFill>
+              </a:rPr>
+              <a:t> </a:t>
+            </a:r>
+            <a:r>
+              <a:rPr lang="en-DE" sz="2400" dirty="0" err="1">
+                <a:solidFill>
+                  <a:schemeClr val="tx1"/>
+                </a:solidFill>
+              </a:rPr>
+              <a:t>Funktionen</a:t>
+            </a:r>
+            <a:r>
+              <a:rPr lang="en-DE" sz="2400" dirty="0">
+                <a:solidFill>
+                  <a:schemeClr val="tx1"/>
+                </a:solidFill>
+              </a:rPr>
+              <a:t>?</a:t>
+            </a:r>
+          </a:p>
+          <a:p>
+            <a:pPr lvl="3"/>
+            <a:r>
+              <a:rPr lang="en-DE" sz="2400" dirty="0">
+                <a:solidFill>
+                  <a:schemeClr val="tx1"/>
+                </a:solidFill>
+              </a:rPr>
+              <a:t>- </a:t>
+            </a:r>
+            <a:r>
+              <a:rPr lang="en-DE" sz="2400" dirty="0" err="1">
+                <a:solidFill>
+                  <a:schemeClr val="tx1"/>
+                </a:solidFill>
+              </a:rPr>
+              <a:t>Intellisense</a:t>
+            </a:r>
+            <a:r>
+              <a:rPr lang="en-DE" sz="2400" dirty="0">
+                <a:solidFill>
+                  <a:schemeClr val="tx1"/>
+                </a:solidFill>
+              </a:rPr>
+              <a:t> </a:t>
+            </a:r>
+            <a:r>
+              <a:rPr lang="en-DE" sz="2400" dirty="0" err="1">
+                <a:solidFill>
+                  <a:schemeClr val="tx1"/>
+                </a:solidFill>
+              </a:rPr>
+              <a:t>erklären</a:t>
+            </a:r>
+            <a:endParaRPr lang="en-DE" sz="2400" dirty="0">
+              <a:solidFill>
+                <a:schemeClr val="tx1"/>
+              </a:solidFill>
+            </a:endParaRPr>
+          </a:p>
+          <a:p>
+            <a:pPr lvl="3"/>
+            <a:r>
+              <a:rPr lang="en-DE" sz="2400" dirty="0">
+                <a:solidFill>
+                  <a:schemeClr val="tx1"/>
+                </a:solidFill>
+              </a:rPr>
+              <a:t>- </a:t>
+            </a:r>
+            <a:r>
+              <a:rPr lang="en-DE" sz="2400" dirty="0" err="1">
+                <a:solidFill>
+                  <a:schemeClr val="tx1"/>
+                </a:solidFill>
+              </a:rPr>
+              <a:t>Variablen</a:t>
+            </a:r>
+            <a:r>
+              <a:rPr lang="en-DE" sz="2400" dirty="0">
+                <a:solidFill>
+                  <a:schemeClr val="tx1"/>
+                </a:solidFill>
+              </a:rPr>
+              <a:t> Scopes</a:t>
+            </a:r>
+          </a:p>
+          <a:p>
+            <a:pPr lvl="3"/>
+            <a:endParaRPr lang="en-DE" sz="2400" dirty="0">
+              <a:solidFill>
+                <a:schemeClr val="tx1"/>
+              </a:solidFill>
+            </a:endParaRPr>
+          </a:p>
+          <a:p>
+            <a:pPr lvl="3"/>
+            <a:r>
+              <a:rPr lang="en-DE" sz="2400" dirty="0">
+                <a:solidFill>
+                  <a:schemeClr val="tx1"/>
+                </a:solidFill>
+              </a:rPr>
+              <a:t>=&gt; Aufgabe: Prime Number Checker</a:t>
+            </a:r>
           </a:p>
         </p:txBody>
       </p:sp>
@@ -1118,111 +1123,7 @@
 </p:notes>
 </file>
 
-<file path=ppt/notesSlides/notesSlide4.xml><?xml version="1.0" encoding="utf-8"?>
-<p:notes xmlns:a="http://schemas.openxmlformats.org/drawingml/2006/main" xmlns:r="http://schemas.openxmlformats.org/officeDocument/2006/relationships" xmlns:p="http://schemas.openxmlformats.org/presentationml/2006/main" showMasterSp="0" showMasterPhAnim="0">
-  <p:cSld>
-    <p:spTree>
-      <p:nvGrpSpPr>
-        <p:cNvPr id="1" name="Shape 406"/>
-        <p:cNvGrpSpPr/>
-        <p:nvPr/>
-      </p:nvGrpSpPr>
-      <p:grpSpPr>
-        <a:xfrm>
-          <a:off x="0" y="0"/>
-          <a:ext cx="0" cy="0"/>
-          <a:chOff x="0" y="0"/>
-          <a:chExt cx="0" cy="0"/>
-        </a:xfrm>
-      </p:grpSpPr>
-      <p:sp>
-        <p:nvSpPr>
-          <p:cNvPr id="407" name="Google Shape;407;ga073618e60_0_31:notes"/>
-          <p:cNvSpPr>
-            <a:spLocks noGrp="1" noRot="1" noChangeAspect="1"/>
-          </p:cNvSpPr>
-          <p:nvPr>
-            <p:ph type="sldImg" idx="2"/>
-          </p:nvPr>
-        </p:nvSpPr>
-        <p:spPr>
-          <a:xfrm>
-            <a:off x="381000" y="685800"/>
-            <a:ext cx="6096000" cy="3429000"/>
-          </a:xfrm>
-          <a:custGeom>
-            <a:avLst/>
-            <a:gdLst/>
-            <a:ahLst/>
-            <a:cxnLst/>
-            <a:rect l="l" t="t" r="r" b="b"/>
-            <a:pathLst>
-              <a:path w="120000" h="120000" extrusionOk="0">
-                <a:moveTo>
-                  <a:pt x="0" y="0"/>
-                </a:moveTo>
-                <a:lnTo>
-                  <a:pt x="120000" y="0"/>
-                </a:lnTo>
-                <a:lnTo>
-                  <a:pt x="120000" y="120000"/>
-                </a:lnTo>
-                <a:lnTo>
-                  <a:pt x="0" y="120000"/>
-                </a:lnTo>
-                <a:close/>
-              </a:path>
-            </a:pathLst>
-          </a:custGeom>
-        </p:spPr>
-      </p:sp>
-      <p:sp>
-        <p:nvSpPr>
-          <p:cNvPr id="408" name="Google Shape;408;ga073618e60_0_31:notes"/>
-          <p:cNvSpPr txBox="1">
-            <a:spLocks noGrp="1"/>
-          </p:cNvSpPr>
-          <p:nvPr>
-            <p:ph type="body" idx="1"/>
-          </p:nvPr>
-        </p:nvSpPr>
-        <p:spPr>
-          <a:xfrm>
-            <a:off x="685800" y="4343400"/>
-            <a:ext cx="5486400" cy="4114800"/>
-          </a:xfrm>
-          <a:prstGeom prst="rect">
-            <a:avLst/>
-          </a:prstGeom>
-        </p:spPr>
-        <p:txBody>
-          <a:bodyPr spcFirstLastPara="1" wrap="square" lIns="91425" tIns="91425" rIns="91425" bIns="91425" anchor="t" anchorCtr="0">
-            <a:noAutofit/>
-          </a:bodyPr>
-          <a:lstStyle/>
-          <a:p>
-            <a:pPr marL="0" lvl="0" indent="0" algn="l" rtl="0">
-              <a:spcBef>
-                <a:spcPts val="0"/>
-              </a:spcBef>
-              <a:spcAft>
-                <a:spcPts val="0"/>
-              </a:spcAft>
-              <a:buNone/>
-            </a:pPr>
-            <a:endParaRPr/>
-          </a:p>
-        </p:txBody>
-      </p:sp>
-    </p:spTree>
-  </p:cSld>
-  <p:clrMapOvr>
-    <a:masterClrMapping/>
-  </p:clrMapOvr>
-</p:notes>
-</file>
-
-<file path=ppt/notesSlides/notesSlide5.xml><?xml version="1.0" encoding="utf-8"?>
+<file path=ppt/notesSlides/notesSlide3.xml><?xml version="1.0" encoding="utf-8"?>
 <p:notes xmlns:a="http://schemas.openxmlformats.org/drawingml/2006/main" xmlns:r="http://schemas.openxmlformats.org/officeDocument/2006/relationships" xmlns:p="http://schemas.openxmlformats.org/presentationml/2006/main" showMasterSp="0" showMasterPhAnim="0">
   <p:cSld>
     <p:spTree>
@@ -1321,9 +1222,222 @@
     </p:spTree>
     <p:extLst>
       <p:ext uri="{BB962C8B-B14F-4D97-AF65-F5344CB8AC3E}">
-        <p14:creationId xmlns:p14="http://schemas.microsoft.com/office/powerpoint/2010/main" val="1122842326"/>
+        <p14:creationId xmlns:p14="http://schemas.microsoft.com/office/powerpoint/2010/main" val="1678450589"/>
       </p:ext>
     </p:extLst>
+  </p:cSld>
+  <p:clrMapOvr>
+    <a:masterClrMapping/>
+  </p:clrMapOvr>
+</p:notes>
+</file>
+
+<file path=ppt/notesSlides/notesSlide4.xml><?xml version="1.0" encoding="utf-8"?>
+<p:notes xmlns:a="http://schemas.openxmlformats.org/drawingml/2006/main" xmlns:r="http://schemas.openxmlformats.org/officeDocument/2006/relationships" xmlns:p="http://schemas.openxmlformats.org/presentationml/2006/main" showMasterSp="0" showMasterPhAnim="0">
+  <p:cSld>
+    <p:spTree>
+      <p:nvGrpSpPr>
+        <p:cNvPr id="1" name="Shape 436"/>
+        <p:cNvGrpSpPr/>
+        <p:nvPr/>
+      </p:nvGrpSpPr>
+      <p:grpSpPr>
+        <a:xfrm>
+          <a:off x="0" y="0"/>
+          <a:ext cx="0" cy="0"/>
+          <a:chOff x="0" y="0"/>
+          <a:chExt cx="0" cy="0"/>
+        </a:xfrm>
+      </p:grpSpPr>
+      <p:sp>
+        <p:nvSpPr>
+          <p:cNvPr id="437" name="Google Shape;437;ga073618e60_0_106:notes"/>
+          <p:cNvSpPr>
+            <a:spLocks noGrp="1" noRot="1" noChangeAspect="1"/>
+          </p:cNvSpPr>
+          <p:nvPr>
+            <p:ph type="sldImg" idx="2"/>
+          </p:nvPr>
+        </p:nvSpPr>
+        <p:spPr>
+          <a:xfrm>
+            <a:off x="381000" y="685800"/>
+            <a:ext cx="6096000" cy="3429000"/>
+          </a:xfrm>
+          <a:custGeom>
+            <a:avLst/>
+            <a:gdLst/>
+            <a:ahLst/>
+            <a:cxnLst/>
+            <a:rect l="l" t="t" r="r" b="b"/>
+            <a:pathLst>
+              <a:path w="120000" h="120000" extrusionOk="0">
+                <a:moveTo>
+                  <a:pt x="0" y="0"/>
+                </a:moveTo>
+                <a:lnTo>
+                  <a:pt x="120000" y="0"/>
+                </a:lnTo>
+                <a:lnTo>
+                  <a:pt x="120000" y="120000"/>
+                </a:lnTo>
+                <a:lnTo>
+                  <a:pt x="0" y="120000"/>
+                </a:lnTo>
+                <a:close/>
+              </a:path>
+            </a:pathLst>
+          </a:custGeom>
+        </p:spPr>
+      </p:sp>
+      <p:sp>
+        <p:nvSpPr>
+          <p:cNvPr id="438" name="Google Shape;438;ga073618e60_0_106:notes"/>
+          <p:cNvSpPr txBox="1">
+            <a:spLocks noGrp="1"/>
+          </p:cNvSpPr>
+          <p:nvPr>
+            <p:ph type="body" idx="1"/>
+          </p:nvPr>
+        </p:nvSpPr>
+        <p:spPr>
+          <a:xfrm>
+            <a:off x="685800" y="4343400"/>
+            <a:ext cx="5486400" cy="4114800"/>
+          </a:xfrm>
+          <a:prstGeom prst="rect">
+            <a:avLst/>
+          </a:prstGeom>
+        </p:spPr>
+        <p:txBody>
+          <a:bodyPr spcFirstLastPara="1" wrap="square" lIns="91425" tIns="91425" rIns="91425" bIns="91425" anchor="t" anchorCtr="0">
+            <a:noAutofit/>
+          </a:bodyPr>
+          <a:lstStyle/>
+          <a:p>
+            <a:pPr marL="0" lvl="0" indent="0" algn="l" rtl="0">
+              <a:spcBef>
+                <a:spcPts val="0"/>
+              </a:spcBef>
+              <a:spcAft>
+                <a:spcPts val="0"/>
+              </a:spcAft>
+              <a:buNone/>
+            </a:pPr>
+            <a:endParaRPr/>
+          </a:p>
+        </p:txBody>
+      </p:sp>
+    </p:spTree>
+    <p:extLst>
+      <p:ext uri="{BB962C8B-B14F-4D97-AF65-F5344CB8AC3E}">
+        <p14:creationId xmlns:p14="http://schemas.microsoft.com/office/powerpoint/2010/main" val="1064808201"/>
+      </p:ext>
+    </p:extLst>
+  </p:cSld>
+  <p:clrMapOvr>
+    <a:masterClrMapping/>
+  </p:clrMapOvr>
+</p:notes>
+</file>
+
+<file path=ppt/notesSlides/notesSlide5.xml><?xml version="1.0" encoding="utf-8"?>
+<p:notes xmlns:a="http://schemas.openxmlformats.org/drawingml/2006/main" xmlns:r="http://schemas.openxmlformats.org/officeDocument/2006/relationships" xmlns:p="http://schemas.openxmlformats.org/presentationml/2006/main" showMasterSp="0" showMasterPhAnim="0">
+  <p:cSld>
+    <p:spTree>
+      <p:nvGrpSpPr>
+        <p:cNvPr id="1" name="Shape 436"/>
+        <p:cNvGrpSpPr/>
+        <p:nvPr/>
+      </p:nvGrpSpPr>
+      <p:grpSpPr>
+        <a:xfrm>
+          <a:off x="0" y="0"/>
+          <a:ext cx="0" cy="0"/>
+          <a:chOff x="0" y="0"/>
+          <a:chExt cx="0" cy="0"/>
+        </a:xfrm>
+      </p:grpSpPr>
+      <p:sp>
+        <p:nvSpPr>
+          <p:cNvPr id="437" name="Google Shape;437;ga073618e60_0_106:notes"/>
+          <p:cNvSpPr>
+            <a:spLocks noGrp="1" noRot="1" noChangeAspect="1"/>
+          </p:cNvSpPr>
+          <p:nvPr>
+            <p:ph type="sldImg" idx="2"/>
+          </p:nvPr>
+        </p:nvSpPr>
+        <p:spPr>
+          <a:xfrm>
+            <a:off x="381000" y="685800"/>
+            <a:ext cx="6096000" cy="3429000"/>
+          </a:xfrm>
+          <a:custGeom>
+            <a:avLst/>
+            <a:gdLst/>
+            <a:ahLst/>
+            <a:cxnLst/>
+            <a:rect l="l" t="t" r="r" b="b"/>
+            <a:pathLst>
+              <a:path w="120000" h="120000" extrusionOk="0">
+                <a:moveTo>
+                  <a:pt x="0" y="0"/>
+                </a:moveTo>
+                <a:lnTo>
+                  <a:pt x="120000" y="0"/>
+                </a:lnTo>
+                <a:lnTo>
+                  <a:pt x="120000" y="120000"/>
+                </a:lnTo>
+                <a:lnTo>
+                  <a:pt x="0" y="120000"/>
+                </a:lnTo>
+                <a:close/>
+              </a:path>
+            </a:pathLst>
+          </a:custGeom>
+        </p:spPr>
+      </p:sp>
+      <p:sp>
+        <p:nvSpPr>
+          <p:cNvPr id="438" name="Google Shape;438;ga073618e60_0_106:notes"/>
+          <p:cNvSpPr txBox="1">
+            <a:spLocks noGrp="1"/>
+          </p:cNvSpPr>
+          <p:nvPr>
+            <p:ph type="body" idx="1"/>
+          </p:nvPr>
+        </p:nvSpPr>
+        <p:spPr>
+          <a:xfrm>
+            <a:off x="685800" y="4343400"/>
+            <a:ext cx="5486400" cy="4114800"/>
+          </a:xfrm>
+          <a:prstGeom prst="rect">
+            <a:avLst/>
+          </a:prstGeom>
+        </p:spPr>
+        <p:txBody>
+          <a:bodyPr spcFirstLastPara="1" wrap="square" lIns="91425" tIns="91425" rIns="91425" bIns="91425" anchor="t" anchorCtr="0">
+            <a:noAutofit/>
+          </a:bodyPr>
+          <a:lstStyle/>
+          <a:p>
+            <a:pPr marL="0" lvl="0" indent="0" algn="l" rtl="0">
+              <a:spcBef>
+                <a:spcPts val="0"/>
+              </a:spcBef>
+              <a:spcAft>
+                <a:spcPts val="0"/>
+              </a:spcAft>
+              <a:buNone/>
+            </a:pPr>
+            <a:endParaRPr/>
+          </a:p>
+        </p:txBody>
+      </p:sp>
+    </p:spTree>
   </p:cSld>
   <p:clrMapOvr>
     <a:masterClrMapping/>
@@ -1428,113 +1542,9 @@
         </p:txBody>
       </p:sp>
     </p:spTree>
-  </p:cSld>
-  <p:clrMapOvr>
-    <a:masterClrMapping/>
-  </p:clrMapOvr>
-</p:notes>
-</file>
-
-<file path=ppt/notesSlides/notesSlide7.xml><?xml version="1.0" encoding="utf-8"?>
-<p:notes xmlns:a="http://schemas.openxmlformats.org/drawingml/2006/main" xmlns:r="http://schemas.openxmlformats.org/officeDocument/2006/relationships" xmlns:p="http://schemas.openxmlformats.org/presentationml/2006/main" showMasterSp="0" showMasterPhAnim="0">
-  <p:cSld>
-    <p:spTree>
-      <p:nvGrpSpPr>
-        <p:cNvPr id="1" name="Shape 436"/>
-        <p:cNvGrpSpPr/>
-        <p:nvPr/>
-      </p:nvGrpSpPr>
-      <p:grpSpPr>
-        <a:xfrm>
-          <a:off x="0" y="0"/>
-          <a:ext cx="0" cy="0"/>
-          <a:chOff x="0" y="0"/>
-          <a:chExt cx="0" cy="0"/>
-        </a:xfrm>
-      </p:grpSpPr>
-      <p:sp>
-        <p:nvSpPr>
-          <p:cNvPr id="437" name="Google Shape;437;ga073618e60_0_106:notes"/>
-          <p:cNvSpPr>
-            <a:spLocks noGrp="1" noRot="1" noChangeAspect="1"/>
-          </p:cNvSpPr>
-          <p:nvPr>
-            <p:ph type="sldImg" idx="2"/>
-          </p:nvPr>
-        </p:nvSpPr>
-        <p:spPr>
-          <a:xfrm>
-            <a:off x="381000" y="685800"/>
-            <a:ext cx="6096000" cy="3429000"/>
-          </a:xfrm>
-          <a:custGeom>
-            <a:avLst/>
-            <a:gdLst/>
-            <a:ahLst/>
-            <a:cxnLst/>
-            <a:rect l="l" t="t" r="r" b="b"/>
-            <a:pathLst>
-              <a:path w="120000" h="120000" extrusionOk="0">
-                <a:moveTo>
-                  <a:pt x="0" y="0"/>
-                </a:moveTo>
-                <a:lnTo>
-                  <a:pt x="120000" y="0"/>
-                </a:lnTo>
-                <a:lnTo>
-                  <a:pt x="120000" y="120000"/>
-                </a:lnTo>
-                <a:lnTo>
-                  <a:pt x="0" y="120000"/>
-                </a:lnTo>
-                <a:close/>
-              </a:path>
-            </a:pathLst>
-          </a:custGeom>
-        </p:spPr>
-      </p:sp>
-      <p:sp>
-        <p:nvSpPr>
-          <p:cNvPr id="438" name="Google Shape;438;ga073618e60_0_106:notes"/>
-          <p:cNvSpPr txBox="1">
-            <a:spLocks noGrp="1"/>
-          </p:cNvSpPr>
-          <p:nvPr>
-            <p:ph type="body" idx="1"/>
-          </p:nvPr>
-        </p:nvSpPr>
-        <p:spPr>
-          <a:xfrm>
-            <a:off x="685800" y="4343400"/>
-            <a:ext cx="5486400" cy="4114800"/>
-          </a:xfrm>
-          <a:prstGeom prst="rect">
-            <a:avLst/>
-          </a:prstGeom>
-        </p:spPr>
-        <p:txBody>
-          <a:bodyPr spcFirstLastPara="1" wrap="square" lIns="91425" tIns="91425" rIns="91425" bIns="91425" anchor="t" anchorCtr="0">
-            <a:noAutofit/>
-          </a:bodyPr>
-          <a:lstStyle/>
-          <a:p>
-            <a:pPr marL="0" lvl="0" indent="0" algn="l" rtl="0">
-              <a:spcBef>
-                <a:spcPts val="0"/>
-              </a:spcBef>
-              <a:spcAft>
-                <a:spcPts val="0"/>
-              </a:spcAft>
-              <a:buNone/>
-            </a:pPr>
-            <a:endParaRPr/>
-          </a:p>
-        </p:txBody>
-      </p:sp>
-    </p:spTree>
     <p:extLst>
       <p:ext uri="{BB962C8B-B14F-4D97-AF65-F5344CB8AC3E}">
-        <p14:creationId xmlns:p14="http://schemas.microsoft.com/office/powerpoint/2010/main" val="3676875902"/>
+        <p14:creationId xmlns:p14="http://schemas.microsoft.com/office/powerpoint/2010/main" val="1868575009"/>
       </p:ext>
     </p:extLst>
   </p:cSld>
@@ -1544,7 +1554,7 @@
 </p:notes>
 </file>
 
-<file path=ppt/notesSlides/notesSlide8.xml><?xml version="1.0" encoding="utf-8"?>
+<file path=ppt/notesSlides/notesSlide7.xml><?xml version="1.0" encoding="utf-8"?>
 <p:notes xmlns:a="http://schemas.openxmlformats.org/drawingml/2006/main" xmlns:r="http://schemas.openxmlformats.org/officeDocument/2006/relationships" xmlns:p="http://schemas.openxmlformats.org/presentationml/2006/main" showMasterSp="0" showMasterPhAnim="0">
   <p:cSld>
     <p:spTree>
@@ -1648,7 +1658,7 @@
 </p:notes>
 </file>
 
-<file path=ppt/notesSlides/notesSlide9.xml><?xml version="1.0" encoding="utf-8"?>
+<file path=ppt/notesSlides/notesSlide8.xml><?xml version="1.0" encoding="utf-8"?>
 <p:notes xmlns:a="http://schemas.openxmlformats.org/drawingml/2006/main" xmlns:r="http://schemas.openxmlformats.org/officeDocument/2006/relationships" xmlns:p="http://schemas.openxmlformats.org/presentationml/2006/main" showMasterSp="0" showMasterPhAnim="0">
   <p:cSld>
     <p:spTree>
@@ -6950,605 +6960,6 @@
 </file>
 
 <file path=ppt/slideLayouts/slideLayout3.xml><?xml version="1.0" encoding="utf-8"?>
-<p:sldLayout xmlns:a="http://schemas.openxmlformats.org/drawingml/2006/main" xmlns:r="http://schemas.openxmlformats.org/officeDocument/2006/relationships" xmlns:p="http://schemas.openxmlformats.org/presentationml/2006/main" matchingName="004 Section Title">
-  <p:cSld name="CUSTOM_3">
-    <p:spTree>
-      <p:nvGrpSpPr>
-        <p:cNvPr id="1" name="Shape 131"/>
-        <p:cNvGrpSpPr/>
-        <p:nvPr/>
-      </p:nvGrpSpPr>
-      <p:grpSpPr>
-        <a:xfrm>
-          <a:off x="0" y="0"/>
-          <a:ext cx="0" cy="0"/>
-          <a:chOff x="0" y="0"/>
-          <a:chExt cx="0" cy="0"/>
-        </a:xfrm>
-      </p:grpSpPr>
-      <p:sp>
-        <p:nvSpPr>
-          <p:cNvPr id="132" name="Google Shape;132;p6"/>
-          <p:cNvSpPr/>
-          <p:nvPr/>
-        </p:nvSpPr>
-        <p:spPr>
-          <a:xfrm>
-            <a:off x="1119150" y="1089750"/>
-            <a:ext cx="9953700" cy="4678500"/>
-          </a:xfrm>
-          <a:prstGeom prst="roundRect">
-            <a:avLst>
-              <a:gd name="adj" fmla="val 3539"/>
-            </a:avLst>
-          </a:prstGeom>
-          <a:solidFill>
-            <a:schemeClr val="lt2"/>
-          </a:solidFill>
-          <a:ln>
-            <a:noFill/>
-          </a:ln>
-          <a:effectLst>
-            <a:outerShdw blurRad="63500" sx="102000" sy="102000" algn="ctr" rotWithShape="0">
-              <a:srgbClr val="000000">
-                <a:alpha val="9800"/>
-              </a:srgbClr>
-            </a:outerShdw>
-          </a:effectLst>
-        </p:spPr>
-        <p:txBody>
-          <a:bodyPr spcFirstLastPara="1" wrap="square" lIns="91425" tIns="45700" rIns="91425" bIns="45700" anchor="ctr" anchorCtr="0">
-            <a:noAutofit/>
-          </a:bodyPr>
-          <a:lstStyle/>
-          <a:p>
-            <a:pPr marL="0" marR="0" lvl="0" indent="0" algn="ctr" rtl="0">
-              <a:spcBef>
-                <a:spcPts val="0"/>
-              </a:spcBef>
-              <a:spcAft>
-                <a:spcPts val="0"/>
-              </a:spcAft>
-              <a:buNone/>
-            </a:pPr>
-            <a:endParaRPr sz="1800" b="0" i="0" u="none" strike="noStrike" cap="none">
-              <a:solidFill>
-                <a:srgbClr val="FFFFFF"/>
-              </a:solidFill>
-              <a:latin typeface="Calibri"/>
-              <a:ea typeface="Calibri"/>
-              <a:cs typeface="Calibri"/>
-              <a:sym typeface="Calibri"/>
-            </a:endParaRPr>
-          </a:p>
-        </p:txBody>
-      </p:sp>
-      <p:grpSp>
-        <p:nvGrpSpPr>
-          <p:cNvPr id="133" name="Google Shape;133;p6"/>
-          <p:cNvGrpSpPr/>
-          <p:nvPr/>
-        </p:nvGrpSpPr>
-        <p:grpSpPr>
-          <a:xfrm>
-            <a:off x="1272396" y="1199859"/>
-            <a:ext cx="635280" cy="147600"/>
-            <a:chOff x="2147366" y="4139382"/>
-            <a:chExt cx="635280" cy="147600"/>
-          </a:xfrm>
-        </p:grpSpPr>
-        <p:sp>
-          <p:nvSpPr>
-            <p:cNvPr id="134" name="Google Shape;134;p6"/>
-            <p:cNvSpPr/>
-            <p:nvPr/>
-          </p:nvSpPr>
-          <p:spPr>
-            <a:xfrm>
-              <a:off x="2147366" y="4139382"/>
-              <a:ext cx="147600" cy="147600"/>
-            </a:xfrm>
-            <a:prstGeom prst="ellipse">
-              <a:avLst/>
-            </a:prstGeom>
-            <a:solidFill>
-              <a:schemeClr val="accent4"/>
-            </a:solidFill>
-            <a:ln>
-              <a:noFill/>
-            </a:ln>
-          </p:spPr>
-          <p:txBody>
-            <a:bodyPr spcFirstLastPara="1" wrap="square" lIns="91425" tIns="45700" rIns="91425" bIns="45700" anchor="ctr" anchorCtr="0">
-              <a:noAutofit/>
-            </a:bodyPr>
-            <a:lstStyle/>
-            <a:p>
-              <a:pPr marL="0" marR="0" lvl="0" indent="0" algn="ctr" rtl="0">
-                <a:spcBef>
-                  <a:spcPts val="0"/>
-                </a:spcBef>
-                <a:spcAft>
-                  <a:spcPts val="0"/>
-                </a:spcAft>
-                <a:buNone/>
-              </a:pPr>
-              <a:endParaRPr sz="1800" b="0" i="0" u="none" strike="noStrike" cap="none">
-                <a:solidFill>
-                  <a:srgbClr val="FFFFFF"/>
-                </a:solidFill>
-                <a:latin typeface="Calibri"/>
-                <a:ea typeface="Calibri"/>
-                <a:cs typeface="Calibri"/>
-                <a:sym typeface="Calibri"/>
-              </a:endParaRPr>
-            </a:p>
-          </p:txBody>
-        </p:sp>
-        <p:sp>
-          <p:nvSpPr>
-            <p:cNvPr id="135" name="Google Shape;135;p6"/>
-            <p:cNvSpPr/>
-            <p:nvPr/>
-          </p:nvSpPr>
-          <p:spPr>
-            <a:xfrm>
-              <a:off x="2391206" y="4139382"/>
-              <a:ext cx="147600" cy="147600"/>
-            </a:xfrm>
-            <a:prstGeom prst="ellipse">
-              <a:avLst/>
-            </a:prstGeom>
-            <a:solidFill>
-              <a:schemeClr val="accent5"/>
-            </a:solidFill>
-            <a:ln>
-              <a:noFill/>
-            </a:ln>
-          </p:spPr>
-          <p:txBody>
-            <a:bodyPr spcFirstLastPara="1" wrap="square" lIns="91425" tIns="45700" rIns="91425" bIns="45700" anchor="ctr" anchorCtr="0">
-              <a:noAutofit/>
-            </a:bodyPr>
-            <a:lstStyle/>
-            <a:p>
-              <a:pPr marL="0" marR="0" lvl="0" indent="0" algn="ctr" rtl="0">
-                <a:spcBef>
-                  <a:spcPts val="0"/>
-                </a:spcBef>
-                <a:spcAft>
-                  <a:spcPts val="0"/>
-                </a:spcAft>
-                <a:buNone/>
-              </a:pPr>
-              <a:endParaRPr sz="1800" b="0" i="0" u="none" strike="noStrike" cap="none">
-                <a:solidFill>
-                  <a:srgbClr val="FFFFFF"/>
-                </a:solidFill>
-                <a:latin typeface="Calibri"/>
-                <a:ea typeface="Calibri"/>
-                <a:cs typeface="Calibri"/>
-                <a:sym typeface="Calibri"/>
-              </a:endParaRPr>
-            </a:p>
-          </p:txBody>
-        </p:sp>
-        <p:sp>
-          <p:nvSpPr>
-            <p:cNvPr id="136" name="Google Shape;136;p6"/>
-            <p:cNvSpPr/>
-            <p:nvPr/>
-          </p:nvSpPr>
-          <p:spPr>
-            <a:xfrm>
-              <a:off x="2635046" y="4139382"/>
-              <a:ext cx="147600" cy="147600"/>
-            </a:xfrm>
-            <a:prstGeom prst="ellipse">
-              <a:avLst/>
-            </a:prstGeom>
-            <a:solidFill>
-              <a:schemeClr val="accent6"/>
-            </a:solidFill>
-            <a:ln>
-              <a:noFill/>
-            </a:ln>
-          </p:spPr>
-          <p:txBody>
-            <a:bodyPr spcFirstLastPara="1" wrap="square" lIns="91425" tIns="45700" rIns="91425" bIns="45700" anchor="ctr" anchorCtr="0">
-              <a:noAutofit/>
-            </a:bodyPr>
-            <a:lstStyle/>
-            <a:p>
-              <a:pPr marL="0" marR="0" lvl="0" indent="0" algn="ctr" rtl="0">
-                <a:spcBef>
-                  <a:spcPts val="0"/>
-                </a:spcBef>
-                <a:spcAft>
-                  <a:spcPts val="0"/>
-                </a:spcAft>
-                <a:buNone/>
-              </a:pPr>
-              <a:endParaRPr sz="1800" b="0" i="0" u="none" strike="noStrike" cap="none">
-                <a:solidFill>
-                  <a:srgbClr val="FFFFFF"/>
-                </a:solidFill>
-                <a:latin typeface="Calibri"/>
-                <a:ea typeface="Calibri"/>
-                <a:cs typeface="Calibri"/>
-                <a:sym typeface="Calibri"/>
-              </a:endParaRPr>
-            </a:p>
-          </p:txBody>
-        </p:sp>
-      </p:grpSp>
-      <p:sp>
-        <p:nvSpPr>
-          <p:cNvPr id="137" name="Google Shape;137;p6"/>
-          <p:cNvSpPr txBox="1">
-            <a:spLocks noGrp="1"/>
-          </p:cNvSpPr>
-          <p:nvPr>
-            <p:ph type="title"/>
-          </p:nvPr>
-        </p:nvSpPr>
-        <p:spPr>
-          <a:xfrm>
-            <a:off x="3811700" y="2041663"/>
-            <a:ext cx="6345900" cy="1575000"/>
-          </a:xfrm>
-          <a:prstGeom prst="rect">
-            <a:avLst/>
-          </a:prstGeom>
-        </p:spPr>
-        <p:txBody>
-          <a:bodyPr spcFirstLastPara="1" wrap="square" lIns="121900" tIns="121900" rIns="121900" bIns="121900" anchor="t" anchorCtr="0">
-            <a:noAutofit/>
-          </a:bodyPr>
-          <a:lstStyle>
-            <a:lvl1pPr marL="0" marR="0" lvl="0" indent="0" algn="l" rtl="0">
-              <a:spcBef>
-                <a:spcPts val="0"/>
-              </a:spcBef>
-              <a:spcAft>
-                <a:spcPts val="0"/>
-              </a:spcAft>
-              <a:buClr>
-                <a:schemeClr val="dk1"/>
-              </a:buClr>
-              <a:buSzPts val="6000"/>
-              <a:buFont typeface="Aldrich"/>
-              <a:buNone/>
-              <a:defRPr sz="6000"/>
-            </a:lvl1pPr>
-            <a:lvl2pPr lvl="1" rtl="0">
-              <a:spcBef>
-                <a:spcPts val="0"/>
-              </a:spcBef>
-              <a:spcAft>
-                <a:spcPts val="0"/>
-              </a:spcAft>
-              <a:buClr>
-                <a:schemeClr val="dk1"/>
-              </a:buClr>
-              <a:buSzPts val="6000"/>
-              <a:buFont typeface="Abril Fatface"/>
-              <a:buNone/>
-              <a:defRPr sz="6000">
-                <a:solidFill>
-                  <a:schemeClr val="dk1"/>
-                </a:solidFill>
-                <a:latin typeface="Abril Fatface"/>
-                <a:ea typeface="Abril Fatface"/>
-                <a:cs typeface="Abril Fatface"/>
-                <a:sym typeface="Abril Fatface"/>
-              </a:defRPr>
-            </a:lvl2pPr>
-            <a:lvl3pPr lvl="2" rtl="0">
-              <a:spcBef>
-                <a:spcPts val="0"/>
-              </a:spcBef>
-              <a:spcAft>
-                <a:spcPts val="0"/>
-              </a:spcAft>
-              <a:buClr>
-                <a:schemeClr val="dk1"/>
-              </a:buClr>
-              <a:buSzPts val="6000"/>
-              <a:buFont typeface="Abril Fatface"/>
-              <a:buNone/>
-              <a:defRPr sz="6000">
-                <a:solidFill>
-                  <a:schemeClr val="dk1"/>
-                </a:solidFill>
-                <a:latin typeface="Abril Fatface"/>
-                <a:ea typeface="Abril Fatface"/>
-                <a:cs typeface="Abril Fatface"/>
-                <a:sym typeface="Abril Fatface"/>
-              </a:defRPr>
-            </a:lvl3pPr>
-            <a:lvl4pPr lvl="3" rtl="0">
-              <a:spcBef>
-                <a:spcPts val="0"/>
-              </a:spcBef>
-              <a:spcAft>
-                <a:spcPts val="0"/>
-              </a:spcAft>
-              <a:buClr>
-                <a:schemeClr val="dk1"/>
-              </a:buClr>
-              <a:buSzPts val="6000"/>
-              <a:buFont typeface="Abril Fatface"/>
-              <a:buNone/>
-              <a:defRPr sz="6000">
-                <a:solidFill>
-                  <a:schemeClr val="dk1"/>
-                </a:solidFill>
-                <a:latin typeface="Abril Fatface"/>
-                <a:ea typeface="Abril Fatface"/>
-                <a:cs typeface="Abril Fatface"/>
-                <a:sym typeface="Abril Fatface"/>
-              </a:defRPr>
-            </a:lvl4pPr>
-            <a:lvl5pPr lvl="4" rtl="0">
-              <a:spcBef>
-                <a:spcPts val="0"/>
-              </a:spcBef>
-              <a:spcAft>
-                <a:spcPts val="0"/>
-              </a:spcAft>
-              <a:buClr>
-                <a:schemeClr val="dk1"/>
-              </a:buClr>
-              <a:buSzPts val="6000"/>
-              <a:buFont typeface="Abril Fatface"/>
-              <a:buNone/>
-              <a:defRPr sz="6000">
-                <a:solidFill>
-                  <a:schemeClr val="dk1"/>
-                </a:solidFill>
-                <a:latin typeface="Abril Fatface"/>
-                <a:ea typeface="Abril Fatface"/>
-                <a:cs typeface="Abril Fatface"/>
-                <a:sym typeface="Abril Fatface"/>
-              </a:defRPr>
-            </a:lvl5pPr>
-            <a:lvl6pPr lvl="5" rtl="0">
-              <a:spcBef>
-                <a:spcPts val="0"/>
-              </a:spcBef>
-              <a:spcAft>
-                <a:spcPts val="0"/>
-              </a:spcAft>
-              <a:buClr>
-                <a:schemeClr val="dk1"/>
-              </a:buClr>
-              <a:buSzPts val="6000"/>
-              <a:buFont typeface="Abril Fatface"/>
-              <a:buNone/>
-              <a:defRPr sz="6000">
-                <a:solidFill>
-                  <a:schemeClr val="dk1"/>
-                </a:solidFill>
-                <a:latin typeface="Abril Fatface"/>
-                <a:ea typeface="Abril Fatface"/>
-                <a:cs typeface="Abril Fatface"/>
-                <a:sym typeface="Abril Fatface"/>
-              </a:defRPr>
-            </a:lvl6pPr>
-            <a:lvl7pPr lvl="6" rtl="0">
-              <a:spcBef>
-                <a:spcPts val="0"/>
-              </a:spcBef>
-              <a:spcAft>
-                <a:spcPts val="0"/>
-              </a:spcAft>
-              <a:buClr>
-                <a:schemeClr val="dk1"/>
-              </a:buClr>
-              <a:buSzPts val="6000"/>
-              <a:buFont typeface="Abril Fatface"/>
-              <a:buNone/>
-              <a:defRPr sz="6000">
-                <a:solidFill>
-                  <a:schemeClr val="dk1"/>
-                </a:solidFill>
-                <a:latin typeface="Abril Fatface"/>
-                <a:ea typeface="Abril Fatface"/>
-                <a:cs typeface="Abril Fatface"/>
-                <a:sym typeface="Abril Fatface"/>
-              </a:defRPr>
-            </a:lvl7pPr>
-            <a:lvl8pPr lvl="7" rtl="0">
-              <a:spcBef>
-                <a:spcPts val="0"/>
-              </a:spcBef>
-              <a:spcAft>
-                <a:spcPts val="0"/>
-              </a:spcAft>
-              <a:buClr>
-                <a:schemeClr val="dk1"/>
-              </a:buClr>
-              <a:buSzPts val="6000"/>
-              <a:buFont typeface="Abril Fatface"/>
-              <a:buNone/>
-              <a:defRPr sz="6000">
-                <a:solidFill>
-                  <a:schemeClr val="dk1"/>
-                </a:solidFill>
-                <a:latin typeface="Abril Fatface"/>
-                <a:ea typeface="Abril Fatface"/>
-                <a:cs typeface="Abril Fatface"/>
-                <a:sym typeface="Abril Fatface"/>
-              </a:defRPr>
-            </a:lvl8pPr>
-            <a:lvl9pPr lvl="8" rtl="0">
-              <a:spcBef>
-                <a:spcPts val="0"/>
-              </a:spcBef>
-              <a:spcAft>
-                <a:spcPts val="0"/>
-              </a:spcAft>
-              <a:buClr>
-                <a:schemeClr val="dk1"/>
-              </a:buClr>
-              <a:buSzPts val="6000"/>
-              <a:buFont typeface="Abril Fatface"/>
-              <a:buNone/>
-              <a:defRPr sz="6000">
-                <a:solidFill>
-                  <a:schemeClr val="dk1"/>
-                </a:solidFill>
-                <a:latin typeface="Abril Fatface"/>
-                <a:ea typeface="Abril Fatface"/>
-                <a:cs typeface="Abril Fatface"/>
-                <a:sym typeface="Abril Fatface"/>
-              </a:defRPr>
-            </a:lvl9pPr>
-          </a:lstStyle>
-          <a:p>
-            <a:endParaRPr/>
-          </a:p>
-        </p:txBody>
-      </p:sp>
-      <p:sp>
-        <p:nvSpPr>
-          <p:cNvPr id="138" name="Google Shape;138;p6"/>
-          <p:cNvSpPr txBox="1">
-            <a:spLocks noGrp="1"/>
-          </p:cNvSpPr>
-          <p:nvPr>
-            <p:ph type="body" idx="1"/>
-          </p:nvPr>
-        </p:nvSpPr>
-        <p:spPr>
-          <a:xfrm>
-            <a:off x="2034300" y="4052838"/>
-            <a:ext cx="8123400" cy="763500"/>
-          </a:xfrm>
-          <a:prstGeom prst="rect">
-            <a:avLst/>
-          </a:prstGeom>
-        </p:spPr>
-        <p:txBody>
-          <a:bodyPr spcFirstLastPara="1" wrap="square" lIns="121900" tIns="121900" rIns="121900" bIns="121900" anchor="t" anchorCtr="0">
-            <a:noAutofit/>
-          </a:bodyPr>
-          <a:lstStyle>
-            <a:lvl1pPr marL="457200" lvl="0" indent="-342900">
-              <a:spcBef>
-                <a:spcPts val="0"/>
-              </a:spcBef>
-              <a:spcAft>
-                <a:spcPts val="0"/>
-              </a:spcAft>
-              <a:buSzPts val="1800"/>
-              <a:buChar char="●"/>
-              <a:defRPr/>
-            </a:lvl1pPr>
-            <a:lvl2pPr marL="914400" lvl="1" indent="-342900">
-              <a:spcBef>
-                <a:spcPts val="2100"/>
-              </a:spcBef>
-              <a:spcAft>
-                <a:spcPts val="0"/>
-              </a:spcAft>
-              <a:buSzPts val="1800"/>
-              <a:buChar char="○"/>
-              <a:defRPr/>
-            </a:lvl2pPr>
-            <a:lvl3pPr marL="1371600" lvl="2" indent="-342900">
-              <a:spcBef>
-                <a:spcPts val="2100"/>
-              </a:spcBef>
-              <a:spcAft>
-                <a:spcPts val="0"/>
-              </a:spcAft>
-              <a:buSzPts val="1800"/>
-              <a:buChar char="■"/>
-              <a:defRPr/>
-            </a:lvl3pPr>
-            <a:lvl4pPr marL="1828800" lvl="3" indent="-342900">
-              <a:spcBef>
-                <a:spcPts val="2100"/>
-              </a:spcBef>
-              <a:spcAft>
-                <a:spcPts val="0"/>
-              </a:spcAft>
-              <a:buSzPts val="1800"/>
-              <a:buChar char="●"/>
-              <a:defRPr/>
-            </a:lvl4pPr>
-            <a:lvl5pPr marL="2286000" lvl="4" indent="-342900">
-              <a:spcBef>
-                <a:spcPts val="2100"/>
-              </a:spcBef>
-              <a:spcAft>
-                <a:spcPts val="0"/>
-              </a:spcAft>
-              <a:buSzPts val="1800"/>
-              <a:buChar char="○"/>
-              <a:defRPr/>
-            </a:lvl5pPr>
-            <a:lvl6pPr marL="2743200" lvl="5" indent="-342900">
-              <a:spcBef>
-                <a:spcPts val="2100"/>
-              </a:spcBef>
-              <a:spcAft>
-                <a:spcPts val="0"/>
-              </a:spcAft>
-              <a:buSzPts val="1800"/>
-              <a:buChar char="■"/>
-              <a:defRPr/>
-            </a:lvl6pPr>
-            <a:lvl7pPr marL="3200400" lvl="6" indent="-342900">
-              <a:spcBef>
-                <a:spcPts val="2100"/>
-              </a:spcBef>
-              <a:spcAft>
-                <a:spcPts val="0"/>
-              </a:spcAft>
-              <a:buSzPts val="1800"/>
-              <a:buChar char="●"/>
-              <a:defRPr/>
-            </a:lvl7pPr>
-            <a:lvl8pPr marL="3657600" lvl="7" indent="-342900">
-              <a:spcBef>
-                <a:spcPts val="2100"/>
-              </a:spcBef>
-              <a:spcAft>
-                <a:spcPts val="0"/>
-              </a:spcAft>
-              <a:buSzPts val="1800"/>
-              <a:buChar char="○"/>
-              <a:defRPr/>
-            </a:lvl8pPr>
-            <a:lvl9pPr marL="4114800" lvl="8" indent="-342900">
-              <a:spcBef>
-                <a:spcPts val="2100"/>
-              </a:spcBef>
-              <a:spcAft>
-                <a:spcPts val="2100"/>
-              </a:spcAft>
-              <a:buSzPts val="1800"/>
-              <a:buChar char="■"/>
-              <a:defRPr/>
-            </a:lvl9pPr>
-          </a:lstStyle>
-          <a:p>
-            <a:endParaRPr/>
-          </a:p>
-        </p:txBody>
-      </p:sp>
-    </p:spTree>
-  </p:cSld>
-  <p:clrMapOvr>
-    <a:masterClrMapping/>
-  </p:clrMapOvr>
-</p:sldLayout>
-</file>
-
-<file path=ppt/slideLayouts/slideLayout4.xml><?xml version="1.0" encoding="utf-8"?>
 <p:sldLayout xmlns:a="http://schemas.openxmlformats.org/drawingml/2006/main" xmlns:r="http://schemas.openxmlformats.org/officeDocument/2006/relationships" xmlns:p="http://schemas.openxmlformats.org/presentationml/2006/main" matchingName="009 Big Title">
   <p:cSld name="CUSTOM_7">
     <p:spTree>
@@ -7918,7 +7329,7 @@
 </p:sldLayout>
 </file>
 
-<file path=ppt/slideLayouts/slideLayout5.xml><?xml version="1.0" encoding="utf-8"?>
+<file path=ppt/slideLayouts/slideLayout4.xml><?xml version="1.0" encoding="utf-8"?>
 <p:sldLayout xmlns:a="http://schemas.openxmlformats.org/drawingml/2006/main" xmlns:r="http://schemas.openxmlformats.org/officeDocument/2006/relationships" xmlns:p="http://schemas.openxmlformats.org/presentationml/2006/main" matchingName="008 Three columns">
   <p:cSld name="CUSTOM_8">
     <p:spTree>
@@ -9165,7 +8576,7 @@
 </p:sldLayout>
 </file>
 
-<file path=ppt/slideLayouts/slideLayout6.xml><?xml version="1.0" encoding="utf-8"?>
+<file path=ppt/slideLayouts/slideLayout5.xml><?xml version="1.0" encoding="utf-8"?>
 <p:sldLayout xmlns:a="http://schemas.openxmlformats.org/drawingml/2006/main" xmlns:r="http://schemas.openxmlformats.org/officeDocument/2006/relationships" xmlns:p="http://schemas.openxmlformats.org/presentationml/2006/main" matchingName="017 Title and text right">
   <p:cSld name="CUSTOM_16">
     <p:spTree>
@@ -10438,7 +9849,7 @@
             </a:pPr>
             <a:fld id="{00000000-1234-1234-1234-123412341234}" type="slidenum">
               <a:rPr lang="en"/>
-              <a:t>‹#›</a:t>
+              <a:t>‹Nr.›</a:t>
             </a:fld>
             <a:endParaRPr/>
           </a:p>
@@ -15911,10 +15322,9 @@
   <p:sldLayoutIdLst>
     <p:sldLayoutId id="2147483648" r:id="rId1"/>
     <p:sldLayoutId id="2147483651" r:id="rId2"/>
-    <p:sldLayoutId id="2147483652" r:id="rId3"/>
-    <p:sldLayoutId id="2147483656" r:id="rId4"/>
-    <p:sldLayoutId id="2147483657" r:id="rId5"/>
-    <p:sldLayoutId id="2147483665" r:id="rId6"/>
+    <p:sldLayoutId id="2147483656" r:id="rId3"/>
+    <p:sldLayoutId id="2147483657" r:id="rId4"/>
+    <p:sldLayoutId id="2147483665" r:id="rId5"/>
   </p:sldLayoutIdLst>
   <p:hf sldNum="0" hdr="0" ftr="0" dt="0"/>
   <p:txStyles>
@@ -16670,7 +16080,7 @@
                   <a:schemeClr val="accent1"/>
                 </a:solidFill>
               </a:rPr>
-              <a:t>PYTHON</a:t>
+              <a:t>PYTHON #2</a:t>
             </a:r>
             <a:endParaRPr sz="5000" dirty="0"/>
           </a:p>
@@ -16754,6 +16164,941 @@
 </file>
 
 <file path=ppt/slides/slide10.xml><?xml version="1.0" encoding="utf-8"?>
+<p:sld xmlns:a="http://schemas.openxmlformats.org/drawingml/2006/main" xmlns:r="http://schemas.openxmlformats.org/officeDocument/2006/relationships" xmlns:p="http://schemas.openxmlformats.org/presentationml/2006/main">
+  <p:cSld>
+    <p:spTree>
+      <p:nvGrpSpPr>
+        <p:cNvPr id="1" name="Shape 439"/>
+        <p:cNvGrpSpPr/>
+        <p:nvPr/>
+      </p:nvGrpSpPr>
+      <p:grpSpPr>
+        <a:xfrm>
+          <a:off x="0" y="0"/>
+          <a:ext cx="0" cy="0"/>
+          <a:chOff x="0" y="0"/>
+          <a:chExt cx="0" cy="0"/>
+        </a:xfrm>
+      </p:grpSpPr>
+      <p:sp>
+        <p:nvSpPr>
+          <p:cNvPr id="440" name="Google Shape;440;p29"/>
+          <p:cNvSpPr txBox="1">
+            <a:spLocks noGrp="1"/>
+          </p:cNvSpPr>
+          <p:nvPr>
+            <p:ph type="title"/>
+          </p:nvPr>
+        </p:nvSpPr>
+        <p:spPr>
+          <a:xfrm>
+            <a:off x="684150" y="358863"/>
+            <a:ext cx="10672108" cy="763500"/>
+          </a:xfrm>
+          <a:prstGeom prst="rect">
+            <a:avLst/>
+          </a:prstGeom>
+        </p:spPr>
+        <p:txBody>
+          <a:bodyPr spcFirstLastPara="1" wrap="square" lIns="121900" tIns="121900" rIns="121900" bIns="121900" anchor="t" anchorCtr="0">
+            <a:noAutofit/>
+          </a:bodyPr>
+          <a:lstStyle/>
+          <a:p>
+            <a:pPr marL="0" lvl="0" indent="0" algn="l" rtl="0">
+              <a:spcBef>
+                <a:spcPts val="0"/>
+              </a:spcBef>
+              <a:spcAft>
+                <a:spcPts val="0"/>
+              </a:spcAft>
+              <a:buNone/>
+            </a:pPr>
+            <a:r>
+              <a:rPr lang="en" dirty="0"/>
+              <a:t>CHALL</a:t>
+            </a:r>
+            <a:r>
+              <a:rPr lang="de-DE" dirty="0"/>
+              <a:t>E</a:t>
+            </a:r>
+            <a:r>
+              <a:rPr lang="en" dirty="0"/>
+              <a:t>NGE </a:t>
+            </a:r>
+            <a:r>
+              <a:rPr lang="en" sz="6000" dirty="0">
+                <a:solidFill>
+                  <a:schemeClr val="accent2"/>
+                </a:solidFill>
+              </a:rPr>
+              <a:t>HigherLowerGame</a:t>
+            </a:r>
+            <a:endParaRPr sz="6000" dirty="0">
+              <a:solidFill>
+                <a:schemeClr val="accent2"/>
+              </a:solidFill>
+            </a:endParaRPr>
+          </a:p>
+        </p:txBody>
+      </p:sp>
+      <p:sp>
+        <p:nvSpPr>
+          <p:cNvPr id="441" name="Google Shape;441;p29"/>
+          <p:cNvSpPr txBox="1">
+            <a:spLocks noGrp="1"/>
+          </p:cNvSpPr>
+          <p:nvPr>
+            <p:ph type="subTitle" idx="1"/>
+          </p:nvPr>
+        </p:nvSpPr>
+        <p:spPr>
+          <a:xfrm>
+            <a:off x="1217558" y="1800269"/>
+            <a:ext cx="9755100" cy="606900"/>
+          </a:xfrm>
+          <a:prstGeom prst="rect">
+            <a:avLst/>
+          </a:prstGeom>
+        </p:spPr>
+        <p:txBody>
+          <a:bodyPr spcFirstLastPara="1" wrap="square" lIns="121900" tIns="121900" rIns="121900" bIns="121900" anchor="t" anchorCtr="0">
+            <a:noAutofit/>
+          </a:bodyPr>
+          <a:lstStyle/>
+          <a:p>
+            <a:pPr marL="0" lvl="0" indent="0" algn="l" rtl="0">
+              <a:spcBef>
+                <a:spcPts val="0"/>
+              </a:spcBef>
+              <a:spcAft>
+                <a:spcPts val="2100"/>
+              </a:spcAft>
+              <a:buNone/>
+            </a:pPr>
+            <a:r>
+              <a:rPr lang="en" dirty="0">
+                <a:solidFill>
+                  <a:schemeClr val="accent3"/>
+                </a:solidFill>
+              </a:rPr>
+              <a:t>HigherLowerGame</a:t>
+            </a:r>
+            <a:endParaRPr dirty="0"/>
+          </a:p>
+        </p:txBody>
+      </p:sp>
+      <p:sp>
+        <p:nvSpPr>
+          <p:cNvPr id="446" name="Google Shape;446;p29"/>
+          <p:cNvSpPr txBox="1">
+            <a:spLocks noGrp="1"/>
+          </p:cNvSpPr>
+          <p:nvPr>
+            <p:ph type="body" idx="4"/>
+          </p:nvPr>
+        </p:nvSpPr>
+        <p:spPr>
+          <a:xfrm>
+            <a:off x="1217550" y="2238218"/>
+            <a:ext cx="9755100" cy="925200"/>
+          </a:xfrm>
+          <a:prstGeom prst="rect">
+            <a:avLst/>
+          </a:prstGeom>
+        </p:spPr>
+        <p:txBody>
+          <a:bodyPr spcFirstLastPara="1" wrap="square" lIns="121900" tIns="121900" rIns="121900" bIns="121900" anchor="t" anchorCtr="0">
+            <a:noAutofit/>
+          </a:bodyPr>
+          <a:lstStyle/>
+          <a:p>
+            <a:pPr marL="0" lvl="0" indent="0" algn="l" rtl="0">
+              <a:spcBef>
+                <a:spcPts val="0"/>
+              </a:spcBef>
+              <a:spcAft>
+                <a:spcPts val="2100"/>
+              </a:spcAft>
+              <a:buNone/>
+            </a:pPr>
+            <a:r>
+              <a:rPr lang="en-US" dirty="0" err="1"/>
+              <a:t>Ziel</a:t>
+            </a:r>
+            <a:r>
+              <a:rPr lang="en-US" dirty="0"/>
+              <a:t> </a:t>
+            </a:r>
+            <a:r>
+              <a:rPr lang="en-US" dirty="0" err="1"/>
+              <a:t>ist</a:t>
+            </a:r>
+            <a:r>
+              <a:rPr lang="en-US" dirty="0"/>
+              <a:t> es, </a:t>
+            </a:r>
+            <a:r>
+              <a:rPr lang="en-US" dirty="0" err="1"/>
+              <a:t>ein</a:t>
+            </a:r>
+            <a:r>
+              <a:rPr lang="en-US" dirty="0"/>
+              <a:t> Higher-Lower-Game </a:t>
+            </a:r>
+            <a:r>
+              <a:rPr lang="en-US" dirty="0" err="1"/>
+              <a:t>zu</a:t>
+            </a:r>
+            <a:r>
+              <a:rPr lang="en-US" dirty="0"/>
+              <a:t> </a:t>
+            </a:r>
+            <a:r>
+              <a:rPr lang="en-US" dirty="0" err="1"/>
+              <a:t>programmieren</a:t>
+            </a:r>
+            <a:r>
+              <a:rPr lang="en-US" dirty="0"/>
+              <a:t>. In </a:t>
+            </a:r>
+            <a:r>
+              <a:rPr lang="en-US" dirty="0" err="1"/>
+              <a:t>diesem</a:t>
+            </a:r>
+            <a:r>
+              <a:rPr lang="en-US" dirty="0"/>
+              <a:t> Spiel </a:t>
+            </a:r>
+            <a:r>
+              <a:rPr lang="en-US" dirty="0" err="1"/>
+              <a:t>ist</a:t>
+            </a:r>
+            <a:r>
+              <a:rPr lang="en-US" dirty="0"/>
+              <a:t> es </a:t>
+            </a:r>
+            <a:r>
+              <a:rPr lang="en-US" dirty="0" err="1"/>
+              <a:t>eure</a:t>
+            </a:r>
+            <a:r>
+              <a:rPr lang="en-US" dirty="0"/>
+              <a:t> Aufgabe, </a:t>
+            </a:r>
+            <a:r>
+              <a:rPr lang="en-US" dirty="0" err="1"/>
+              <a:t>eine</a:t>
+            </a:r>
+            <a:r>
+              <a:rPr lang="en-US" dirty="0"/>
+              <a:t> </a:t>
+            </a:r>
+            <a:r>
+              <a:rPr lang="en-US" dirty="0" err="1"/>
+              <a:t>zufällige</a:t>
+            </a:r>
+            <a:r>
+              <a:rPr lang="en-US" dirty="0"/>
+              <a:t> </a:t>
+            </a:r>
+            <a:r>
+              <a:rPr lang="en-US" dirty="0" err="1"/>
+              <a:t>Zahl</a:t>
+            </a:r>
+            <a:r>
+              <a:rPr lang="en-US" dirty="0"/>
+              <a:t> </a:t>
+            </a:r>
+            <a:r>
+              <a:rPr lang="en-US" dirty="0" err="1"/>
+              <a:t>zwischen</a:t>
+            </a:r>
+            <a:r>
+              <a:rPr lang="en-US" dirty="0"/>
+              <a:t> 0 und 100 in so </a:t>
+            </a:r>
+            <a:r>
+              <a:rPr lang="en-US" dirty="0" err="1"/>
+              <a:t>wenig</a:t>
+            </a:r>
+            <a:r>
+              <a:rPr lang="en-US" dirty="0"/>
+              <a:t> </a:t>
+            </a:r>
+            <a:r>
+              <a:rPr lang="en-US" dirty="0" err="1"/>
+              <a:t>Versuchen</a:t>
+            </a:r>
+            <a:r>
+              <a:rPr lang="en-US" dirty="0"/>
+              <a:t> </a:t>
+            </a:r>
+            <a:r>
+              <a:rPr lang="en-US" dirty="0" err="1"/>
+              <a:t>wie</a:t>
+            </a:r>
+            <a:r>
+              <a:rPr lang="en-US" dirty="0"/>
+              <a:t> </a:t>
+            </a:r>
+            <a:r>
+              <a:rPr lang="en-US" dirty="0" err="1"/>
+              <a:t>möglichen</a:t>
+            </a:r>
+            <a:r>
+              <a:rPr lang="en-US" dirty="0"/>
+              <a:t> </a:t>
+            </a:r>
+            <a:r>
+              <a:rPr lang="en-US" dirty="0" err="1"/>
+              <a:t>zu</a:t>
+            </a:r>
+            <a:r>
+              <a:rPr lang="en-US" dirty="0"/>
+              <a:t> </a:t>
+            </a:r>
+            <a:r>
+              <a:rPr lang="en-US" dirty="0" err="1"/>
+              <a:t>erraten</a:t>
+            </a:r>
+            <a:r>
+              <a:rPr lang="en-US" dirty="0"/>
+              <a:t>. </a:t>
+            </a:r>
+            <a:r>
+              <a:rPr lang="en-US" dirty="0" err="1"/>
+              <a:t>Dabei</a:t>
+            </a:r>
+            <a:r>
+              <a:rPr lang="en-US" dirty="0"/>
+              <a:t> </a:t>
+            </a:r>
+            <a:r>
+              <a:rPr lang="en-US" dirty="0" err="1"/>
+              <a:t>soll</a:t>
+            </a:r>
+            <a:r>
+              <a:rPr lang="en-US" dirty="0"/>
+              <a:t> das </a:t>
+            </a:r>
+            <a:r>
+              <a:rPr lang="en-US" dirty="0" err="1"/>
+              <a:t>Programm</a:t>
+            </a:r>
+            <a:r>
+              <a:rPr lang="en-US" dirty="0"/>
+              <a:t> </a:t>
+            </a:r>
+            <a:r>
+              <a:rPr lang="en-US" dirty="0" err="1"/>
+              <a:t>nach</a:t>
+            </a:r>
+            <a:r>
+              <a:rPr lang="en-US" dirty="0"/>
+              <a:t> </a:t>
+            </a:r>
+            <a:r>
+              <a:rPr lang="en-US" dirty="0" err="1"/>
+              <a:t>jeder</a:t>
+            </a:r>
+            <a:r>
+              <a:rPr lang="en-US" dirty="0"/>
+              <a:t> </a:t>
+            </a:r>
+            <a:r>
+              <a:rPr lang="en-US" dirty="0" err="1"/>
+              <a:t>Eingabe</a:t>
+            </a:r>
+            <a:r>
+              <a:rPr lang="en-US" dirty="0"/>
+              <a:t> </a:t>
+            </a:r>
+            <a:r>
+              <a:rPr lang="en-US" dirty="0" err="1"/>
+              <a:t>eine</a:t>
+            </a:r>
+            <a:r>
+              <a:rPr lang="en-US" dirty="0"/>
+              <a:t> </a:t>
+            </a:r>
+            <a:r>
+              <a:rPr lang="en-US" dirty="0" err="1"/>
+              <a:t>Rückmeldung</a:t>
+            </a:r>
+            <a:r>
+              <a:rPr lang="en-US" dirty="0"/>
+              <a:t>/ </a:t>
+            </a:r>
+            <a:r>
+              <a:rPr lang="en-US" dirty="0" err="1"/>
+              <a:t>Ausgabe</a:t>
+            </a:r>
+            <a:r>
+              <a:rPr lang="en-US" dirty="0"/>
+              <a:t> </a:t>
+            </a:r>
+            <a:r>
+              <a:rPr lang="en-US" dirty="0" err="1"/>
+              <a:t>geben</a:t>
+            </a:r>
+            <a:r>
+              <a:rPr lang="en-US" dirty="0"/>
+              <a:t>, </a:t>
+            </a:r>
+            <a:r>
+              <a:rPr lang="en-US" dirty="0" err="1"/>
+              <a:t>ob</a:t>
+            </a:r>
+            <a:r>
+              <a:rPr lang="en-US" dirty="0"/>
+              <a:t> die </a:t>
+            </a:r>
+            <a:r>
+              <a:rPr lang="en-US" dirty="0" err="1"/>
+              <a:t>gesuchte</a:t>
+            </a:r>
+            <a:r>
+              <a:rPr lang="en-US" dirty="0"/>
+              <a:t> </a:t>
+            </a:r>
+            <a:r>
+              <a:rPr lang="en-US" dirty="0" err="1"/>
+              <a:t>Zahl</a:t>
+            </a:r>
+            <a:r>
+              <a:rPr lang="en-US" dirty="0"/>
+              <a:t> </a:t>
+            </a:r>
+            <a:r>
+              <a:rPr lang="en-US" dirty="0" err="1"/>
+              <a:t>größer</a:t>
+            </a:r>
+            <a:r>
+              <a:rPr lang="en-US" dirty="0"/>
+              <a:t> </a:t>
+            </a:r>
+            <a:r>
+              <a:rPr lang="en-US" dirty="0" err="1"/>
+              <a:t>oder</a:t>
+            </a:r>
+            <a:r>
+              <a:rPr lang="en-US" dirty="0"/>
+              <a:t> </a:t>
+            </a:r>
+            <a:r>
+              <a:rPr lang="en-US" dirty="0" err="1"/>
+              <a:t>kleiner</a:t>
+            </a:r>
+            <a:r>
+              <a:rPr lang="en-US" dirty="0"/>
+              <a:t> </a:t>
+            </a:r>
+            <a:r>
+              <a:rPr lang="en-US" dirty="0" err="1"/>
+              <a:t>als</a:t>
+            </a:r>
+            <a:r>
+              <a:rPr lang="en-US" dirty="0"/>
+              <a:t> die </a:t>
+            </a:r>
+            <a:r>
+              <a:rPr lang="en-US" dirty="0" err="1"/>
+              <a:t>Eingabe</a:t>
+            </a:r>
+            <a:r>
+              <a:rPr lang="en-US" dirty="0"/>
+              <a:t> </a:t>
+            </a:r>
+            <a:r>
+              <a:rPr lang="en-US" dirty="0" err="1"/>
+              <a:t>ist</a:t>
+            </a:r>
+            <a:r>
+              <a:rPr lang="en-US" dirty="0"/>
+              <a:t>. </a:t>
+            </a:r>
+            <a:r>
+              <a:rPr lang="en-US" dirty="0" err="1"/>
+              <a:t>Wenn</a:t>
+            </a:r>
+            <a:r>
+              <a:rPr lang="en-US" dirty="0"/>
+              <a:t> die </a:t>
+            </a:r>
+            <a:r>
+              <a:rPr lang="en-US" dirty="0" err="1"/>
+              <a:t>gesuchte</a:t>
+            </a:r>
+            <a:r>
+              <a:rPr lang="en-US" dirty="0"/>
+              <a:t> </a:t>
+            </a:r>
+            <a:r>
+              <a:rPr lang="en-US" dirty="0" err="1"/>
+              <a:t>Zahl</a:t>
+            </a:r>
+            <a:r>
+              <a:rPr lang="en-US" dirty="0"/>
+              <a:t> der </a:t>
+            </a:r>
+            <a:r>
+              <a:rPr lang="en-US" dirty="0" err="1"/>
+              <a:t>Eingabe</a:t>
+            </a:r>
+            <a:r>
+              <a:rPr lang="en-US" dirty="0"/>
+              <a:t> </a:t>
+            </a:r>
+            <a:r>
+              <a:rPr lang="en-US" dirty="0" err="1"/>
+              <a:t>entspricht</a:t>
+            </a:r>
+            <a:r>
+              <a:rPr lang="en-US" dirty="0"/>
+              <a:t>, </a:t>
+            </a:r>
+            <a:r>
+              <a:rPr lang="en-US" dirty="0" err="1"/>
+              <a:t>ist</a:t>
+            </a:r>
+            <a:r>
+              <a:rPr lang="en-US" dirty="0"/>
+              <a:t> das Spiel </a:t>
+            </a:r>
+            <a:r>
+              <a:rPr lang="en-US" dirty="0" err="1"/>
+              <a:t>vorbei</a:t>
+            </a:r>
+            <a:r>
+              <a:rPr lang="en-US" dirty="0"/>
+              <a:t>. Die </a:t>
+            </a:r>
+            <a:r>
+              <a:rPr lang="en-US" dirty="0" err="1"/>
+              <a:t>Anzahl</a:t>
+            </a:r>
+            <a:r>
+              <a:rPr lang="en-US" dirty="0"/>
+              <a:t> der </a:t>
+            </a:r>
+            <a:r>
+              <a:rPr lang="en-US" dirty="0" err="1"/>
+              <a:t>Versuche</a:t>
+            </a:r>
+            <a:r>
+              <a:rPr lang="en-US" dirty="0"/>
+              <a:t> </a:t>
+            </a:r>
+            <a:r>
+              <a:rPr lang="en-US" dirty="0" err="1"/>
+              <a:t>soll</a:t>
+            </a:r>
+            <a:r>
+              <a:rPr lang="en-US" dirty="0"/>
+              <a:t> </a:t>
+            </a:r>
+            <a:r>
+              <a:rPr lang="en-US" dirty="0" err="1"/>
+              <a:t>ausgegeben</a:t>
+            </a:r>
+            <a:r>
+              <a:rPr lang="en-US" dirty="0"/>
+              <a:t> </a:t>
+            </a:r>
+            <a:r>
+              <a:rPr lang="en-US" dirty="0" err="1"/>
+              <a:t>werden</a:t>
+            </a:r>
+            <a:r>
+              <a:rPr lang="en-US" dirty="0"/>
+              <a:t>. </a:t>
+            </a:r>
+          </a:p>
+          <a:p>
+            <a:pPr marL="0" lvl="0" indent="0" algn="l" rtl="0">
+              <a:spcBef>
+                <a:spcPts val="0"/>
+              </a:spcBef>
+              <a:spcAft>
+                <a:spcPts val="2100"/>
+              </a:spcAft>
+              <a:buNone/>
+            </a:pPr>
+            <a:r>
+              <a:rPr lang="en-US" u="sng" dirty="0" err="1"/>
+              <a:t>Hinweis</a:t>
+            </a:r>
+            <a:r>
+              <a:rPr lang="en-US" u="sng" dirty="0"/>
+              <a:t>:</a:t>
+            </a:r>
+            <a:br>
+              <a:rPr lang="en-US" dirty="0"/>
+            </a:br>
+            <a:r>
+              <a:rPr lang="en-US" dirty="0" err="1"/>
+              <a:t>Folgender</a:t>
+            </a:r>
+            <a:r>
+              <a:rPr lang="en-US" dirty="0"/>
+              <a:t> </a:t>
+            </a:r>
+            <a:r>
+              <a:rPr lang="en-US" dirty="0" err="1"/>
+              <a:t>Quellcode</a:t>
+            </a:r>
+            <a:r>
+              <a:rPr lang="en-US" dirty="0"/>
+              <a:t> </a:t>
+            </a:r>
+            <a:r>
+              <a:rPr lang="en-US" dirty="0" err="1"/>
+              <a:t>generiert</a:t>
+            </a:r>
+            <a:r>
+              <a:rPr lang="en-US" dirty="0"/>
+              <a:t> </a:t>
+            </a:r>
+            <a:r>
+              <a:rPr lang="en-US" dirty="0" err="1"/>
+              <a:t>eine</a:t>
+            </a:r>
+            <a:r>
+              <a:rPr lang="en-US" dirty="0"/>
+              <a:t> </a:t>
+            </a:r>
+            <a:r>
+              <a:rPr lang="en-US" dirty="0" err="1"/>
+              <a:t>zufällige</a:t>
+            </a:r>
+            <a:r>
+              <a:rPr lang="en-US" dirty="0"/>
+              <a:t> </a:t>
+            </a:r>
+            <a:r>
+              <a:rPr lang="en-US" dirty="0" err="1"/>
+              <a:t>Zahl</a:t>
+            </a:r>
+            <a:r>
+              <a:rPr lang="en-US" dirty="0"/>
+              <a:t> </a:t>
+            </a:r>
+            <a:r>
+              <a:rPr lang="en-US" dirty="0" err="1"/>
+              <a:t>zwischen</a:t>
+            </a:r>
+            <a:r>
+              <a:rPr lang="en-US" dirty="0"/>
+              <a:t> 0 und 100:</a:t>
+            </a:r>
+          </a:p>
+          <a:p>
+            <a:pPr marL="0" lvl="0" indent="0" algn="l" rtl="0">
+              <a:spcBef>
+                <a:spcPts val="0"/>
+              </a:spcBef>
+              <a:spcAft>
+                <a:spcPts val="2100"/>
+              </a:spcAft>
+              <a:buNone/>
+            </a:pPr>
+            <a:r>
+              <a:rPr lang="en-US" sz="1600" dirty="0">
+                <a:solidFill>
+                  <a:schemeClr val="accent4"/>
+                </a:solidFill>
+              </a:rPr>
+              <a:t>import</a:t>
+            </a:r>
+            <a:r>
+              <a:rPr lang="en-US" sz="1600" dirty="0"/>
+              <a:t> </a:t>
+            </a:r>
+            <a:r>
+              <a:rPr lang="en-US" sz="1600" dirty="0">
+                <a:solidFill>
+                  <a:schemeClr val="tx1">
+                    <a:lumMod val="75000"/>
+                  </a:schemeClr>
+                </a:solidFill>
+              </a:rPr>
+              <a:t>random</a:t>
+            </a:r>
+          </a:p>
+          <a:p>
+            <a:pPr marL="0" lvl="0" indent="0" algn="l" rtl="0">
+              <a:spcBef>
+                <a:spcPts val="0"/>
+              </a:spcBef>
+              <a:spcAft>
+                <a:spcPts val="2100"/>
+              </a:spcAft>
+              <a:buNone/>
+            </a:pPr>
+            <a:r>
+              <a:rPr lang="en-US" sz="1600" dirty="0">
+                <a:solidFill>
+                  <a:schemeClr val="tx1">
+                    <a:lumMod val="75000"/>
+                  </a:schemeClr>
+                </a:solidFill>
+              </a:rPr>
+              <a:t># some other code here</a:t>
+            </a:r>
+          </a:p>
+          <a:p>
+            <a:pPr marL="0" lvl="0" indent="0" algn="l" rtl="0">
+              <a:spcBef>
+                <a:spcPts val="0"/>
+              </a:spcBef>
+              <a:spcAft>
+                <a:spcPts val="2100"/>
+              </a:spcAft>
+              <a:buNone/>
+            </a:pPr>
+            <a:r>
+              <a:rPr lang="en-US" sz="1600" dirty="0">
+                <a:solidFill>
+                  <a:schemeClr val="accent1"/>
+                </a:solidFill>
+              </a:rPr>
+              <a:t>number</a:t>
+            </a:r>
+            <a:r>
+              <a:rPr lang="en-US" sz="1600" dirty="0"/>
+              <a:t> = </a:t>
+            </a:r>
+            <a:r>
+              <a:rPr lang="en-US" sz="1600" dirty="0" err="1">
+                <a:solidFill>
+                  <a:schemeClr val="accent6">
+                    <a:lumMod val="40000"/>
+                    <a:lumOff val="60000"/>
+                  </a:schemeClr>
+                </a:solidFill>
+              </a:rPr>
+              <a:t>random.randint</a:t>
+            </a:r>
+            <a:r>
+              <a:rPr lang="en-US" sz="1600" dirty="0"/>
+              <a:t>(0, 100)</a:t>
+            </a:r>
+          </a:p>
+        </p:txBody>
+      </p:sp>
+    </p:spTree>
+  </p:cSld>
+  <p:clrMapOvr>
+    <a:masterClrMapping/>
+  </p:clrMapOvr>
+</p:sld>
+</file>
+
+<file path=ppt/slides/slide11.xml><?xml version="1.0" encoding="utf-8"?>
+<p:sld xmlns:a="http://schemas.openxmlformats.org/drawingml/2006/main" xmlns:r="http://schemas.openxmlformats.org/officeDocument/2006/relationships" xmlns:p="http://schemas.openxmlformats.org/presentationml/2006/main">
+  <p:cSld>
+    <p:spTree>
+      <p:nvGrpSpPr>
+        <p:cNvPr id="1" name="Shape 439"/>
+        <p:cNvGrpSpPr/>
+        <p:nvPr/>
+      </p:nvGrpSpPr>
+      <p:grpSpPr>
+        <a:xfrm>
+          <a:off x="0" y="0"/>
+          <a:ext cx="0" cy="0"/>
+          <a:chOff x="0" y="0"/>
+          <a:chExt cx="0" cy="0"/>
+        </a:xfrm>
+      </p:grpSpPr>
+      <p:sp>
+        <p:nvSpPr>
+          <p:cNvPr id="440" name="Google Shape;440;p29"/>
+          <p:cNvSpPr txBox="1">
+            <a:spLocks noGrp="1"/>
+          </p:cNvSpPr>
+          <p:nvPr>
+            <p:ph type="title"/>
+          </p:nvPr>
+        </p:nvSpPr>
+        <p:spPr>
+          <a:xfrm>
+            <a:off x="684150" y="358863"/>
+            <a:ext cx="10672108" cy="763500"/>
+          </a:xfrm>
+          <a:prstGeom prst="rect">
+            <a:avLst/>
+          </a:prstGeom>
+        </p:spPr>
+        <p:txBody>
+          <a:bodyPr spcFirstLastPara="1" wrap="square" lIns="121900" tIns="121900" rIns="121900" bIns="121900" anchor="t" anchorCtr="0">
+            <a:noAutofit/>
+          </a:bodyPr>
+          <a:lstStyle/>
+          <a:p>
+            <a:pPr marL="0" lvl="0" indent="0" algn="l" rtl="0">
+              <a:spcBef>
+                <a:spcPts val="0"/>
+              </a:spcBef>
+              <a:spcAft>
+                <a:spcPts val="0"/>
+              </a:spcAft>
+              <a:buNone/>
+            </a:pPr>
+            <a:r>
+              <a:rPr lang="en-US" dirty="0"/>
+              <a:t>Reversed </a:t>
+            </a:r>
+            <a:r>
+              <a:rPr lang="en" sz="6000" dirty="0">
+                <a:solidFill>
+                  <a:schemeClr val="accent2"/>
+                </a:solidFill>
+              </a:rPr>
+              <a:t>HigherLowerGame</a:t>
+            </a:r>
+            <a:endParaRPr sz="6000" dirty="0">
+              <a:solidFill>
+                <a:schemeClr val="accent2"/>
+              </a:solidFill>
+            </a:endParaRPr>
+          </a:p>
+        </p:txBody>
+      </p:sp>
+      <p:sp>
+        <p:nvSpPr>
+          <p:cNvPr id="441" name="Google Shape;441;p29"/>
+          <p:cNvSpPr txBox="1">
+            <a:spLocks noGrp="1"/>
+          </p:cNvSpPr>
+          <p:nvPr>
+            <p:ph type="subTitle" idx="1"/>
+          </p:nvPr>
+        </p:nvSpPr>
+        <p:spPr>
+          <a:xfrm>
+            <a:off x="1217558" y="1800269"/>
+            <a:ext cx="9755100" cy="606900"/>
+          </a:xfrm>
+          <a:prstGeom prst="rect">
+            <a:avLst/>
+          </a:prstGeom>
+        </p:spPr>
+        <p:txBody>
+          <a:bodyPr spcFirstLastPara="1" wrap="square" lIns="121900" tIns="121900" rIns="121900" bIns="121900" anchor="t" anchorCtr="0">
+            <a:noAutofit/>
+          </a:bodyPr>
+          <a:lstStyle/>
+          <a:p>
+            <a:pPr marL="0" lvl="0" indent="0" algn="l" rtl="0">
+              <a:spcBef>
+                <a:spcPts val="0"/>
+              </a:spcBef>
+              <a:spcAft>
+                <a:spcPts val="2100"/>
+              </a:spcAft>
+              <a:buNone/>
+            </a:pPr>
+            <a:r>
+              <a:rPr lang="en" dirty="0">
+                <a:solidFill>
+                  <a:schemeClr val="accent3"/>
+                </a:solidFill>
+              </a:rPr>
+              <a:t>Reversed HigherLowerGame</a:t>
+            </a:r>
+            <a:endParaRPr dirty="0"/>
+          </a:p>
+        </p:txBody>
+      </p:sp>
+      <p:sp>
+        <p:nvSpPr>
+          <p:cNvPr id="446" name="Google Shape;446;p29"/>
+          <p:cNvSpPr txBox="1">
+            <a:spLocks noGrp="1"/>
+          </p:cNvSpPr>
+          <p:nvPr>
+            <p:ph type="body" idx="4"/>
+          </p:nvPr>
+        </p:nvSpPr>
+        <p:spPr>
+          <a:xfrm>
+            <a:off x="1217550" y="2238218"/>
+            <a:ext cx="9755100" cy="3862232"/>
+          </a:xfrm>
+          <a:prstGeom prst="rect">
+            <a:avLst/>
+          </a:prstGeom>
+        </p:spPr>
+        <p:txBody>
+          <a:bodyPr spcFirstLastPara="1" wrap="square" lIns="121900" tIns="121900" rIns="121900" bIns="121900" anchor="t" anchorCtr="0">
+            <a:noAutofit/>
+          </a:bodyPr>
+          <a:lstStyle/>
+          <a:p>
+            <a:pPr marL="0" lvl="0" indent="0" algn="l" rtl="0">
+              <a:spcBef>
+                <a:spcPts val="0"/>
+              </a:spcBef>
+              <a:spcAft>
+                <a:spcPts val="2100"/>
+              </a:spcAft>
+              <a:buNone/>
+            </a:pPr>
+            <a:r>
+              <a:rPr lang="de-DE" dirty="0"/>
+              <a:t>Ziel ist es, ein Higher-Lower-Game </a:t>
+            </a:r>
+            <a:r>
+              <a:rPr lang="de-DE" dirty="0" err="1"/>
+              <a:t>Reversed</a:t>
+            </a:r>
+            <a:r>
+              <a:rPr lang="de-DE" dirty="0"/>
+              <a:t> zu programmieren. Jetzt soll das Programm eure Zahl zwischen 0 und 100 in so wenig Versuchen wie möglichen zu erraten. Das Programm soll Zahlen raten und ihr sollt entweder "c"/"C" für </a:t>
+            </a:r>
+            <a:r>
+              <a:rPr lang="de-DE" dirty="0" err="1"/>
+              <a:t>correct</a:t>
+            </a:r>
+            <a:r>
+              <a:rPr lang="de-DE" dirty="0"/>
+              <a:t>, "l"/"L" wenn eure Zahl niedriger ist, oder "h"/"H" wenn eure Zahl höher ist, antworten als Input.</a:t>
+            </a:r>
+          </a:p>
+          <a:p>
+            <a:pPr marL="0" lvl="0" indent="0" algn="l" rtl="0">
+              <a:spcBef>
+                <a:spcPts val="0"/>
+              </a:spcBef>
+              <a:spcAft>
+                <a:spcPts val="2100"/>
+              </a:spcAft>
+              <a:buNone/>
+            </a:pPr>
+            <a:r>
+              <a:rPr lang="de-DE" dirty="0"/>
+              <a:t>Pro Tipp: Random ist nicht der beste Algorithmus</a:t>
+            </a:r>
+            <a:endParaRPr lang="en-US" dirty="0"/>
+          </a:p>
+        </p:txBody>
+      </p:sp>
+    </p:spTree>
+    <p:extLst>
+      <p:ext uri="{BB962C8B-B14F-4D97-AF65-F5344CB8AC3E}">
+        <p14:creationId xmlns:p14="http://schemas.microsoft.com/office/powerpoint/2010/main" val="3617753114"/>
+      </p:ext>
+    </p:extLst>
+  </p:cSld>
+  <p:clrMapOvr>
+    <a:masterClrMapping/>
+  </p:clrMapOvr>
+</p:sld>
+</file>
+
+<file path=ppt/slides/slide12.xml><?xml version="1.0" encoding="utf-8"?>
 <p:sld xmlns:a="http://schemas.openxmlformats.org/drawingml/2006/main" xmlns:r="http://schemas.openxmlformats.org/officeDocument/2006/relationships" xmlns:p="http://schemas.openxmlformats.org/presentationml/2006/main">
   <p:cSld>
     <p:spTree>
@@ -16806,612 +17151,6 @@
             </a:pPr>
             <a:r>
               <a:rPr lang="en" dirty="0"/>
-              <a:t>OVERVIEW </a:t>
-            </a:r>
-            <a:br>
-              <a:rPr lang="en" dirty="0"/>
-            </a:br>
-            <a:r>
-              <a:rPr lang="en" sz="12000" dirty="0">
-                <a:solidFill>
-                  <a:schemeClr val="accent1"/>
-                </a:solidFill>
-              </a:rPr>
-              <a:t>IDE</a:t>
-            </a:r>
-            <a:endParaRPr dirty="0"/>
-          </a:p>
-        </p:txBody>
-      </p:sp>
-    </p:spTree>
-    <p:extLst>
-      <p:ext uri="{BB962C8B-B14F-4D97-AF65-F5344CB8AC3E}">
-        <p14:creationId xmlns:p14="http://schemas.microsoft.com/office/powerpoint/2010/main" val="3824561843"/>
-      </p:ext>
-    </p:extLst>
-  </p:cSld>
-  <p:clrMapOvr>
-    <a:masterClrMapping/>
-  </p:clrMapOvr>
-</p:sld>
-</file>
-
-<file path=ppt/slides/slide11.xml><?xml version="1.0" encoding="utf-8"?>
-<p:sld xmlns:a="http://schemas.openxmlformats.org/drawingml/2006/main" xmlns:r="http://schemas.openxmlformats.org/officeDocument/2006/relationships" xmlns:p="http://schemas.openxmlformats.org/presentationml/2006/main">
-  <p:cSld>
-    <p:spTree>
-      <p:nvGrpSpPr>
-        <p:cNvPr id="1" name="Shape 439"/>
-        <p:cNvGrpSpPr/>
-        <p:nvPr/>
-      </p:nvGrpSpPr>
-      <p:grpSpPr>
-        <a:xfrm>
-          <a:off x="0" y="0"/>
-          <a:ext cx="0" cy="0"/>
-          <a:chOff x="0" y="0"/>
-          <a:chExt cx="0" cy="0"/>
-        </a:xfrm>
-      </p:grpSpPr>
-      <p:sp>
-        <p:nvSpPr>
-          <p:cNvPr id="440" name="Google Shape;440;p29"/>
-          <p:cNvSpPr txBox="1">
-            <a:spLocks noGrp="1"/>
-          </p:cNvSpPr>
-          <p:nvPr>
-            <p:ph type="title"/>
-          </p:nvPr>
-        </p:nvSpPr>
-        <p:spPr>
-          <a:xfrm>
-            <a:off x="684150" y="358863"/>
-            <a:ext cx="9755100" cy="763500"/>
-          </a:xfrm>
-          <a:prstGeom prst="rect">
-            <a:avLst/>
-          </a:prstGeom>
-        </p:spPr>
-        <p:txBody>
-          <a:bodyPr spcFirstLastPara="1" wrap="square" lIns="121900" tIns="121900" rIns="121900" bIns="121900" anchor="t" anchorCtr="0">
-            <a:noAutofit/>
-          </a:bodyPr>
-          <a:lstStyle/>
-          <a:p>
-            <a:pPr marL="0" lvl="0" indent="0" algn="l" rtl="0">
-              <a:spcBef>
-                <a:spcPts val="0"/>
-              </a:spcBef>
-              <a:spcAft>
-                <a:spcPts val="0"/>
-              </a:spcAft>
-              <a:buNone/>
-            </a:pPr>
-            <a:r>
-              <a:rPr lang="en" dirty="0"/>
-              <a:t>CHALL</a:t>
-            </a:r>
-            <a:r>
-              <a:rPr lang="de-DE" dirty="0"/>
-              <a:t>E</a:t>
-            </a:r>
-            <a:r>
-              <a:rPr lang="en" dirty="0"/>
-              <a:t>NGE </a:t>
-            </a:r>
-            <a:r>
-              <a:rPr lang="en" sz="6000" dirty="0">
-                <a:solidFill>
-                  <a:schemeClr val="accent2"/>
-                </a:solidFill>
-              </a:rPr>
-              <a:t>PYTHON</a:t>
-            </a:r>
-            <a:endParaRPr sz="6000" dirty="0">
-              <a:solidFill>
-                <a:schemeClr val="accent2"/>
-              </a:solidFill>
-            </a:endParaRPr>
-          </a:p>
-        </p:txBody>
-      </p:sp>
-      <p:sp>
-        <p:nvSpPr>
-          <p:cNvPr id="441" name="Google Shape;441;p29"/>
-          <p:cNvSpPr txBox="1">
-            <a:spLocks noGrp="1"/>
-          </p:cNvSpPr>
-          <p:nvPr>
-            <p:ph type="subTitle" idx="1"/>
-          </p:nvPr>
-        </p:nvSpPr>
-        <p:spPr>
-          <a:xfrm>
-            <a:off x="1217558" y="1800269"/>
-            <a:ext cx="9755100" cy="606900"/>
-          </a:xfrm>
-          <a:prstGeom prst="rect">
-            <a:avLst/>
-          </a:prstGeom>
-        </p:spPr>
-        <p:txBody>
-          <a:bodyPr spcFirstLastPara="1" wrap="square" lIns="121900" tIns="121900" rIns="121900" bIns="121900" anchor="t" anchorCtr="0">
-            <a:noAutofit/>
-          </a:bodyPr>
-          <a:lstStyle/>
-          <a:p>
-            <a:pPr marL="0" lvl="0" indent="0" algn="l" rtl="0">
-              <a:spcBef>
-                <a:spcPts val="0"/>
-              </a:spcBef>
-              <a:spcAft>
-                <a:spcPts val="2100"/>
-              </a:spcAft>
-              <a:buNone/>
-            </a:pPr>
-            <a:r>
-              <a:rPr lang="en" dirty="0">
-                <a:solidFill>
-                  <a:schemeClr val="accent3"/>
-                </a:solidFill>
-              </a:rPr>
-              <a:t>Hello World!</a:t>
-            </a:r>
-            <a:endParaRPr dirty="0"/>
-          </a:p>
-        </p:txBody>
-      </p:sp>
-      <p:sp>
-        <p:nvSpPr>
-          <p:cNvPr id="446" name="Google Shape;446;p29"/>
-          <p:cNvSpPr txBox="1">
-            <a:spLocks noGrp="1"/>
-          </p:cNvSpPr>
-          <p:nvPr>
-            <p:ph type="body" idx="4"/>
-          </p:nvPr>
-        </p:nvSpPr>
-        <p:spPr>
-          <a:xfrm>
-            <a:off x="1217550" y="2238218"/>
-            <a:ext cx="9755100" cy="925200"/>
-          </a:xfrm>
-          <a:prstGeom prst="rect">
-            <a:avLst/>
-          </a:prstGeom>
-        </p:spPr>
-        <p:txBody>
-          <a:bodyPr spcFirstLastPara="1" wrap="square" lIns="121900" tIns="121900" rIns="121900" bIns="121900" anchor="t" anchorCtr="0">
-            <a:noAutofit/>
-          </a:bodyPr>
-          <a:lstStyle/>
-          <a:p>
-            <a:pPr marL="0" lvl="0" indent="0" algn="l" rtl="0">
-              <a:spcBef>
-                <a:spcPts val="0"/>
-              </a:spcBef>
-              <a:spcAft>
-                <a:spcPts val="2100"/>
-              </a:spcAft>
-              <a:buNone/>
-            </a:pPr>
-            <a:r>
-              <a:rPr lang="en-US" dirty="0"/>
-              <a:t>Dein </a:t>
-            </a:r>
-            <a:r>
-              <a:rPr lang="en-US" dirty="0" err="1"/>
-              <a:t>erster</a:t>
-            </a:r>
-            <a:r>
-              <a:rPr lang="en-US" dirty="0"/>
-              <a:t> python code.</a:t>
-            </a:r>
-            <a:br>
-              <a:rPr lang="en-US" dirty="0"/>
-            </a:br>
-            <a:r>
-              <a:rPr lang="en-US" dirty="0" err="1"/>
-              <a:t>Schreibe</a:t>
-            </a:r>
-            <a:r>
-              <a:rPr lang="en-US" dirty="0"/>
-              <a:t> python code der die </a:t>
-            </a:r>
-            <a:r>
-              <a:rPr lang="en-US" dirty="0" err="1"/>
-              <a:t>Zeile</a:t>
-            </a:r>
-            <a:r>
-              <a:rPr lang="en-US" dirty="0"/>
-              <a:t> “Hello World!” </a:t>
-            </a:r>
-            <a:r>
-              <a:rPr lang="en-US" dirty="0" err="1"/>
-              <a:t>ausgiebt</a:t>
-            </a:r>
-            <a:r>
-              <a:rPr lang="en-US" dirty="0"/>
-              <a:t>.</a:t>
-            </a:r>
-          </a:p>
-        </p:txBody>
-      </p:sp>
-    </p:spTree>
-  </p:cSld>
-  <p:clrMapOvr>
-    <a:masterClrMapping/>
-  </p:clrMapOvr>
-</p:sld>
-</file>
-
-<file path=ppt/slides/slide12.xml><?xml version="1.0" encoding="utf-8"?>
-<p:sld xmlns:a="http://schemas.openxmlformats.org/drawingml/2006/main" xmlns:r="http://schemas.openxmlformats.org/officeDocument/2006/relationships" xmlns:p="http://schemas.openxmlformats.org/presentationml/2006/main">
-  <p:cSld>
-    <p:spTree>
-      <p:nvGrpSpPr>
-        <p:cNvPr id="1" name="Shape 439"/>
-        <p:cNvGrpSpPr/>
-        <p:nvPr/>
-      </p:nvGrpSpPr>
-      <p:grpSpPr>
-        <a:xfrm>
-          <a:off x="0" y="0"/>
-          <a:ext cx="0" cy="0"/>
-          <a:chOff x="0" y="0"/>
-          <a:chExt cx="0" cy="0"/>
-        </a:xfrm>
-      </p:grpSpPr>
-      <p:sp>
-        <p:nvSpPr>
-          <p:cNvPr id="440" name="Google Shape;440;p29"/>
-          <p:cNvSpPr txBox="1">
-            <a:spLocks noGrp="1"/>
-          </p:cNvSpPr>
-          <p:nvPr>
-            <p:ph type="title"/>
-          </p:nvPr>
-        </p:nvSpPr>
-        <p:spPr>
-          <a:xfrm>
-            <a:off x="684150" y="358863"/>
-            <a:ext cx="9755100" cy="763500"/>
-          </a:xfrm>
-          <a:prstGeom prst="rect">
-            <a:avLst/>
-          </a:prstGeom>
-        </p:spPr>
-        <p:txBody>
-          <a:bodyPr spcFirstLastPara="1" wrap="square" lIns="121900" tIns="121900" rIns="121900" bIns="121900" anchor="t" anchorCtr="0">
-            <a:noAutofit/>
-          </a:bodyPr>
-          <a:lstStyle/>
-          <a:p>
-            <a:pPr marL="0" lvl="0" indent="0" algn="l" rtl="0">
-              <a:spcBef>
-                <a:spcPts val="0"/>
-              </a:spcBef>
-              <a:spcAft>
-                <a:spcPts val="0"/>
-              </a:spcAft>
-              <a:buNone/>
-            </a:pPr>
-            <a:r>
-              <a:rPr lang="en" dirty="0"/>
-              <a:t>CHALL</a:t>
-            </a:r>
-            <a:r>
-              <a:rPr lang="de-DE" dirty="0"/>
-              <a:t>E</a:t>
-            </a:r>
-            <a:r>
-              <a:rPr lang="en" dirty="0"/>
-              <a:t>NGE </a:t>
-            </a:r>
-            <a:r>
-              <a:rPr lang="en" sz="6000" dirty="0">
-                <a:solidFill>
-                  <a:schemeClr val="accent2"/>
-                </a:solidFill>
-              </a:rPr>
-              <a:t>PYTHON</a:t>
-            </a:r>
-            <a:endParaRPr sz="6000" dirty="0">
-              <a:solidFill>
-                <a:schemeClr val="accent2"/>
-              </a:solidFill>
-            </a:endParaRPr>
-          </a:p>
-        </p:txBody>
-      </p:sp>
-      <p:sp>
-        <p:nvSpPr>
-          <p:cNvPr id="441" name="Google Shape;441;p29"/>
-          <p:cNvSpPr txBox="1">
-            <a:spLocks noGrp="1"/>
-          </p:cNvSpPr>
-          <p:nvPr>
-            <p:ph type="subTitle" idx="1"/>
-          </p:nvPr>
-        </p:nvSpPr>
-        <p:spPr>
-          <a:xfrm>
-            <a:off x="1217558" y="1800269"/>
-            <a:ext cx="9755100" cy="606900"/>
-          </a:xfrm>
-          <a:prstGeom prst="rect">
-            <a:avLst/>
-          </a:prstGeom>
-        </p:spPr>
-        <p:txBody>
-          <a:bodyPr spcFirstLastPara="1" wrap="square" lIns="121900" tIns="121900" rIns="121900" bIns="121900" anchor="t" anchorCtr="0">
-            <a:noAutofit/>
-          </a:bodyPr>
-          <a:lstStyle/>
-          <a:p>
-            <a:pPr marL="0" lvl="0" indent="0" algn="l" rtl="0">
-              <a:spcBef>
-                <a:spcPts val="0"/>
-              </a:spcBef>
-              <a:spcAft>
-                <a:spcPts val="2100"/>
-              </a:spcAft>
-              <a:buNone/>
-            </a:pPr>
-            <a:r>
-              <a:rPr lang="en" dirty="0">
-                <a:solidFill>
-                  <a:schemeClr val="accent3"/>
-                </a:solidFill>
-              </a:rPr>
-              <a:t>Einfache Kalkulation</a:t>
-            </a:r>
-            <a:endParaRPr dirty="0"/>
-          </a:p>
-        </p:txBody>
-      </p:sp>
-      <p:sp>
-        <p:nvSpPr>
-          <p:cNvPr id="446" name="Google Shape;446;p29"/>
-          <p:cNvSpPr txBox="1">
-            <a:spLocks noGrp="1"/>
-          </p:cNvSpPr>
-          <p:nvPr>
-            <p:ph type="body" idx="4"/>
-          </p:nvPr>
-        </p:nvSpPr>
-        <p:spPr>
-          <a:xfrm>
-            <a:off x="1217550" y="2238218"/>
-            <a:ext cx="9755100" cy="925200"/>
-          </a:xfrm>
-          <a:prstGeom prst="rect">
-            <a:avLst/>
-          </a:prstGeom>
-        </p:spPr>
-        <p:txBody>
-          <a:bodyPr spcFirstLastPara="1" wrap="square" lIns="121900" tIns="121900" rIns="121900" bIns="121900" anchor="t" anchorCtr="0">
-            <a:noAutofit/>
-          </a:bodyPr>
-          <a:lstStyle/>
-          <a:p>
-            <a:pPr marL="0" lvl="0" indent="0" algn="l" rtl="0">
-              <a:spcBef>
-                <a:spcPts val="0"/>
-              </a:spcBef>
-              <a:spcAft>
-                <a:spcPts val="2100"/>
-              </a:spcAft>
-              <a:buNone/>
-            </a:pPr>
-            <a:r>
-              <a:rPr lang="en-US" dirty="0" err="1"/>
-              <a:t>Ziel</a:t>
-            </a:r>
-            <a:r>
-              <a:rPr lang="en-US" dirty="0"/>
-              <a:t> </a:t>
-            </a:r>
-            <a:r>
-              <a:rPr lang="en-US" dirty="0" err="1"/>
-              <a:t>ist</a:t>
-            </a:r>
-            <a:r>
-              <a:rPr lang="en-US" dirty="0"/>
-              <a:t> </a:t>
-            </a:r>
-            <a:r>
-              <a:rPr lang="en-US" dirty="0" err="1"/>
-              <a:t>ein</a:t>
-            </a:r>
-            <a:r>
-              <a:rPr lang="en-US" dirty="0"/>
-              <a:t> </a:t>
-            </a:r>
-            <a:r>
-              <a:rPr lang="en-US" dirty="0" err="1"/>
-              <a:t>Taschenrechner</a:t>
-            </a:r>
-            <a:r>
-              <a:rPr lang="en-US" dirty="0"/>
-              <a:t>, </a:t>
-            </a:r>
-            <a:r>
-              <a:rPr lang="en-US" dirty="0" err="1"/>
-              <a:t>welcher</a:t>
-            </a:r>
-            <a:r>
-              <a:rPr lang="en-US" dirty="0"/>
-              <a:t> </a:t>
-            </a:r>
-            <a:r>
-              <a:rPr lang="en-US" dirty="0" err="1"/>
-              <a:t>zwei</a:t>
-            </a:r>
-            <a:r>
-              <a:rPr lang="en-US" dirty="0"/>
-              <a:t> </a:t>
-            </a:r>
-            <a:r>
-              <a:rPr lang="en-US" dirty="0" err="1"/>
-              <a:t>ganze</a:t>
-            </a:r>
-            <a:r>
-              <a:rPr lang="en-US" dirty="0"/>
-              <a:t> </a:t>
-            </a:r>
-            <a:r>
-              <a:rPr lang="en-US" dirty="0" err="1"/>
-              <a:t>Zahlen</a:t>
-            </a:r>
-            <a:r>
-              <a:rPr lang="en-US" dirty="0"/>
-              <a:t> </a:t>
-            </a:r>
-            <a:r>
-              <a:rPr lang="en-US" dirty="0" err="1"/>
-              <a:t>addieren</a:t>
-            </a:r>
-            <a:r>
-              <a:rPr lang="en-US" dirty="0"/>
-              <a:t> </a:t>
-            </a:r>
-            <a:r>
-              <a:rPr lang="en-US" dirty="0" err="1"/>
-              <a:t>kann</a:t>
-            </a:r>
-            <a:r>
-              <a:rPr lang="en-US" dirty="0"/>
-              <a:t>.</a:t>
-            </a:r>
-            <a:br>
-              <a:rPr lang="en-US" dirty="0"/>
-            </a:br>
-            <a:r>
-              <a:rPr lang="en-US" dirty="0" err="1"/>
-              <a:t>Schreibe</a:t>
-            </a:r>
-            <a:r>
-              <a:rPr lang="en-US" dirty="0"/>
-              <a:t> code </a:t>
-            </a:r>
-            <a:r>
-              <a:rPr lang="en-US" dirty="0" err="1"/>
-              <a:t>welcher</a:t>
-            </a:r>
-            <a:r>
-              <a:rPr lang="en-US" dirty="0"/>
-              <a:t> </a:t>
-            </a:r>
-            <a:r>
-              <a:rPr lang="en-US" dirty="0" err="1"/>
-              <a:t>zwei</a:t>
-            </a:r>
-            <a:r>
-              <a:rPr lang="en-US" dirty="0"/>
-              <a:t> </a:t>
-            </a:r>
-            <a:r>
-              <a:rPr lang="en-US" dirty="0" err="1"/>
-              <a:t>Zahlen</a:t>
-            </a:r>
-            <a:r>
-              <a:rPr lang="en-US" dirty="0"/>
-              <a:t> </a:t>
-            </a:r>
-            <a:r>
-              <a:rPr lang="en-US" dirty="0" err="1"/>
-              <a:t>abfragt</a:t>
-            </a:r>
-            <a:r>
-              <a:rPr lang="en-US" dirty="0"/>
-              <a:t> und das </a:t>
-            </a:r>
-            <a:r>
-              <a:rPr lang="en-US" dirty="0" err="1"/>
-              <a:t>Ergebnis</a:t>
-            </a:r>
-            <a:r>
-              <a:rPr lang="en-US" dirty="0"/>
-              <a:t> </a:t>
-            </a:r>
-            <a:r>
-              <a:rPr lang="en-US" dirty="0" err="1"/>
-              <a:t>ausgiebt</a:t>
-            </a:r>
-            <a:r>
-              <a:rPr lang="en-US" dirty="0"/>
-              <a:t>.</a:t>
-            </a:r>
-          </a:p>
-        </p:txBody>
-      </p:sp>
-    </p:spTree>
-    <p:extLst>
-      <p:ext uri="{BB962C8B-B14F-4D97-AF65-F5344CB8AC3E}">
-        <p14:creationId xmlns:p14="http://schemas.microsoft.com/office/powerpoint/2010/main" val="4155880635"/>
-      </p:ext>
-    </p:extLst>
-  </p:cSld>
-  <p:clrMapOvr>
-    <a:masterClrMapping/>
-  </p:clrMapOvr>
-</p:sld>
-</file>
-
-<file path=ppt/slides/slide13.xml><?xml version="1.0" encoding="utf-8"?>
-<p:sld xmlns:a="http://schemas.openxmlformats.org/drawingml/2006/main" xmlns:r="http://schemas.openxmlformats.org/officeDocument/2006/relationships" xmlns:p="http://schemas.openxmlformats.org/presentationml/2006/main">
-  <p:cSld>
-    <p:spTree>
-      <p:nvGrpSpPr>
-        <p:cNvPr id="1" name="Shape 450"/>
-        <p:cNvGrpSpPr/>
-        <p:nvPr/>
-      </p:nvGrpSpPr>
-      <p:grpSpPr>
-        <a:xfrm>
-          <a:off x="0" y="0"/>
-          <a:ext cx="0" cy="0"/>
-          <a:chOff x="0" y="0"/>
-          <a:chExt cx="0" cy="0"/>
-        </a:xfrm>
-      </p:grpSpPr>
-      <p:sp>
-        <p:nvSpPr>
-          <p:cNvPr id="451" name="Google Shape;451;p30"/>
-          <p:cNvSpPr txBox="1">
-            <a:spLocks noGrp="1"/>
-          </p:cNvSpPr>
-          <p:nvPr>
-            <p:ph type="title"/>
-          </p:nvPr>
-        </p:nvSpPr>
-        <p:spPr>
-          <a:xfrm>
-            <a:off x="1251575" y="919825"/>
-            <a:ext cx="10158600" cy="4720200"/>
-          </a:xfrm>
-          <a:prstGeom prst="rect">
-            <a:avLst/>
-          </a:prstGeom>
-        </p:spPr>
-        <p:txBody>
-          <a:bodyPr spcFirstLastPara="1" wrap="square" lIns="121900" tIns="121900" rIns="121900" bIns="121900" anchor="ctr" anchorCtr="0">
-            <a:noAutofit/>
-          </a:bodyPr>
-          <a:lstStyle/>
-          <a:p>
-            <a:pPr marL="0" lvl="0" indent="0" algn="l" rtl="0">
-              <a:spcBef>
-                <a:spcPts val="0"/>
-              </a:spcBef>
-              <a:spcAft>
-                <a:spcPts val="0"/>
-              </a:spcAft>
-              <a:buNone/>
-            </a:pPr>
-            <a:r>
-              <a:rPr lang="en" dirty="0"/>
               <a:t>VERY </a:t>
             </a:r>
             <a:r>
@@ -17438,7 +17177,7 @@
 </p:sld>
 </file>
 
-<file path=ppt/slides/slide14.xml><?xml version="1.0" encoding="utf-8"?>
+<file path=ppt/slides/slide13.xml><?xml version="1.0" encoding="utf-8"?>
 <p:sld xmlns:a="http://schemas.openxmlformats.org/drawingml/2006/main" xmlns:r="http://schemas.openxmlformats.org/officeDocument/2006/relationships" xmlns:p="http://schemas.openxmlformats.org/presentationml/2006/main">
   <p:cSld>
     <p:spTree>
@@ -17622,7 +17361,7 @@
         <p:spPr>
           <a:xfrm>
             <a:off x="1123894" y="2965625"/>
-            <a:ext cx="8608200" cy="2066400"/>
+            <a:ext cx="8931856" cy="2066400"/>
           </a:xfrm>
           <a:prstGeom prst="rect">
             <a:avLst/>
@@ -17641,9 +17380,20 @@
               <a:rPr lang="de-DE" sz="2000" dirty="0">
                 <a:hlinkClick r:id="rId3"/>
               </a:rPr>
-              <a:t>https://docs.python.org/3/tutorial/introduction.html</a:t>
+              <a:t>https://www.w3schools.com/python/python_operators.asp</a:t>
             </a:r>
             <a:endParaRPr lang="de-DE" sz="2000" dirty="0"/>
+          </a:p>
+          <a:p>
+            <a:pPr marL="114300" indent="0">
+              <a:buNone/>
+            </a:pPr>
+            <a:r>
+              <a:rPr lang="de-DE" sz="2000" dirty="0">
+                <a:hlinkClick r:id="rId4"/>
+              </a:rPr>
+              <a:t>https://www.w3schools.com/python/python_while_loops.asp</a:t>
+            </a:r>
           </a:p>
           <a:p>
             <a:pPr marL="114300" indent="0">
@@ -17837,200 +17587,6 @@
   <p:cSld>
     <p:spTree>
       <p:nvGrpSpPr>
-        <p:cNvPr id="1" name=""/>
-        <p:cNvGrpSpPr/>
-        <p:nvPr/>
-      </p:nvGrpSpPr>
-      <p:grpSpPr>
-        <a:xfrm>
-          <a:off x="0" y="0"/>
-          <a:ext cx="0" cy="0"/>
-          <a:chOff x="0" y="0"/>
-          <a:chExt cx="0" cy="0"/>
-        </a:xfrm>
-      </p:grpSpPr>
-      <p:sp>
-        <p:nvSpPr>
-          <p:cNvPr id="15" name="TextBox 14">
-            <a:extLst>
-              <a:ext uri="{FF2B5EF4-FFF2-40B4-BE49-F238E27FC236}">
-                <a16:creationId xmlns:a16="http://schemas.microsoft.com/office/drawing/2014/main" id="{F0CD74E8-E060-2467-7BCA-1859D67C7A6A}"/>
-              </a:ext>
-            </a:extLst>
-          </p:cNvPr>
-          <p:cNvSpPr txBox="1"/>
-          <p:nvPr/>
-        </p:nvSpPr>
-        <p:spPr>
-          <a:xfrm>
-            <a:off x="1670756" y="553155"/>
-            <a:ext cx="9674576" cy="4893647"/>
-          </a:xfrm>
-          <a:prstGeom prst="rect">
-            <a:avLst/>
-          </a:prstGeom>
-          <a:noFill/>
-        </p:spPr>
-        <p:txBody>
-          <a:bodyPr wrap="square" rtlCol="0">
-            <a:spAutoFit/>
-          </a:bodyPr>
-          <a:lstStyle/>
-          <a:p>
-            <a:r>
-              <a:rPr lang="en-DE" sz="2400" dirty="0">
-                <a:solidFill>
-                  <a:schemeClr val="tx1"/>
-                </a:solidFill>
-              </a:rPr>
-              <a:t>- Bedingungen</a:t>
-            </a:r>
-          </a:p>
-          <a:p>
-            <a:r>
-              <a:rPr lang="en-DE" sz="2400" dirty="0">
-                <a:solidFill>
-                  <a:schemeClr val="tx1"/>
-                </a:solidFill>
-              </a:rPr>
-              <a:t>   - wenn, dann (,sonst)</a:t>
-            </a:r>
-          </a:p>
-          <a:p>
-            <a:r>
-              <a:rPr lang="en-DE" sz="2400" dirty="0">
-                <a:solidFill>
-                  <a:schemeClr val="tx1"/>
-                </a:solidFill>
-              </a:rPr>
-              <a:t>- Schleifen (for, while)</a:t>
-            </a:r>
-          </a:p>
-          <a:p>
-            <a:r>
-              <a:rPr lang="en-DE" sz="2400" dirty="0">
-                <a:solidFill>
-                  <a:schemeClr val="tx1"/>
-                </a:solidFill>
-              </a:rPr>
-              <a:t>   - continue, break</a:t>
-            </a:r>
-          </a:p>
-          <a:p>
-            <a:r>
-              <a:rPr lang="en-DE" sz="2400" dirty="0">
-                <a:solidFill>
-                  <a:schemeClr val="tx1"/>
-                </a:solidFill>
-              </a:rPr>
-              <a:t>- Funktionen</a:t>
-            </a:r>
-          </a:p>
-          <a:p>
-            <a:pPr lvl="3"/>
-            <a:r>
-              <a:rPr lang="en-DE" sz="2400" dirty="0">
-                <a:solidFill>
-                  <a:schemeClr val="tx1"/>
-                </a:solidFill>
-              </a:rPr>
-              <a:t>   - Parameter</a:t>
-            </a:r>
-          </a:p>
-          <a:p>
-            <a:pPr lvl="3"/>
-            <a:r>
-              <a:rPr lang="en-DE" sz="2400" dirty="0">
-                <a:solidFill>
-                  <a:schemeClr val="tx1"/>
-                </a:solidFill>
-              </a:rPr>
-              <a:t>   - Rückgabewerte</a:t>
-            </a:r>
-          </a:p>
-          <a:p>
-            <a:pPr lvl="3"/>
-            <a:r>
-              <a:rPr lang="en-DE" sz="2400" dirty="0">
-                <a:solidFill>
-                  <a:schemeClr val="tx1"/>
-                </a:solidFill>
-              </a:rPr>
-              <a:t>   - rekrusive Funktionen?</a:t>
-            </a:r>
-          </a:p>
-          <a:p>
-            <a:pPr lvl="3"/>
-            <a:r>
-              <a:rPr lang="en-DE" sz="2400" dirty="0">
-                <a:solidFill>
-                  <a:schemeClr val="tx1"/>
-                </a:solidFill>
-              </a:rPr>
-              <a:t>- Intellisense erklären</a:t>
-            </a:r>
-          </a:p>
-          <a:p>
-            <a:pPr lvl="3"/>
-            <a:r>
-              <a:rPr lang="en-DE" sz="2400" dirty="0">
-                <a:solidFill>
-                  <a:schemeClr val="tx1"/>
-                </a:solidFill>
-              </a:rPr>
-              <a:t>- Variablen Scopes</a:t>
-            </a:r>
-          </a:p>
-          <a:p>
-            <a:pPr lvl="3"/>
-            <a:endParaRPr lang="en-DE" sz="2400" dirty="0">
-              <a:solidFill>
-                <a:schemeClr val="tx1"/>
-              </a:solidFill>
-            </a:endParaRPr>
-          </a:p>
-          <a:p>
-            <a:pPr lvl="3"/>
-            <a:r>
-              <a:rPr lang="en-DE" sz="2400" dirty="0">
-                <a:solidFill>
-                  <a:schemeClr val="tx1"/>
-                </a:solidFill>
-              </a:rPr>
-              <a:t>=&gt; Aufgabe: Prime Number Checker</a:t>
-            </a:r>
-          </a:p>
-          <a:p>
-            <a:pPr lvl="3"/>
-            <a:r>
-              <a:rPr lang="en-DE" sz="2400" dirty="0">
-                <a:solidFill>
-                  <a:schemeClr val="tx1"/>
-                </a:solidFill>
-              </a:rPr>
-              <a:t>   </a:t>
-            </a:r>
-          </a:p>
-        </p:txBody>
-      </p:sp>
-    </p:spTree>
-    <p:extLst>
-      <p:ext uri="{BB962C8B-B14F-4D97-AF65-F5344CB8AC3E}">
-        <p14:creationId xmlns:p14="http://schemas.microsoft.com/office/powerpoint/2010/main" val="4043312100"/>
-      </p:ext>
-    </p:extLst>
-  </p:cSld>
-  <p:clrMapOvr>
-    <a:masterClrMapping/>
-  </p:clrMapOvr>
-</p:sld>
-</file>
-
-<file path=ppt/slides/slide3.xml><?xml version="1.0" encoding="utf-8"?>
-<p:sld xmlns:a="http://schemas.openxmlformats.org/drawingml/2006/main" xmlns:r="http://schemas.openxmlformats.org/officeDocument/2006/relationships" xmlns:p="http://schemas.openxmlformats.org/presentationml/2006/main">
-  <p:cSld>
-    <p:spTree>
-      <p:nvGrpSpPr>
         <p:cNvPr id="1" name="Shape 392"/>
         <p:cNvGrpSpPr/>
         <p:nvPr/>
@@ -18233,8 +17789,8 @@
               <a:buNone/>
             </a:pPr>
             <a:r>
-              <a:rPr lang="en-US" dirty="0"/>
-              <a:t>Basics</a:t>
+              <a:rPr lang="en-US" dirty="0" err="1"/>
+              <a:t>Operatoren</a:t>
             </a:r>
             <a:br>
               <a:rPr lang="en-US" dirty="0"/>
@@ -18245,7 +17801,7 @@
                   <a:schemeClr val="accent1"/>
                 </a:solidFill>
               </a:rPr>
-              <a:t>Variablen/ Datentypen</a:t>
+              <a:t>Bedingungen</a:t>
             </a:r>
             <a:endParaRPr lang="en-US" dirty="0"/>
           </a:p>
@@ -18283,20 +17839,12 @@
               <a:buNone/>
             </a:pPr>
             <a:r>
-              <a:rPr lang="en-US" dirty="0">
+              <a:rPr lang="en-US" dirty="0" err="1">
                 <a:solidFill>
                   <a:schemeClr val="accent3"/>
                 </a:solidFill>
               </a:rPr>
-              <a:t>IDE</a:t>
-            </a:r>
-            <a:r>
-              <a:rPr lang="en-US" dirty="0"/>
-              <a:t> </a:t>
-            </a:r>
-            <a:r>
-              <a:rPr lang="en-US" dirty="0" err="1"/>
-              <a:t>erklärt</a:t>
+              <a:t>Schleifen</a:t>
             </a:r>
             <a:endParaRPr lang="en-US" dirty="0"/>
           </a:p>
@@ -18337,68 +17885,16 @@
               <a:buNone/>
             </a:pPr>
             <a:r>
-              <a:rPr lang="en-US" dirty="0" err="1">
+              <a:rPr lang="en-US" dirty="0">
                 <a:solidFill>
                   <a:schemeClr val="accent2"/>
                 </a:solidFill>
               </a:rPr>
-              <a:t>Schreibe</a:t>
-            </a:r>
-            <a:r>
-              <a:rPr lang="en-US" dirty="0">
-                <a:solidFill>
-                  <a:schemeClr val="accent2"/>
-                </a:solidFill>
-              </a:rPr>
-              <a:t> </a:t>
-            </a:r>
-            <a:r>
-              <a:rPr lang="en-US" dirty="0"/>
-              <a:t>und </a:t>
-            </a:r>
-            <a:r>
-              <a:rPr lang="en-US" dirty="0" err="1">
-                <a:solidFill>
-                  <a:schemeClr val="accent2"/>
-                </a:solidFill>
-              </a:rPr>
-              <a:t>führe</a:t>
-            </a:r>
-            <a:r>
-              <a:rPr lang="en-US" dirty="0">
-                <a:solidFill>
-                  <a:schemeClr val="accent2"/>
-                </a:solidFill>
-              </a:rPr>
-              <a:t> </a:t>
+              <a:t>Coding </a:t>
             </a:r>
             <a:r>
               <a:rPr lang="en-US" dirty="0" err="1"/>
-              <a:t>deinen</a:t>
-            </a:r>
-            <a:r>
-              <a:rPr lang="en-US" dirty="0"/>
-              <a:t> </a:t>
-            </a:r>
-            <a:r>
-              <a:rPr lang="en-US" dirty="0" err="1"/>
-              <a:t>ersten</a:t>
-            </a:r>
-            <a:r>
-              <a:rPr lang="en-US" dirty="0"/>
-              <a:t> code </a:t>
-            </a:r>
-            <a:r>
-              <a:rPr lang="en-US" dirty="0" err="1">
-                <a:solidFill>
-                  <a:schemeClr val="accent2"/>
-                </a:solidFill>
-              </a:rPr>
-              <a:t>aus</a:t>
-            </a:r>
-            <a:r>
-              <a:rPr lang="en-US" dirty="0" err="1"/>
-              <a:t>.</a:t>
+              <a:t>Challange</a:t>
             </a:r>
             <a:endParaRPr lang="en-US" dirty="0"/>
           </a:p>
@@ -18487,7 +17983,7 @@
             </a:pPr>
             <a:r>
               <a:rPr lang="en" dirty="0"/>
-              <a:t>Installation</a:t>
+              <a:t>Basics</a:t>
             </a:r>
             <a:br>
               <a:rPr lang="en" dirty="0"/>
@@ -18498,7 +17994,7 @@
                   <a:schemeClr val="accent1"/>
                 </a:solidFill>
               </a:rPr>
-              <a:t>Python/ IDE</a:t>
+              <a:t>Bedingungen</a:t>
             </a:r>
           </a:p>
         </p:txBody>
@@ -18539,15 +18035,7 @@
             </a:pPr>
             <a:r>
               <a:rPr lang="en-US" dirty="0"/>
-              <a:t>Some useful </a:t>
-            </a:r>
-            <a:r>
-              <a:rPr lang="en-US" dirty="0">
-                <a:solidFill>
-                  <a:schemeClr val="accent2"/>
-                </a:solidFill>
-              </a:rPr>
-              <a:t>links</a:t>
+              <a:t>Quiz</a:t>
             </a:r>
             <a:endParaRPr dirty="0">
               <a:solidFill>
@@ -18742,6 +18230,133 @@
         </p:txBody>
       </p:sp>
     </p:spTree>
+  </p:cSld>
+  <p:clrMapOvr>
+    <a:masterClrMapping/>
+  </p:clrMapOvr>
+</p:sld>
+</file>
+
+<file path=ppt/slides/slide3.xml><?xml version="1.0" encoding="utf-8"?>
+<p:sld xmlns:a="http://schemas.openxmlformats.org/drawingml/2006/main" xmlns:r="http://schemas.openxmlformats.org/officeDocument/2006/relationships" xmlns:p="http://schemas.openxmlformats.org/presentationml/2006/main">
+  <p:cSld>
+    <p:spTree>
+      <p:nvGrpSpPr>
+        <p:cNvPr id="1" name="Shape 450"/>
+        <p:cNvGrpSpPr/>
+        <p:nvPr/>
+      </p:nvGrpSpPr>
+      <p:grpSpPr>
+        <a:xfrm>
+          <a:off x="0" y="0"/>
+          <a:ext cx="0" cy="0"/>
+          <a:chOff x="0" y="0"/>
+          <a:chExt cx="0" cy="0"/>
+        </a:xfrm>
+      </p:grpSpPr>
+      <p:sp>
+        <p:nvSpPr>
+          <p:cNvPr id="451" name="Google Shape;451;p30"/>
+          <p:cNvSpPr txBox="1">
+            <a:spLocks noGrp="1"/>
+          </p:cNvSpPr>
+          <p:nvPr>
+            <p:ph type="title"/>
+          </p:nvPr>
+        </p:nvSpPr>
+        <p:spPr>
+          <a:xfrm>
+            <a:off x="1016700" y="2866612"/>
+            <a:ext cx="10158600" cy="827859"/>
+          </a:xfrm>
+          <a:prstGeom prst="rect">
+            <a:avLst/>
+          </a:prstGeom>
+        </p:spPr>
+        <p:txBody>
+          <a:bodyPr spcFirstLastPara="1" wrap="square" lIns="121900" tIns="121900" rIns="121900" bIns="121900" anchor="ctr" anchorCtr="0">
+            <a:noAutofit/>
+          </a:bodyPr>
+          <a:lstStyle/>
+          <a:p>
+            <a:pPr marL="0" lvl="0" indent="0" algn="l" rtl="0">
+              <a:spcBef>
+                <a:spcPts val="0"/>
+              </a:spcBef>
+              <a:spcAft>
+                <a:spcPts val="0"/>
+              </a:spcAft>
+              <a:buNone/>
+            </a:pPr>
+            <a:r>
+              <a:rPr lang="en" sz="7200" dirty="0">
+                <a:solidFill>
+                  <a:schemeClr val="accent1"/>
+                </a:solidFill>
+              </a:rPr>
+              <a:t>Wiederholung</a:t>
+            </a:r>
+            <a:endParaRPr sz="7200" dirty="0">
+              <a:solidFill>
+                <a:schemeClr val="accent1"/>
+              </a:solidFill>
+            </a:endParaRPr>
+          </a:p>
+        </p:txBody>
+      </p:sp>
+      <p:pic>
+        <p:nvPicPr>
+          <p:cNvPr id="3" name="Picture 2">
+            <a:extLst>
+              <a:ext uri="{FF2B5EF4-FFF2-40B4-BE49-F238E27FC236}">
+                <a16:creationId xmlns:a16="http://schemas.microsoft.com/office/drawing/2014/main" id="{622FF323-5FE7-A43B-B099-007C31190FFC}"/>
+              </a:ext>
+            </a:extLst>
+          </p:cNvPr>
+          <p:cNvPicPr>
+            <a:picLocks noChangeAspect="1" noChangeArrowheads="1"/>
+          </p:cNvPicPr>
+          <p:nvPr/>
+        </p:nvPicPr>
+        <p:blipFill>
+          <a:blip r:embed="rId3">
+            <a:extLst>
+              <a:ext uri="{28A0092B-C50C-407E-A947-70E740481C1C}">
+                <a14:useLocalDpi xmlns:a14="http://schemas.microsoft.com/office/drawing/2010/main" val="0"/>
+              </a:ext>
+            </a:extLst>
+          </a:blip>
+          <a:srcRect/>
+          <a:stretch>
+            <a:fillRect/>
+          </a:stretch>
+        </p:blipFill>
+        <p:spPr bwMode="auto">
+          <a:xfrm>
+            <a:off x="7459518" y="1201437"/>
+            <a:ext cx="3513282" cy="4263395"/>
+          </a:xfrm>
+          <a:prstGeom prst="rect">
+            <a:avLst/>
+          </a:prstGeom>
+          <a:noFill/>
+          <a:extLst>
+            <a:ext uri="{909E8E84-426E-40DD-AFC4-6F175D3DCCD1}">
+              <a14:hiddenFill xmlns:a14="http://schemas.microsoft.com/office/drawing/2010/main">
+                <a:solidFill>
+                  <a:srgbClr val="FFFFFF"/>
+                </a:solidFill>
+              </a14:hiddenFill>
+            </a:ext>
+          </a:extLst>
+        </p:spPr>
+      </p:pic>
+    </p:spTree>
+    <p:extLst>
+      <p:ext uri="{BB962C8B-B14F-4D97-AF65-F5344CB8AC3E}">
+        <p14:creationId xmlns:p14="http://schemas.microsoft.com/office/powerpoint/2010/main" val="1188238852"/>
+      </p:ext>
+    </p:extLst>
   </p:cSld>
   <p:clrMapOvr>
     <a:masterClrMapping/>
@@ -18789,7 +18404,7 @@
           <a:p>
             <a:r>
               <a:rPr lang="en" dirty="0"/>
-              <a:t>WARUM </a:t>
+              <a:t>OPERATOREN </a:t>
             </a:r>
             <a:r>
               <a:rPr lang="en" sz="6000" dirty="0">
@@ -18797,89 +18412,18 @@
                   <a:schemeClr val="accent1"/>
                 </a:solidFill>
               </a:rPr>
-              <a:t>P</a:t>
-            </a:r>
-            <a:r>
-              <a:rPr lang="en" sz="6000" dirty="0">
-                <a:solidFill>
-                  <a:srgbClr val="AF81A6"/>
-                </a:solidFill>
-              </a:rPr>
-              <a:t>YTHO</a:t>
-            </a:r>
-            <a:r>
-              <a:rPr lang="en" sz="6000" dirty="0">
-                <a:solidFill>
-                  <a:schemeClr val="accent1"/>
-                </a:solidFill>
-              </a:rPr>
-              <a:t>N?</a:t>
-            </a:r>
-            <a:endParaRPr lang="de-DE" dirty="0"/>
-          </a:p>
-        </p:txBody>
-      </p:sp>
-      <p:pic>
-        <p:nvPicPr>
-          <p:cNvPr id="4" name="Grafik 3" descr="Ein Bild, das Säugetier, Reptil, Schlange, Schuppenkriechtiere enthält.">
-            <a:extLst>
-              <a:ext uri="{FF2B5EF4-FFF2-40B4-BE49-F238E27FC236}">
-                <a16:creationId xmlns:a16="http://schemas.microsoft.com/office/drawing/2014/main" id="{D04F267D-E53C-9E05-68F0-D1FB57C80AB0}"/>
-              </a:ext>
-            </a:extLst>
-          </p:cNvPr>
-          <p:cNvPicPr>
-            <a:picLocks noChangeAspect="1"/>
-          </p:cNvPicPr>
-          <p:nvPr/>
-        </p:nvPicPr>
-        <p:blipFill>
-          <a:blip r:embed="rId2"/>
-          <a:stretch>
-            <a:fillRect/>
-          </a:stretch>
-        </p:blipFill>
-        <p:spPr>
-          <a:xfrm>
-            <a:off x="4196022" y="1800269"/>
-            <a:ext cx="3798155" cy="3767376"/>
-          </a:xfrm>
-          <a:prstGeom prst="rect">
-            <a:avLst/>
-          </a:prstGeom>
-        </p:spPr>
-      </p:pic>
-      <p:sp>
-        <p:nvSpPr>
-          <p:cNvPr id="11" name="Untertitel 10">
-            <a:extLst>
-              <a:ext uri="{FF2B5EF4-FFF2-40B4-BE49-F238E27FC236}">
-                <a16:creationId xmlns:a16="http://schemas.microsoft.com/office/drawing/2014/main" id="{40A269E2-E698-7092-5C6E-B06227763934}"/>
-              </a:ext>
-            </a:extLst>
-          </p:cNvPr>
-          <p:cNvSpPr>
-            <a:spLocks noGrp="1"/>
-          </p:cNvSpPr>
-          <p:nvPr>
-            <p:ph type="subTitle" idx="1"/>
-          </p:nvPr>
-        </p:nvSpPr>
-        <p:spPr/>
-        <p:txBody>
-          <a:bodyPr/>
-          <a:lstStyle/>
-          <a:p>
+              <a:t>BEDINGUNGEN</a:t>
+            </a:r>
             <a:endParaRPr lang="de-DE" dirty="0"/>
           </a:p>
         </p:txBody>
       </p:sp>
       <p:sp>
         <p:nvSpPr>
-          <p:cNvPr id="13" name="Textplatzhalter 12">
+          <p:cNvPr id="6" name="Text Placeholder 5">
             <a:extLst>
               <a:ext uri="{FF2B5EF4-FFF2-40B4-BE49-F238E27FC236}">
-                <a16:creationId xmlns:a16="http://schemas.microsoft.com/office/drawing/2014/main" id="{DC18C84E-A0B3-6E2F-DCE1-720199FFE216}"/>
+                <a16:creationId xmlns:a16="http://schemas.microsoft.com/office/drawing/2014/main" id="{9AB60CCB-076F-1878-D203-C5D2E357592E}"/>
               </a:ext>
             </a:extLst>
           </p:cNvPr>
@@ -18890,75 +18434,565 @@
             <p:ph type="body" idx="4"/>
           </p:nvPr>
         </p:nvSpPr>
-        <p:spPr/>
+        <p:spPr>
+          <a:xfrm>
+            <a:off x="1217550" y="2238218"/>
+            <a:ext cx="9755100" cy="3457732"/>
+          </a:xfrm>
+        </p:spPr>
         <p:txBody>
           <a:bodyPr/>
           <a:lstStyle/>
           <a:p>
-            <a:endParaRPr lang="de-DE"/>
+            <a:pPr marL="139700" indent="0">
+              <a:buNone/>
+            </a:pPr>
+            <a:r>
+              <a:rPr lang="de-DE" sz="2000" dirty="0">
+                <a:solidFill>
+                  <a:schemeClr val="accent1"/>
+                </a:solidFill>
+              </a:rPr>
+              <a:t>a</a:t>
+            </a:r>
+            <a:r>
+              <a:rPr lang="de-DE" sz="2000" dirty="0"/>
+              <a:t> = 1	, </a:t>
+            </a:r>
+            <a:r>
+              <a:rPr lang="de-DE" sz="2000" dirty="0">
+                <a:solidFill>
+                  <a:schemeClr val="accent1"/>
+                </a:solidFill>
+              </a:rPr>
+              <a:t>b</a:t>
+            </a:r>
+            <a:r>
+              <a:rPr lang="de-DE" sz="2000" dirty="0"/>
+              <a:t> = 2</a:t>
+            </a:r>
           </a:p>
-        </p:txBody>
-      </p:sp>
-      <p:sp>
-        <p:nvSpPr>
-          <p:cNvPr id="15" name="Untertitel 14">
-            <a:extLst>
-              <a:ext uri="{FF2B5EF4-FFF2-40B4-BE49-F238E27FC236}">
-                <a16:creationId xmlns:a16="http://schemas.microsoft.com/office/drawing/2014/main" id="{E5CD30A8-3467-F312-2B6E-06644143899C}"/>
-              </a:ext>
-            </a:extLst>
-          </p:cNvPr>
-          <p:cNvSpPr>
-            <a:spLocks noGrp="1"/>
-          </p:cNvSpPr>
-          <p:nvPr>
-            <p:ph type="subTitle" idx="2"/>
-          </p:nvPr>
-        </p:nvSpPr>
-        <p:spPr/>
-        <p:txBody>
-          <a:bodyPr/>
-          <a:lstStyle/>
           <a:p>
-            <a:endParaRPr lang="de-DE"/>
+            <a:pPr marL="139700" indent="0">
+              <a:buNone/>
+            </a:pPr>
+            <a:r>
+              <a:rPr lang="de-DE" sz="2000" dirty="0"/>
+              <a:t>	</a:t>
+            </a:r>
           </a:p>
-        </p:txBody>
-      </p:sp>
-      <p:sp>
-        <p:nvSpPr>
-          <p:cNvPr id="17" name="Textplatzhalter 16">
-            <a:extLst>
-              <a:ext uri="{FF2B5EF4-FFF2-40B4-BE49-F238E27FC236}">
-                <a16:creationId xmlns:a16="http://schemas.microsoft.com/office/drawing/2014/main" id="{B3A9C9C0-5366-1C75-F98F-4839647A3DC0}"/>
-              </a:ext>
-            </a:extLst>
-          </p:cNvPr>
-          <p:cNvSpPr>
-            <a:spLocks noGrp="1"/>
-          </p:cNvSpPr>
-          <p:nvPr>
-            <p:ph type="body" idx="5"/>
-          </p:nvPr>
-        </p:nvSpPr>
-        <p:spPr/>
-        <p:txBody>
-          <a:bodyPr/>
-          <a:lstStyle/>
           <a:p>
-            <a:endParaRPr lang="de-DE"/>
+            <a:pPr marL="139700" indent="0">
+              <a:buNone/>
+            </a:pPr>
+            <a:r>
+              <a:rPr lang="de-DE" sz="2000" dirty="0">
+                <a:solidFill>
+                  <a:schemeClr val="accent1"/>
+                </a:solidFill>
+              </a:rPr>
+              <a:t>a</a:t>
+            </a:r>
+            <a:r>
+              <a:rPr lang="de-DE" sz="2000" dirty="0"/>
+              <a:t> </a:t>
+            </a:r>
+            <a:r>
+              <a:rPr lang="de-DE" sz="2000" dirty="0">
+                <a:solidFill>
+                  <a:schemeClr val="accent5">
+                    <a:lumMod val="75000"/>
+                  </a:schemeClr>
+                </a:solidFill>
+              </a:rPr>
+              <a:t>==</a:t>
+            </a:r>
+            <a:r>
+              <a:rPr lang="de-DE" sz="2000" dirty="0"/>
+              <a:t> </a:t>
+            </a:r>
+            <a:r>
+              <a:rPr lang="de-DE" sz="2000" dirty="0">
+                <a:solidFill>
+                  <a:schemeClr val="accent1"/>
+                </a:solidFill>
+              </a:rPr>
+              <a:t>b</a:t>
+            </a:r>
+            <a:r>
+              <a:rPr lang="de-DE" sz="2000" dirty="0"/>
+              <a:t> 	</a:t>
+            </a:r>
+            <a:r>
+              <a:rPr lang="de-DE" sz="2000" dirty="0">
+                <a:solidFill>
+                  <a:schemeClr val="accent5">
+                    <a:lumMod val="75000"/>
+                  </a:schemeClr>
+                </a:solidFill>
+              </a:rPr>
+              <a:t>„a ist gleich b“</a:t>
+            </a:r>
+            <a:r>
+              <a:rPr lang="de-DE" sz="2000" dirty="0"/>
+              <a:t>			</a:t>
+            </a:r>
+            <a:r>
+              <a:rPr lang="de-DE" sz="2000" dirty="0">
+                <a:solidFill>
+                  <a:schemeClr val="bg2">
+                    <a:lumMod val="50000"/>
+                  </a:schemeClr>
+                </a:solidFill>
+              </a:rPr>
+              <a:t># </a:t>
+            </a:r>
+            <a:r>
+              <a:rPr lang="de-DE" sz="2000" dirty="0" err="1">
+                <a:solidFill>
+                  <a:schemeClr val="bg2">
+                    <a:lumMod val="50000"/>
+                  </a:schemeClr>
+                </a:solidFill>
+              </a:rPr>
+              <a:t>False</a:t>
+            </a:r>
+            <a:endParaRPr lang="de-DE" sz="2000" dirty="0">
+              <a:solidFill>
+                <a:schemeClr val="bg2">
+                  <a:lumMod val="50000"/>
+                </a:schemeClr>
+              </a:solidFill>
+            </a:endParaRPr>
+          </a:p>
+          <a:p>
+            <a:pPr marL="139700" indent="0">
+              <a:buNone/>
+            </a:pPr>
+            <a:r>
+              <a:rPr lang="de-DE" sz="2000" dirty="0">
+                <a:solidFill>
+                  <a:schemeClr val="accent1"/>
+                </a:solidFill>
+              </a:rPr>
+              <a:t>a</a:t>
+            </a:r>
+            <a:r>
+              <a:rPr lang="de-DE" sz="2000" dirty="0"/>
+              <a:t> </a:t>
+            </a:r>
+            <a:r>
+              <a:rPr lang="de-DE" sz="2000" dirty="0">
+                <a:solidFill>
+                  <a:schemeClr val="accent5">
+                    <a:lumMod val="75000"/>
+                  </a:schemeClr>
+                </a:solidFill>
+              </a:rPr>
+              <a:t>!=</a:t>
+            </a:r>
+            <a:r>
+              <a:rPr lang="de-DE" sz="2000" dirty="0"/>
+              <a:t> </a:t>
+            </a:r>
+            <a:r>
+              <a:rPr lang="de-DE" sz="2000" dirty="0">
+                <a:solidFill>
+                  <a:schemeClr val="accent1"/>
+                </a:solidFill>
+              </a:rPr>
+              <a:t>b</a:t>
+            </a:r>
+            <a:r>
+              <a:rPr lang="de-DE" sz="2000" dirty="0"/>
+              <a:t>	</a:t>
+            </a:r>
+            <a:r>
+              <a:rPr lang="de-DE" sz="2000" dirty="0">
+                <a:solidFill>
+                  <a:schemeClr val="accent5">
+                    <a:lumMod val="75000"/>
+                  </a:schemeClr>
+                </a:solidFill>
+              </a:rPr>
+              <a:t>„a ist ungleich b“</a:t>
+            </a:r>
+            <a:r>
+              <a:rPr lang="de-DE" sz="2000" dirty="0">
+                <a:solidFill>
+                  <a:srgbClr val="FF0000"/>
+                </a:solidFill>
+              </a:rPr>
+              <a:t>		</a:t>
+            </a:r>
+            <a:r>
+              <a:rPr lang="de-DE" sz="2000" dirty="0">
+                <a:solidFill>
+                  <a:schemeClr val="bg2">
+                    <a:lumMod val="50000"/>
+                  </a:schemeClr>
+                </a:solidFill>
+              </a:rPr>
+              <a:t># True</a:t>
+            </a:r>
+          </a:p>
+          <a:p>
+            <a:pPr marL="139700" indent="0">
+              <a:buNone/>
+            </a:pPr>
+            <a:r>
+              <a:rPr lang="de-DE" sz="2000" dirty="0">
+                <a:solidFill>
+                  <a:schemeClr val="accent1"/>
+                </a:solidFill>
+              </a:rPr>
+              <a:t>a</a:t>
+            </a:r>
+            <a:r>
+              <a:rPr lang="de-DE" sz="2000" dirty="0"/>
+              <a:t> </a:t>
+            </a:r>
+            <a:r>
+              <a:rPr lang="de-DE" sz="2000" dirty="0">
+                <a:solidFill>
+                  <a:schemeClr val="accent5">
+                    <a:lumMod val="75000"/>
+                  </a:schemeClr>
+                </a:solidFill>
+              </a:rPr>
+              <a:t>&lt;</a:t>
+            </a:r>
+            <a:r>
+              <a:rPr lang="de-DE" sz="2000" dirty="0"/>
+              <a:t> </a:t>
+            </a:r>
+            <a:r>
+              <a:rPr lang="de-DE" sz="2000" dirty="0">
+                <a:solidFill>
+                  <a:schemeClr val="accent1"/>
+                </a:solidFill>
+              </a:rPr>
+              <a:t>b	</a:t>
+            </a:r>
+            <a:r>
+              <a:rPr lang="de-DE" sz="2000" dirty="0"/>
+              <a:t>	</a:t>
+            </a:r>
+            <a:r>
+              <a:rPr lang="de-DE" sz="2000" dirty="0">
+                <a:solidFill>
+                  <a:schemeClr val="accent5">
+                    <a:lumMod val="75000"/>
+                  </a:schemeClr>
+                </a:solidFill>
+              </a:rPr>
+              <a:t>„a ist kleiner als b“ </a:t>
+            </a:r>
+            <a:r>
+              <a:rPr lang="de-DE" sz="2000" dirty="0">
+                <a:solidFill>
+                  <a:srgbClr val="FF0000"/>
+                </a:solidFill>
+              </a:rPr>
+              <a:t>		</a:t>
+            </a:r>
+            <a:r>
+              <a:rPr lang="de-DE" sz="2000" dirty="0">
+                <a:solidFill>
+                  <a:schemeClr val="bg2">
+                    <a:lumMod val="50000"/>
+                  </a:schemeClr>
+                </a:solidFill>
+              </a:rPr>
+              <a:t># True</a:t>
+            </a:r>
+          </a:p>
+          <a:p>
+            <a:pPr marL="139700" indent="0">
+              <a:buNone/>
+            </a:pPr>
+            <a:r>
+              <a:rPr lang="de-DE" sz="2000" dirty="0">
+                <a:solidFill>
+                  <a:schemeClr val="accent1"/>
+                </a:solidFill>
+              </a:rPr>
+              <a:t>a</a:t>
+            </a:r>
+            <a:r>
+              <a:rPr lang="de-DE" sz="2000" dirty="0"/>
+              <a:t> </a:t>
+            </a:r>
+            <a:r>
+              <a:rPr lang="de-DE" sz="2000" dirty="0">
+                <a:solidFill>
+                  <a:schemeClr val="accent5">
+                    <a:lumMod val="75000"/>
+                  </a:schemeClr>
+                </a:solidFill>
+              </a:rPr>
+              <a:t>&gt;</a:t>
+            </a:r>
+            <a:r>
+              <a:rPr lang="de-DE" sz="2000" dirty="0"/>
+              <a:t> </a:t>
+            </a:r>
+            <a:r>
+              <a:rPr lang="de-DE" sz="2000" dirty="0">
+                <a:solidFill>
+                  <a:schemeClr val="accent1"/>
+                </a:solidFill>
+              </a:rPr>
+              <a:t>b</a:t>
+            </a:r>
+            <a:r>
+              <a:rPr lang="de-DE" sz="2000" dirty="0"/>
+              <a:t>		</a:t>
+            </a:r>
+            <a:r>
+              <a:rPr lang="de-DE" sz="2000" dirty="0">
+                <a:solidFill>
+                  <a:schemeClr val="accent5">
+                    <a:lumMod val="75000"/>
+                  </a:schemeClr>
+                </a:solidFill>
+              </a:rPr>
+              <a:t>„a ist größer als b“ </a:t>
+            </a:r>
+            <a:r>
+              <a:rPr lang="de-DE" sz="2000" dirty="0">
+                <a:solidFill>
+                  <a:srgbClr val="FF0000"/>
+                </a:solidFill>
+              </a:rPr>
+              <a:t>		</a:t>
+            </a:r>
+            <a:r>
+              <a:rPr lang="de-DE" sz="2000" dirty="0">
+                <a:solidFill>
+                  <a:schemeClr val="bg2">
+                    <a:lumMod val="50000"/>
+                  </a:schemeClr>
+                </a:solidFill>
+              </a:rPr>
+              <a:t># </a:t>
+            </a:r>
+            <a:r>
+              <a:rPr lang="de-DE" sz="2000" dirty="0" err="1">
+                <a:solidFill>
+                  <a:schemeClr val="bg2">
+                    <a:lumMod val="50000"/>
+                  </a:schemeClr>
+                </a:solidFill>
+              </a:rPr>
+              <a:t>False</a:t>
+            </a:r>
+            <a:endParaRPr lang="de-DE" sz="2000" dirty="0">
+              <a:solidFill>
+                <a:schemeClr val="bg2">
+                  <a:lumMod val="50000"/>
+                </a:schemeClr>
+              </a:solidFill>
+            </a:endParaRPr>
+          </a:p>
+          <a:p>
+            <a:pPr marL="139700" indent="0">
+              <a:buNone/>
+            </a:pPr>
+            <a:r>
+              <a:rPr lang="de-DE" sz="2000" dirty="0">
+                <a:solidFill>
+                  <a:schemeClr val="accent1"/>
+                </a:solidFill>
+              </a:rPr>
+              <a:t>a</a:t>
+            </a:r>
+            <a:r>
+              <a:rPr lang="de-DE" sz="2000" dirty="0"/>
+              <a:t> </a:t>
+            </a:r>
+            <a:r>
+              <a:rPr lang="de-DE" sz="2000" dirty="0">
+                <a:solidFill>
+                  <a:schemeClr val="accent5">
+                    <a:lumMod val="75000"/>
+                  </a:schemeClr>
+                </a:solidFill>
+              </a:rPr>
+              <a:t>&lt;=</a:t>
+            </a:r>
+            <a:r>
+              <a:rPr lang="de-DE" sz="2000" dirty="0"/>
+              <a:t> </a:t>
+            </a:r>
+            <a:r>
+              <a:rPr lang="de-DE" sz="2000" dirty="0">
+                <a:solidFill>
+                  <a:schemeClr val="accent1"/>
+                </a:solidFill>
+              </a:rPr>
+              <a:t>b</a:t>
+            </a:r>
+            <a:r>
+              <a:rPr lang="de-DE" sz="2000" dirty="0"/>
+              <a:t>	</a:t>
+            </a:r>
+            <a:r>
+              <a:rPr lang="de-DE" sz="2000" dirty="0">
+                <a:solidFill>
+                  <a:schemeClr val="accent5">
+                    <a:lumMod val="75000"/>
+                  </a:schemeClr>
+                </a:solidFill>
+              </a:rPr>
+              <a:t>„a ist kleiner oder gleich b“</a:t>
+            </a:r>
+            <a:r>
+              <a:rPr lang="de-DE" sz="2000" dirty="0">
+                <a:solidFill>
+                  <a:srgbClr val="FF0000"/>
+                </a:solidFill>
+              </a:rPr>
+              <a:t>	</a:t>
+            </a:r>
+            <a:r>
+              <a:rPr lang="de-DE" sz="2000" dirty="0">
+                <a:solidFill>
+                  <a:schemeClr val="bg2">
+                    <a:lumMod val="50000"/>
+                  </a:schemeClr>
+                </a:solidFill>
+              </a:rPr>
+              <a:t># True</a:t>
+            </a:r>
+          </a:p>
+          <a:p>
+            <a:pPr marL="139700" indent="0">
+              <a:buNone/>
+            </a:pPr>
+            <a:r>
+              <a:rPr lang="de-DE" sz="2000" dirty="0">
+                <a:solidFill>
+                  <a:schemeClr val="accent1"/>
+                </a:solidFill>
+              </a:rPr>
+              <a:t>a</a:t>
+            </a:r>
+            <a:r>
+              <a:rPr lang="de-DE" sz="2000" dirty="0"/>
+              <a:t> </a:t>
+            </a:r>
+            <a:r>
+              <a:rPr lang="de-DE" sz="2000" dirty="0">
+                <a:solidFill>
+                  <a:schemeClr val="accent5">
+                    <a:lumMod val="75000"/>
+                  </a:schemeClr>
+                </a:solidFill>
+              </a:rPr>
+              <a:t>&gt;=</a:t>
+            </a:r>
+            <a:r>
+              <a:rPr lang="de-DE" sz="2000" dirty="0"/>
+              <a:t> </a:t>
+            </a:r>
+            <a:r>
+              <a:rPr lang="de-DE" sz="2000" dirty="0">
+                <a:solidFill>
+                  <a:schemeClr val="accent1"/>
+                </a:solidFill>
+              </a:rPr>
+              <a:t>b</a:t>
+            </a:r>
+            <a:r>
+              <a:rPr lang="de-DE" sz="2000" dirty="0"/>
+              <a:t>	</a:t>
+            </a:r>
+            <a:r>
+              <a:rPr lang="de-DE" sz="2000" dirty="0">
+                <a:solidFill>
+                  <a:schemeClr val="accent5">
+                    <a:lumMod val="75000"/>
+                  </a:schemeClr>
+                </a:solidFill>
+              </a:rPr>
+              <a:t>„a ist größer oder gleich b“</a:t>
+            </a:r>
+            <a:r>
+              <a:rPr lang="de-DE" sz="2000" dirty="0">
+                <a:solidFill>
+                  <a:srgbClr val="FF0000"/>
+                </a:solidFill>
+              </a:rPr>
+              <a:t>	</a:t>
+            </a:r>
+            <a:r>
+              <a:rPr lang="de-DE" sz="2000" dirty="0">
+                <a:solidFill>
+                  <a:schemeClr val="bg2">
+                    <a:lumMod val="50000"/>
+                  </a:schemeClr>
+                </a:solidFill>
+              </a:rPr>
+              <a:t># </a:t>
+            </a:r>
+            <a:r>
+              <a:rPr lang="de-DE" sz="2000" dirty="0" err="1">
+                <a:solidFill>
+                  <a:schemeClr val="bg2">
+                    <a:lumMod val="50000"/>
+                  </a:schemeClr>
+                </a:solidFill>
+              </a:rPr>
+              <a:t>False</a:t>
+            </a:r>
+            <a:endParaRPr lang="de-DE" sz="2000" dirty="0">
+              <a:solidFill>
+                <a:schemeClr val="bg2">
+                  <a:lumMod val="50000"/>
+                </a:schemeClr>
+              </a:solidFill>
+            </a:endParaRPr>
+          </a:p>
+          <a:p>
+            <a:pPr marL="139700" indent="0">
+              <a:buNone/>
+            </a:pPr>
+            <a:endParaRPr lang="de-DE" sz="2000" dirty="0"/>
+          </a:p>
+          <a:p>
+            <a:pPr marL="139700" indent="0">
+              <a:buNone/>
+            </a:pPr>
+            <a:endParaRPr lang="de-DE" sz="2000" dirty="0"/>
+          </a:p>
+          <a:p>
+            <a:endParaRPr lang="de-DE" sz="2000" dirty="0"/>
           </a:p>
         </p:txBody>
       </p:sp>
     </p:spTree>
     <p:extLst>
       <p:ext uri="{BB962C8B-B14F-4D97-AF65-F5344CB8AC3E}">
-        <p14:creationId xmlns:p14="http://schemas.microsoft.com/office/powerpoint/2010/main" val="3430096327"/>
+        <p14:creationId xmlns:p14="http://schemas.microsoft.com/office/powerpoint/2010/main" val="2955181150"/>
       </p:ext>
     </p:extLst>
   </p:cSld>
   <p:clrMapOvr>
     <a:masterClrMapping/>
   </p:clrMapOvr>
+  <mc:AlternateContent xmlns:mc="http://schemas.openxmlformats.org/markup-compatibility/2006" xmlns:p159="http://schemas.microsoft.com/office/powerpoint/2015/09/main">
+    <mc:Choice Requires="p159">
+      <p:transition spd="med">
+        <p159:morph option="byObject"/>
+      </p:transition>
+    </mc:Choice>
+    <mc:Fallback xmlns="">
+      <p:transition spd="med">
+        <p:fade/>
+      </p:transition>
+    </mc:Fallback>
+  </mc:AlternateContent>
 </p:sld>
 </file>
 
@@ -18981,76 +19015,6 @@
       </p:grpSpPr>
       <p:sp>
         <p:nvSpPr>
-          <p:cNvPr id="2" name="Subtitle 1">
-            <a:extLst>
-              <a:ext uri="{FF2B5EF4-FFF2-40B4-BE49-F238E27FC236}">
-                <a16:creationId xmlns:a16="http://schemas.microsoft.com/office/drawing/2014/main" id="{172F4728-1439-08F2-94A6-FB58B209B346}"/>
-              </a:ext>
-            </a:extLst>
-          </p:cNvPr>
-          <p:cNvSpPr>
-            <a:spLocks noGrp="1"/>
-          </p:cNvSpPr>
-          <p:nvPr>
-            <p:ph type="subTitle" idx="1"/>
-          </p:nvPr>
-        </p:nvSpPr>
-        <p:spPr/>
-        <p:txBody>
-          <a:bodyPr/>
-          <a:lstStyle/>
-          <a:p>
-            <a:r>
-              <a:rPr lang="de-DE" dirty="0">
-                <a:solidFill>
-                  <a:schemeClr val="accent2">
-                    <a:lumMod val="60000"/>
-                    <a:lumOff val="40000"/>
-                  </a:schemeClr>
-                </a:solidFill>
-              </a:rPr>
-              <a:t>Vielzahl an Anwendung</a:t>
-            </a:r>
-          </a:p>
-        </p:txBody>
-      </p:sp>
-      <p:sp>
-        <p:nvSpPr>
-          <p:cNvPr id="3" name="Subtitle 2">
-            <a:extLst>
-              <a:ext uri="{FF2B5EF4-FFF2-40B4-BE49-F238E27FC236}">
-                <a16:creationId xmlns:a16="http://schemas.microsoft.com/office/drawing/2014/main" id="{EBD35580-164A-DCC1-34E8-ACFDA90A6C8F}"/>
-              </a:ext>
-            </a:extLst>
-          </p:cNvPr>
-          <p:cNvSpPr>
-            <a:spLocks noGrp="1"/>
-          </p:cNvSpPr>
-          <p:nvPr>
-            <p:ph type="subTitle" idx="2"/>
-          </p:nvPr>
-        </p:nvSpPr>
-        <p:spPr/>
-        <p:txBody>
-          <a:bodyPr/>
-          <a:lstStyle/>
-          <a:p>
-            <a:r>
-              <a:rPr lang="de-DE" dirty="0">
-                <a:solidFill>
-                  <a:schemeClr val="accent2">
-                    <a:lumMod val="60000"/>
-                    <a:lumOff val="40000"/>
-                  </a:schemeClr>
-                </a:solidFill>
-              </a:rPr>
-              <a:t>Beginner freundlich</a:t>
-            </a:r>
-          </a:p>
-        </p:txBody>
-      </p:sp>
-      <p:sp>
-        <p:nvSpPr>
           <p:cNvPr id="5" name="Title 4">
             <a:extLst>
               <a:ext uri="{FF2B5EF4-FFF2-40B4-BE49-F238E27FC236}">
@@ -19072,7 +19036,7 @@
           <a:p>
             <a:r>
               <a:rPr lang="en" dirty="0"/>
-              <a:t>WARUM </a:t>
+              <a:t>OPERATOREN </a:t>
             </a:r>
             <a:r>
               <a:rPr lang="en" sz="6000" dirty="0">
@@ -19080,23 +19044,7 @@
                   <a:schemeClr val="accent1"/>
                 </a:solidFill>
               </a:rPr>
-              <a:t>P</a:t>
-            </a:r>
-            <a:r>
-              <a:rPr lang="en" sz="6000" dirty="0">
-                <a:solidFill>
-                  <a:srgbClr val="AF81A6"/>
-                </a:solidFill>
-              </a:rPr>
-              <a:t>YTHO</a:t>
-            </a:r>
-            <a:r>
-              <a:rPr lang="en" sz="6000" dirty="0">
-                <a:solidFill>
-                  <a:schemeClr val="accent1"/>
-                </a:solidFill>
-              </a:rPr>
-              <a:t>N?</a:t>
+              <a:t>BEDINGUNGEN</a:t>
             </a:r>
             <a:endParaRPr lang="de-DE" dirty="0"/>
           </a:p>
@@ -19118,118 +19066,417 @@
             <p:ph type="body" idx="4"/>
           </p:nvPr>
         </p:nvSpPr>
-        <p:spPr/>
+        <p:spPr>
+          <a:xfrm>
+            <a:off x="1217550" y="2238218"/>
+            <a:ext cx="10353886" cy="3457732"/>
+          </a:xfrm>
+        </p:spPr>
         <p:txBody>
           <a:bodyPr/>
           <a:lstStyle/>
           <a:p>
-            <a:r>
-              <a:rPr lang="de-DE" dirty="0"/>
-              <a:t>web </a:t>
-            </a:r>
-            <a:r>
-              <a:rPr lang="de-DE" dirty="0" err="1"/>
-              <a:t>development</a:t>
-            </a:r>
-            <a:endParaRPr lang="de-DE" dirty="0"/>
+            <a:pPr marL="139700" indent="0">
+              <a:buNone/>
+            </a:pPr>
+            <a:r>
+              <a:rPr lang="de-DE" sz="2000" dirty="0">
+                <a:solidFill>
+                  <a:schemeClr val="accent1"/>
+                </a:solidFill>
+              </a:rPr>
+              <a:t>a</a:t>
+            </a:r>
+            <a:r>
+              <a:rPr lang="de-DE" sz="2000" dirty="0"/>
+              <a:t> = True, </a:t>
+            </a:r>
+            <a:r>
+              <a:rPr lang="de-DE" sz="2000" dirty="0">
+                <a:solidFill>
+                  <a:schemeClr val="accent1"/>
+                </a:solidFill>
+              </a:rPr>
+              <a:t>b</a:t>
+            </a:r>
+            <a:r>
+              <a:rPr lang="de-DE" sz="2000" dirty="0"/>
+              <a:t> = </a:t>
+            </a:r>
+            <a:r>
+              <a:rPr lang="de-DE" sz="2000" dirty="0" err="1"/>
+              <a:t>False</a:t>
+            </a:r>
+            <a:endParaRPr lang="de-DE" sz="2000" dirty="0"/>
           </a:p>
           <a:p>
-            <a:r>
-              <a:rPr lang="de-DE" dirty="0" err="1"/>
-              <a:t>data</a:t>
-            </a:r>
-            <a:r>
-              <a:rPr lang="de-DE" dirty="0"/>
-              <a:t> Science</a:t>
-            </a:r>
+            <a:pPr marL="139700" indent="0">
+              <a:buNone/>
+            </a:pPr>
+            <a:endParaRPr lang="de-DE" sz="2000" dirty="0">
+              <a:solidFill>
+                <a:schemeClr val="accent1"/>
+              </a:solidFill>
+            </a:endParaRPr>
           </a:p>
           <a:p>
-            <a:r>
-              <a:rPr lang="de-DE" dirty="0" err="1"/>
-              <a:t>machine</a:t>
-            </a:r>
-            <a:r>
-              <a:rPr lang="de-DE" dirty="0"/>
-              <a:t> Learning</a:t>
-            </a:r>
+            <a:pPr marL="139700" indent="0">
+              <a:buNone/>
+            </a:pPr>
+            <a:r>
+              <a:rPr lang="de-DE" sz="2000" dirty="0">
+                <a:solidFill>
+                  <a:schemeClr val="accent1"/>
+                </a:solidFill>
+              </a:rPr>
+              <a:t>a</a:t>
+            </a:r>
+            <a:r>
+              <a:rPr lang="de-DE" sz="2000" dirty="0"/>
+              <a:t> </a:t>
+            </a:r>
+            <a:r>
+              <a:rPr lang="de-DE" sz="2000" dirty="0">
+                <a:solidFill>
+                  <a:schemeClr val="accent5">
+                    <a:lumMod val="75000"/>
+                  </a:schemeClr>
+                </a:solidFill>
+              </a:rPr>
+              <a:t>and</a:t>
+            </a:r>
+            <a:r>
+              <a:rPr lang="de-DE" sz="2000" dirty="0"/>
+              <a:t> </a:t>
+            </a:r>
+            <a:r>
+              <a:rPr lang="de-DE" sz="2000" dirty="0">
+                <a:solidFill>
+                  <a:schemeClr val="accent1"/>
+                </a:solidFill>
+              </a:rPr>
+              <a:t>b</a:t>
+            </a:r>
+            <a:r>
+              <a:rPr lang="de-DE" sz="2000" dirty="0"/>
+              <a:t>		</a:t>
+            </a:r>
+            <a:r>
+              <a:rPr lang="de-DE" sz="2000" dirty="0">
+                <a:solidFill>
+                  <a:schemeClr val="accent5">
+                    <a:lumMod val="75000"/>
+                  </a:schemeClr>
+                </a:solidFill>
+              </a:rPr>
+              <a:t>„a und b“ </a:t>
+            </a:r>
+            <a:r>
+              <a:rPr lang="de-DE" sz="2000" dirty="0">
+                <a:solidFill>
+                  <a:srgbClr val="FF0000"/>
+                </a:solidFill>
+              </a:rPr>
+              <a:t>			</a:t>
+            </a:r>
+            <a:r>
+              <a:rPr lang="de-DE" sz="2000" dirty="0">
+                <a:solidFill>
+                  <a:schemeClr val="bg2">
+                    <a:lumMod val="50000"/>
+                  </a:schemeClr>
+                </a:solidFill>
+              </a:rPr>
+              <a:t># </a:t>
+            </a:r>
+            <a:r>
+              <a:rPr lang="de-DE" sz="2000" dirty="0" err="1">
+                <a:solidFill>
+                  <a:schemeClr val="bg2">
+                    <a:lumMod val="50000"/>
+                  </a:schemeClr>
+                </a:solidFill>
+              </a:rPr>
+              <a:t>False</a:t>
+            </a:r>
+            <a:br>
+              <a:rPr lang="de-DE" sz="2000" dirty="0">
+                <a:solidFill>
+                  <a:schemeClr val="bg2">
+                    <a:lumMod val="50000"/>
+                  </a:schemeClr>
+                </a:solidFill>
+              </a:rPr>
+            </a:br>
+            <a:r>
+              <a:rPr lang="de-DE" sz="1500" dirty="0">
+                <a:solidFill>
+                  <a:schemeClr val="bg2"/>
+                </a:solidFill>
+              </a:rPr>
+              <a:t>a ∧ b</a:t>
+            </a:r>
+          </a:p>
+          <a:p>
+            <a:pPr marL="139700" indent="0">
+              <a:buNone/>
+            </a:pPr>
+            <a:endParaRPr lang="de-DE" sz="2000" dirty="0">
+              <a:solidFill>
+                <a:schemeClr val="accent1"/>
+              </a:solidFill>
+            </a:endParaRPr>
+          </a:p>
+          <a:p>
+            <a:pPr marL="139700" indent="0">
+              <a:buNone/>
+            </a:pPr>
+            <a:r>
+              <a:rPr lang="de-DE" sz="2000" dirty="0">
+                <a:solidFill>
+                  <a:schemeClr val="accent1"/>
+                </a:solidFill>
+              </a:rPr>
+              <a:t>a</a:t>
+            </a:r>
+            <a:r>
+              <a:rPr lang="de-DE" sz="2000" dirty="0"/>
+              <a:t> </a:t>
+            </a:r>
+            <a:r>
+              <a:rPr lang="de-DE" sz="2000" dirty="0" err="1">
+                <a:solidFill>
+                  <a:schemeClr val="accent5">
+                    <a:lumMod val="75000"/>
+                  </a:schemeClr>
+                </a:solidFill>
+              </a:rPr>
+              <a:t>or</a:t>
+            </a:r>
+            <a:r>
+              <a:rPr lang="de-DE" sz="2000" dirty="0">
+                <a:solidFill>
+                  <a:schemeClr val="accent1"/>
+                </a:solidFill>
+              </a:rPr>
+              <a:t> b </a:t>
+            </a:r>
+            <a:r>
+              <a:rPr lang="de-DE" sz="2000" dirty="0"/>
+              <a:t>		</a:t>
+            </a:r>
+            <a:r>
+              <a:rPr lang="de-DE" sz="2000" dirty="0">
+                <a:solidFill>
+                  <a:schemeClr val="accent5">
+                    <a:lumMod val="75000"/>
+                  </a:schemeClr>
+                </a:solidFill>
+              </a:rPr>
+              <a:t>„a oder b“ </a:t>
+            </a:r>
+            <a:r>
+              <a:rPr lang="de-DE" sz="2000" dirty="0">
+                <a:solidFill>
+                  <a:srgbClr val="FF0000"/>
+                </a:solidFill>
+              </a:rPr>
+              <a:t>			</a:t>
+            </a:r>
+            <a:r>
+              <a:rPr lang="de-DE" sz="2000" dirty="0">
+                <a:solidFill>
+                  <a:schemeClr val="bg2">
+                    <a:lumMod val="50000"/>
+                  </a:schemeClr>
+                </a:solidFill>
+              </a:rPr>
+              <a:t># True</a:t>
+            </a:r>
+          </a:p>
+          <a:p>
+            <a:pPr marL="139700" indent="0">
+              <a:buNone/>
+            </a:pPr>
+            <a:r>
+              <a:rPr lang="de-DE" sz="1500" dirty="0">
+                <a:solidFill>
+                  <a:schemeClr val="bg2"/>
+                </a:solidFill>
+              </a:rPr>
+              <a:t>a ∨ b</a:t>
+            </a:r>
+          </a:p>
+          <a:p>
+            <a:pPr marL="139700" indent="0">
+              <a:buNone/>
+            </a:pPr>
+            <a:endParaRPr lang="de-DE" sz="2000" dirty="0">
+              <a:solidFill>
+                <a:schemeClr val="bg2">
+                  <a:lumMod val="50000"/>
+                </a:schemeClr>
+              </a:solidFill>
+            </a:endParaRPr>
+          </a:p>
+          <a:p>
+            <a:pPr marL="139700" indent="0">
+              <a:buNone/>
+            </a:pPr>
+            <a:r>
+              <a:rPr lang="de-DE" sz="2000" dirty="0">
+                <a:solidFill>
+                  <a:schemeClr val="accent5">
+                    <a:lumMod val="75000"/>
+                  </a:schemeClr>
+                </a:solidFill>
+              </a:rPr>
+              <a:t>not</a:t>
+            </a:r>
+            <a:r>
+              <a:rPr lang="de-DE" sz="2000" dirty="0">
+                <a:solidFill>
+                  <a:schemeClr val="accent1"/>
+                </a:solidFill>
+              </a:rPr>
+              <a:t>(a </a:t>
+            </a:r>
+            <a:r>
+              <a:rPr lang="de-DE" sz="2000" dirty="0" err="1"/>
+              <a:t>or</a:t>
+            </a:r>
+            <a:r>
+              <a:rPr lang="de-DE" sz="2000" dirty="0">
+                <a:solidFill>
+                  <a:schemeClr val="accent1"/>
+                </a:solidFill>
+              </a:rPr>
+              <a:t> b)</a:t>
+            </a:r>
+            <a:r>
+              <a:rPr lang="de-DE" sz="2000" dirty="0"/>
+              <a:t>		</a:t>
+            </a:r>
+            <a:r>
+              <a:rPr lang="de-DE" sz="2000" dirty="0">
+                <a:solidFill>
+                  <a:schemeClr val="accent5">
+                    <a:lumMod val="75000"/>
+                  </a:schemeClr>
+                </a:solidFill>
+              </a:rPr>
+              <a:t>„wenn nicht a oder b“</a:t>
+            </a:r>
+            <a:r>
+              <a:rPr lang="de-DE" sz="2000" dirty="0">
+                <a:solidFill>
+                  <a:srgbClr val="FF0000"/>
+                </a:solidFill>
+              </a:rPr>
+              <a:t>	</a:t>
+            </a:r>
+            <a:r>
+              <a:rPr lang="de-DE" sz="2000" dirty="0">
+                <a:solidFill>
+                  <a:schemeClr val="bg2">
+                    <a:lumMod val="50000"/>
+                  </a:schemeClr>
+                </a:solidFill>
+              </a:rPr>
+              <a:t># </a:t>
+            </a:r>
+            <a:r>
+              <a:rPr lang="de-DE" sz="2000" dirty="0" err="1">
+                <a:solidFill>
+                  <a:schemeClr val="bg2">
+                    <a:lumMod val="50000"/>
+                  </a:schemeClr>
+                </a:solidFill>
+              </a:rPr>
+              <a:t>False</a:t>
+            </a:r>
+            <a:endParaRPr lang="de-DE" sz="2000" dirty="0">
+              <a:solidFill>
+                <a:schemeClr val="bg2">
+                  <a:lumMod val="50000"/>
+                </a:schemeClr>
+              </a:solidFill>
+            </a:endParaRPr>
+          </a:p>
+          <a:p>
+            <a:pPr marL="139700" indent="0">
+              <a:buNone/>
+            </a:pPr>
+            <a:r>
+              <a:rPr lang="de-DE" sz="1500" dirty="0">
+                <a:solidFill>
+                  <a:schemeClr val="bg2"/>
+                </a:solidFill>
+              </a:rPr>
+              <a:t> (a ∨ b)</a:t>
+            </a:r>
+          </a:p>
+          <a:p>
+            <a:pPr marL="139700" indent="0">
+              <a:buNone/>
+            </a:pPr>
+            <a:endParaRPr lang="de-DE" sz="2000" dirty="0"/>
+          </a:p>
+          <a:p>
+            <a:pPr marL="139700" indent="0">
+              <a:buNone/>
+            </a:pPr>
+            <a:endParaRPr lang="de-DE" sz="2000" dirty="0"/>
+          </a:p>
+          <a:p>
+            <a:endParaRPr lang="de-DE" sz="2000" dirty="0"/>
           </a:p>
         </p:txBody>
       </p:sp>
       <p:sp>
         <p:nvSpPr>
-          <p:cNvPr id="7" name="Text Placeholder 6">
+          <p:cNvPr id="2" name="TextBox 1">
             <a:extLst>
               <a:ext uri="{FF2B5EF4-FFF2-40B4-BE49-F238E27FC236}">
-                <a16:creationId xmlns:a16="http://schemas.microsoft.com/office/drawing/2014/main" id="{8411C311-257F-4431-E3D4-C5311AA813A7}"/>
+                <a16:creationId xmlns:a16="http://schemas.microsoft.com/office/drawing/2014/main" id="{229772C4-364D-B3A5-FDEC-7B0B88ECF9C0}"/>
               </a:ext>
             </a:extLst>
           </p:cNvPr>
-          <p:cNvSpPr>
-            <a:spLocks noGrp="1"/>
-          </p:cNvSpPr>
-          <p:nvPr>
-            <p:ph type="body" idx="5"/>
-          </p:nvPr>
+          <p:cNvSpPr txBox="1"/>
+          <p:nvPr/>
         </p:nvSpPr>
-        <p:spPr/>
-        <p:txBody>
-          <a:bodyPr/>
-          <a:lstStyle/>
-          <a:p>
-            <a:r>
-              <a:rPr lang="de-DE" dirty="0"/>
-              <a:t>einfach zu lernen</a:t>
-            </a:r>
-          </a:p>
-          <a:p>
-            <a:r>
-              <a:rPr lang="de-DE" dirty="0"/>
-              <a:t>Keine Kompilierung notwendig</a:t>
-            </a:r>
-            <a:br>
-              <a:rPr lang="de-DE" dirty="0"/>
-            </a:br>
-            <a:r>
-              <a:rPr lang="de-DE" dirty="0"/>
-              <a:t>(Interpreter-Sprache)</a:t>
-            </a:r>
-          </a:p>
-        </p:txBody>
-      </p:sp>
-      <p:pic>
-        <p:nvPicPr>
-          <p:cNvPr id="4" name="Grafik 3" descr="Ein Bild, das Säugetier, Reptil, Schlange, Schuppenkriechtiere enthält.">
-            <a:extLst>
-              <a:ext uri="{FF2B5EF4-FFF2-40B4-BE49-F238E27FC236}">
-                <a16:creationId xmlns:a16="http://schemas.microsoft.com/office/drawing/2014/main" id="{D04F267D-E53C-9E05-68F0-D1FB57C80AB0}"/>
-              </a:ext>
-            </a:extLst>
-          </p:cNvPr>
-          <p:cNvPicPr>
-            <a:picLocks noChangeAspect="1"/>
-          </p:cNvPicPr>
-          <p:nvPr/>
-        </p:nvPicPr>
-        <p:blipFill>
-          <a:blip r:embed="rId2"/>
-          <a:stretch>
-            <a:fillRect/>
-          </a:stretch>
-        </p:blipFill>
         <p:spPr>
           <a:xfrm>
-            <a:off x="6641095" y="1823572"/>
-            <a:ext cx="3798155" cy="3767376"/>
+            <a:off x="1375506" y="5300411"/>
+            <a:ext cx="209967" cy="369332"/>
           </a:xfrm>
           <a:prstGeom prst="rect">
             <a:avLst/>
           </a:prstGeom>
+          <a:noFill/>
         </p:spPr>
-      </p:pic>
+        <p:txBody>
+          <a:bodyPr wrap="square" rtlCol="0">
+            <a:spAutoFit/>
+          </a:bodyPr>
+          <a:lstStyle/>
+          <a:p>
+            <a:r>
+              <a:rPr lang="de-DE" sz="1800" dirty="0">
+                <a:solidFill>
+                  <a:schemeClr val="bg2"/>
+                </a:solidFill>
+              </a:rPr>
+              <a:t>¬</a:t>
+            </a:r>
+            <a:endParaRPr lang="de-DE" sz="1800" dirty="0"/>
+          </a:p>
+        </p:txBody>
+      </p:sp>
     </p:spTree>
     <p:extLst>
       <p:ext uri="{BB962C8B-B14F-4D97-AF65-F5344CB8AC3E}">
-        <p14:creationId xmlns:p14="http://schemas.microsoft.com/office/powerpoint/2010/main" val="4056296657"/>
+        <p14:creationId xmlns:p14="http://schemas.microsoft.com/office/powerpoint/2010/main" val="3539339222"/>
       </p:ext>
     </p:extLst>
   </p:cSld>
@@ -19260,9 +19507,6 @@
                     <p:cTn id="3" fill="hold">
                       <p:stCondLst>
                         <p:cond delay="indefinite"/>
-                        <p:cond evt="onBegin" delay="0">
-                          <p:tn val="2"/>
-                        </p:cond>
                       </p:stCondLst>
                       <p:childTnLst>
                         <p:par>
@@ -19272,7 +19516,7 @@
                             </p:stCondLst>
                             <p:childTnLst>
                               <p:par>
-                                <p:cTn id="5" presetID="1" presetClass="entr" presetSubtype="0" fill="hold" grpId="0" nodeType="afterEffect">
+                                <p:cTn id="5" presetID="1" presetClass="entr" presetSubtype="0" fill="hold" grpId="0" nodeType="clickEffect">
                                   <p:stCondLst>
                                     <p:cond delay="0"/>
                                   </p:stCondLst>
@@ -19285,7 +19529,7 @@
                                           </p:stCondLst>
                                         </p:cTn>
                                         <p:tgtEl>
-                                          <p:spTgt spid="2">
+                                          <p:spTgt spid="6">
                                             <p:txEl>
                                               <p:pRg st="0" end="0"/>
                                             </p:txEl>
@@ -19305,125 +19549,30 @@
                             </p:childTnLst>
                           </p:cTn>
                         </p:par>
+                      </p:childTnLst>
+                    </p:cTn>
+                  </p:par>
+                  <p:par>
+                    <p:cTn id="7" fill="hold">
+                      <p:stCondLst>
+                        <p:cond delay="indefinite"/>
+                      </p:stCondLst>
+                      <p:childTnLst>
                         <p:par>
-                          <p:cTn id="7" fill="hold">
+                          <p:cTn id="8" fill="hold">
                             <p:stCondLst>
                               <p:cond delay="0"/>
                             </p:stCondLst>
                             <p:childTnLst>
                               <p:par>
-                                <p:cTn id="8" presetID="10" presetClass="entr" presetSubtype="0" fill="hold" grpId="0" nodeType="afterEffect">
+                                <p:cTn id="9" presetID="1" presetClass="entr" presetSubtype="0" fill="hold" grpId="0" nodeType="clickEffect">
                                   <p:stCondLst>
                                     <p:cond delay="0"/>
                                   </p:stCondLst>
                                   <p:childTnLst>
                                     <p:set>
                                       <p:cBhvr>
-                                        <p:cTn id="9" dur="1" fill="hold">
-                                          <p:stCondLst>
-                                            <p:cond delay="0"/>
-                                          </p:stCondLst>
-                                        </p:cTn>
-                                        <p:tgtEl>
-                                          <p:spTgt spid="6">
-                                            <p:txEl>
-                                              <p:pRg st="0" end="0"/>
-                                            </p:txEl>
-                                          </p:spTgt>
-                                        </p:tgtEl>
-                                        <p:attrNameLst>
-                                          <p:attrName>style.visibility</p:attrName>
-                                        </p:attrNameLst>
-                                      </p:cBhvr>
-                                      <p:to>
-                                        <p:strVal val="visible"/>
-                                      </p:to>
-                                    </p:set>
-                                    <p:animEffect transition="in" filter="fade">
-                                      <p:cBhvr>
-                                        <p:cTn id="10" dur="500"/>
-                                        <p:tgtEl>
-                                          <p:spTgt spid="6">
-                                            <p:txEl>
-                                              <p:pRg st="0" end="0"/>
-                                            </p:txEl>
-                                          </p:spTgt>
-                                        </p:tgtEl>
-                                      </p:cBhvr>
-                                    </p:animEffect>
-                                  </p:childTnLst>
-                                </p:cTn>
-                              </p:par>
-                            </p:childTnLst>
-                          </p:cTn>
-                        </p:par>
-                        <p:par>
-                          <p:cTn id="11" fill="hold">
-                            <p:stCondLst>
-                              <p:cond delay="500"/>
-                            </p:stCondLst>
-                            <p:childTnLst>
-                              <p:par>
-                                <p:cTn id="12" presetID="10" presetClass="entr" presetSubtype="0" fill="hold" grpId="0" nodeType="afterEffect">
-                                  <p:stCondLst>
-                                    <p:cond delay="0"/>
-                                  </p:stCondLst>
-                                  <p:childTnLst>
-                                    <p:set>
-                                      <p:cBhvr>
-                                        <p:cTn id="13" dur="1" fill="hold">
-                                          <p:stCondLst>
-                                            <p:cond delay="0"/>
-                                          </p:stCondLst>
-                                        </p:cTn>
-                                        <p:tgtEl>
-                                          <p:spTgt spid="6">
-                                            <p:txEl>
-                                              <p:pRg st="1" end="1"/>
-                                            </p:txEl>
-                                          </p:spTgt>
-                                        </p:tgtEl>
-                                        <p:attrNameLst>
-                                          <p:attrName>style.visibility</p:attrName>
-                                        </p:attrNameLst>
-                                      </p:cBhvr>
-                                      <p:to>
-                                        <p:strVal val="visible"/>
-                                      </p:to>
-                                    </p:set>
-                                    <p:animEffect transition="in" filter="fade">
-                                      <p:cBhvr>
-                                        <p:cTn id="14" dur="500"/>
-                                        <p:tgtEl>
-                                          <p:spTgt spid="6">
-                                            <p:txEl>
-                                              <p:pRg st="1" end="1"/>
-                                            </p:txEl>
-                                          </p:spTgt>
-                                        </p:tgtEl>
-                                      </p:cBhvr>
-                                    </p:animEffect>
-                                  </p:childTnLst>
-                                </p:cTn>
-                              </p:par>
-                            </p:childTnLst>
-                          </p:cTn>
-                        </p:par>
-                        <p:par>
-                          <p:cTn id="15" fill="hold">
-                            <p:stCondLst>
-                              <p:cond delay="1000"/>
-                            </p:stCondLst>
-                            <p:childTnLst>
-                              <p:par>
-                                <p:cTn id="16" presetID="10" presetClass="entr" presetSubtype="0" fill="hold" grpId="0" nodeType="afterEffect">
-                                  <p:stCondLst>
-                                    <p:cond delay="0"/>
-                                  </p:stCondLst>
-                                  <p:childTnLst>
-                                    <p:set>
-                                      <p:cBhvr>
-                                        <p:cTn id="17" dur="1" fill="hold">
+                                        <p:cTn id="10" dur="1" fill="hold">
                                           <p:stCondLst>
                                             <p:cond delay="0"/>
                                           </p:stCondLst>
@@ -19443,18 +19592,104 @@
                                         <p:strVal val="visible"/>
                                       </p:to>
                                     </p:set>
-                                    <p:animEffect transition="in" filter="fade">
+                                  </p:childTnLst>
+                                </p:cTn>
+                              </p:par>
+                            </p:childTnLst>
+                          </p:cTn>
+                        </p:par>
+                      </p:childTnLst>
+                    </p:cTn>
+                  </p:par>
+                  <p:par>
+                    <p:cTn id="11" fill="hold">
+                      <p:stCondLst>
+                        <p:cond delay="indefinite"/>
+                      </p:stCondLst>
+                      <p:childTnLst>
+                        <p:par>
+                          <p:cTn id="12" fill="hold">
+                            <p:stCondLst>
+                              <p:cond delay="0"/>
+                            </p:stCondLst>
+                            <p:childTnLst>
+                              <p:par>
+                                <p:cTn id="13" presetID="1" presetClass="entr" presetSubtype="0" fill="hold" grpId="0" nodeType="clickEffect">
+                                  <p:stCondLst>
+                                    <p:cond delay="0"/>
+                                  </p:stCondLst>
+                                  <p:childTnLst>
+                                    <p:set>
                                       <p:cBhvr>
-                                        <p:cTn id="18" dur="500"/>
+                                        <p:cTn id="14" dur="1" fill="hold">
+                                          <p:stCondLst>
+                                            <p:cond delay="0"/>
+                                          </p:stCondLst>
+                                        </p:cTn>
                                         <p:tgtEl>
                                           <p:spTgt spid="6">
                                             <p:txEl>
-                                              <p:pRg st="2" end="2"/>
+                                              <p:pRg st="4" end="4"/>
                                             </p:txEl>
                                           </p:spTgt>
                                         </p:tgtEl>
+                                        <p:attrNameLst>
+                                          <p:attrName>style.visibility</p:attrName>
+                                        </p:attrNameLst>
                                       </p:cBhvr>
-                                    </p:animEffect>
+                                      <p:to>
+                                        <p:strVal val="visible"/>
+                                      </p:to>
+                                    </p:set>
+                                  </p:childTnLst>
+                                </p:cTn>
+                              </p:par>
+                            </p:childTnLst>
+                          </p:cTn>
+                        </p:par>
+                      </p:childTnLst>
+                    </p:cTn>
+                  </p:par>
+                  <p:par>
+                    <p:cTn id="15" fill="hold">
+                      <p:stCondLst>
+                        <p:cond delay="indefinite"/>
+                      </p:stCondLst>
+                      <p:childTnLst>
+                        <p:par>
+                          <p:cTn id="16" fill="hold">
+                            <p:stCondLst>
+                              <p:cond delay="0"/>
+                            </p:stCondLst>
+                            <p:childTnLst>
+                              <p:par>
+                                <p:cTn id="17" presetID="1" presetClass="entr" presetSubtype="0" fill="hold" grpId="0" nodeType="clickEffect">
+                                  <p:stCondLst>
+                                    <p:cond delay="0"/>
+                                  </p:stCondLst>
+                                  <p:childTnLst>
+                                    <p:set>
+                                      <p:cBhvr>
+                                        <p:cTn id="18" dur="1" fill="hold">
+                                          <p:stCondLst>
+                                            <p:cond delay="0"/>
+                                          </p:stCondLst>
+                                        </p:cTn>
+                                        <p:tgtEl>
+                                          <p:spTgt spid="6">
+                                            <p:txEl>
+                                              <p:pRg st="5" end="5"/>
+                                            </p:txEl>
+                                          </p:spTgt>
+                                        </p:tgtEl>
+                                        <p:attrNameLst>
+                                          <p:attrName>style.visibility</p:attrName>
+                                        </p:attrNameLst>
+                                      </p:cBhvr>
+                                      <p:to>
+                                        <p:strVal val="visible"/>
+                                      </p:to>
+                                    </p:set>
                                   </p:childTnLst>
                                 </p:cTn>
                               </p:par>
@@ -19490,9 +19725,9 @@
                                           </p:stCondLst>
                                         </p:cTn>
                                         <p:tgtEl>
-                                          <p:spTgt spid="3">
+                                          <p:spTgt spid="6">
                                             <p:txEl>
-                                              <p:pRg st="0" end="0"/>
+                                              <p:pRg st="7" end="7"/>
                                             </p:txEl>
                                           </p:spTgt>
                                         </p:tgtEl>
@@ -19510,29 +19745,38 @@
                             </p:childTnLst>
                           </p:cTn>
                         </p:par>
+                      </p:childTnLst>
+                    </p:cTn>
+                  </p:par>
+                  <p:par>
+                    <p:cTn id="23" fill="hold">
+                      <p:stCondLst>
+                        <p:cond delay="indefinite"/>
+                      </p:stCondLst>
+                      <p:childTnLst>
                         <p:par>
-                          <p:cTn id="23" fill="hold">
+                          <p:cTn id="24" fill="hold">
                             <p:stCondLst>
                               <p:cond delay="0"/>
                             </p:stCondLst>
                             <p:childTnLst>
                               <p:par>
-                                <p:cTn id="24" presetID="10" presetClass="entr" presetSubtype="0" fill="hold" grpId="0" nodeType="afterEffect">
+                                <p:cTn id="25" presetID="1" presetClass="entr" presetSubtype="0" fill="hold" grpId="0" nodeType="clickEffect">
                                   <p:stCondLst>
                                     <p:cond delay="0"/>
                                   </p:stCondLst>
                                   <p:childTnLst>
                                     <p:set>
                                       <p:cBhvr>
-                                        <p:cTn id="25" dur="1" fill="hold">
+                                        <p:cTn id="26" dur="1" fill="hold">
                                           <p:stCondLst>
                                             <p:cond delay="0"/>
                                           </p:stCondLst>
                                         </p:cTn>
                                         <p:tgtEl>
-                                          <p:spTgt spid="7">
+                                          <p:spTgt spid="6">
                                             <p:txEl>
-                                              <p:pRg st="0" end="0"/>
+                                              <p:pRg st="8" end="8"/>
                                             </p:txEl>
                                           </p:spTgt>
                                         </p:tgtEl>
@@ -19544,58 +19788,24 @@
                                         <p:strVal val="visible"/>
                                       </p:to>
                                     </p:set>
-                                    <p:animEffect transition="in" filter="fade">
-                                      <p:cBhvr>
-                                        <p:cTn id="26" dur="500"/>
-                                        <p:tgtEl>
-                                          <p:spTgt spid="7">
-                                            <p:txEl>
-                                              <p:pRg st="0" end="0"/>
-                                            </p:txEl>
-                                          </p:spTgt>
-                                        </p:tgtEl>
-                                      </p:cBhvr>
-                                    </p:animEffect>
                                   </p:childTnLst>
                                 </p:cTn>
                               </p:par>
-                            </p:childTnLst>
-                          </p:cTn>
-                        </p:par>
-                      </p:childTnLst>
-                    </p:cTn>
-                  </p:par>
-                  <p:par>
-                    <p:cTn id="27" fill="hold">
-                      <p:stCondLst>
-                        <p:cond delay="indefinite"/>
-                      </p:stCondLst>
-                      <p:childTnLst>
-                        <p:par>
-                          <p:cTn id="28" fill="hold">
-                            <p:stCondLst>
-                              <p:cond delay="0"/>
-                            </p:stCondLst>
-                            <p:childTnLst>
                               <p:par>
-                                <p:cTn id="29" presetID="10" presetClass="entr" presetSubtype="0" fill="hold" grpId="0" nodeType="clickEffect">
+                                <p:cTn id="27" presetID="1" presetClass="entr" presetSubtype="0" fill="hold" grpId="1" nodeType="withEffect">
                                   <p:stCondLst>
                                     <p:cond delay="0"/>
                                   </p:stCondLst>
                                   <p:childTnLst>
                                     <p:set>
                                       <p:cBhvr>
-                                        <p:cTn id="30" dur="1" fill="hold">
+                                        <p:cTn id="28" dur="1" fill="hold">
                                           <p:stCondLst>
                                             <p:cond delay="0"/>
                                           </p:stCondLst>
                                         </p:cTn>
                                         <p:tgtEl>
-                                          <p:spTgt spid="7">
-                                            <p:txEl>
-                                              <p:pRg st="1" end="1"/>
-                                            </p:txEl>
-                                          </p:spTgt>
+                                          <p:spTgt spid="2"/>
                                         </p:tgtEl>
                                         <p:attrNameLst>
                                           <p:attrName>style.visibility</p:attrName>
@@ -19605,18 +19815,6 @@
                                         <p:strVal val="visible"/>
                                       </p:to>
                                     </p:set>
-                                    <p:animEffect transition="in" filter="fade">
-                                      <p:cBhvr>
-                                        <p:cTn id="31" dur="500"/>
-                                        <p:tgtEl>
-                                          <p:spTgt spid="7">
-                                            <p:txEl>
-                                              <p:pRg st="1" end="1"/>
-                                            </p:txEl>
-                                          </p:spTgt>
-                                        </p:tgtEl>
-                                      </p:cBhvr>
-                                    </p:animEffect>
                                   </p:childTnLst>
                                 </p:cTn>
                               </p:par>
@@ -19648,10 +19846,8 @@
       </p:par>
     </p:tnLst>
     <p:bldLst>
-      <p:bldP spid="2" grpId="0" build="p"/>
-      <p:bldP spid="3" grpId="0" build="p"/>
       <p:bldP spid="6" grpId="0" uiExpand="1" build="p"/>
-      <p:bldP spid="7" grpId="0" build="p"/>
+      <p:bldP spid="2" grpId="1"/>
     </p:bldLst>
   </p:timing>
 </p:sld>
@@ -19705,7 +19901,7 @@
                   <a:schemeClr val="accent1"/>
                 </a:solidFill>
               </a:rPr>
-              <a:t>DATENTYPEN</a:t>
+              <a:t>BEDINGUNGEN</a:t>
             </a:r>
             <a:endParaRPr lang="de-DE" dirty="0"/>
           </a:p>
@@ -19737,165 +19933,152 @@
           <a:bodyPr/>
           <a:lstStyle/>
           <a:p>
+            <a:pPr marL="139700" indent="0">
+              <a:buNone/>
+            </a:pPr>
             <a:r>
               <a:rPr lang="de-DE" sz="2000" dirty="0" err="1">
                 <a:solidFill>
                   <a:schemeClr val="accent1"/>
                 </a:solidFill>
               </a:rPr>
-              <a:t>int</a:t>
-            </a:r>
-            <a:r>
-              <a:rPr lang="de-DE" sz="2000" dirty="0"/>
-              <a:t> </a:t>
+              <a:t>if</a:t>
             </a:r>
             <a:r>
               <a:rPr lang="de-DE" sz="2000" dirty="0">
                 <a:solidFill>
-                  <a:schemeClr val="accent2">
-                    <a:lumMod val="75000"/>
-                  </a:schemeClr>
+                  <a:schemeClr val="accent1"/>
                 </a:solidFill>
               </a:rPr>
-              <a:t>#ganze Zahl </a:t>
-            </a:r>
-            <a:r>
-              <a:rPr lang="de-DE" sz="2000" dirty="0"/>
-              <a:t>{1 2 -3 42 69 …}</a:t>
+              <a:t> (</a:t>
+            </a:r>
+            <a:r>
+              <a:rPr lang="de-DE" sz="2000" dirty="0" err="1"/>
+              <a:t>bedingung</a:t>
+            </a:r>
+            <a:r>
+              <a:rPr lang="de-DE" sz="2000" dirty="0">
+                <a:solidFill>
+                  <a:schemeClr val="accent1"/>
+                </a:solidFill>
+              </a:rPr>
+              <a:t>):</a:t>
             </a:r>
           </a:p>
           <a:p>
+            <a:pPr marL="139700" indent="0">
+              <a:buNone/>
+            </a:pPr>
+            <a:r>
+              <a:rPr lang="de-DE" sz="2000" dirty="0">
+                <a:solidFill>
+                  <a:schemeClr val="accent1"/>
+                </a:solidFill>
+              </a:rPr>
+              <a:t>	</a:t>
+            </a:r>
+            <a:r>
+              <a:rPr lang="de-DE" sz="2000" dirty="0">
+                <a:solidFill>
+                  <a:schemeClr val="accent6">
+                    <a:lumMod val="40000"/>
+                    <a:lumOff val="60000"/>
+                  </a:schemeClr>
+                </a:solidFill>
+              </a:rPr>
+              <a:t># do </a:t>
+            </a:r>
             <a:r>
               <a:rPr lang="de-DE" sz="2000" dirty="0" err="1">
                 <a:solidFill>
-                  <a:schemeClr val="accent1"/>
+                  <a:schemeClr val="accent6">
+                    <a:lumMod val="40000"/>
+                    <a:lumOff val="60000"/>
+                  </a:schemeClr>
                 </a:solidFill>
               </a:rPr>
-              <a:t>float</a:t>
-            </a:r>
-            <a:r>
-              <a:rPr lang="de-DE" sz="2000" dirty="0"/>
-              <a:t> </a:t>
-            </a:r>
-            <a:r>
-              <a:rPr lang="de-DE" sz="2000" dirty="0">
-                <a:solidFill>
-                  <a:schemeClr val="accent2">
-                    <a:lumMod val="75000"/>
-                  </a:schemeClr>
-                </a:solidFill>
-              </a:rPr>
-              <a:t>#Fließkommazahl </a:t>
-            </a:r>
-            <a:r>
-              <a:rPr lang="de-DE" sz="2000" dirty="0"/>
-              <a:t>{1.5  3.14  -4.20 …}</a:t>
-            </a:r>
+              <a:t>something</a:t>
+            </a:r>
+            <a:endParaRPr lang="de-DE" sz="2000" dirty="0">
+              <a:solidFill>
+                <a:schemeClr val="accent6">
+                  <a:lumMod val="40000"/>
+                  <a:lumOff val="60000"/>
+                </a:schemeClr>
+              </a:solidFill>
+            </a:endParaRPr>
           </a:p>
           <a:p>
-            <a:endParaRPr lang="de-DE" sz="2000" dirty="0"/>
+            <a:pPr marL="139700" indent="0">
+              <a:buNone/>
+            </a:pPr>
+            <a:r>
+              <a:rPr lang="de-DE" sz="2000" dirty="0" err="1">
+                <a:solidFill>
+                  <a:schemeClr val="accent1"/>
+                </a:solidFill>
+              </a:rPr>
+              <a:t>else</a:t>
+            </a:r>
+            <a:r>
+              <a:rPr lang="de-DE" sz="2000" dirty="0">
+                <a:solidFill>
+                  <a:schemeClr val="accent1"/>
+                </a:solidFill>
+              </a:rPr>
+              <a:t>:</a:t>
+            </a:r>
           </a:p>
           <a:p>
+            <a:pPr marL="139700" indent="0">
+              <a:buNone/>
+            </a:pPr>
+            <a:r>
+              <a:rPr lang="de-DE" sz="2000" dirty="0">
+                <a:solidFill>
+                  <a:schemeClr val="accent1"/>
+                </a:solidFill>
+              </a:rPr>
+              <a:t>	</a:t>
+            </a:r>
+            <a:r>
+              <a:rPr lang="de-DE" sz="2000" dirty="0">
+                <a:solidFill>
+                  <a:schemeClr val="accent6">
+                    <a:lumMod val="40000"/>
+                    <a:lumOff val="60000"/>
+                  </a:schemeClr>
+                </a:solidFill>
+              </a:rPr>
+              <a:t># do </a:t>
+            </a:r>
             <a:r>
               <a:rPr lang="de-DE" sz="2000" dirty="0" err="1">
                 <a:solidFill>
-                  <a:schemeClr val="accent1"/>
+                  <a:schemeClr val="accent6">
+                    <a:lumMod val="40000"/>
+                    <a:lumOff val="60000"/>
+                  </a:schemeClr>
                 </a:solidFill>
               </a:rPr>
-              <a:t>string</a:t>
-            </a:r>
-            <a:r>
-              <a:rPr lang="de-DE" sz="2000" dirty="0"/>
-              <a:t> </a:t>
+              <a:t>something</a:t>
             </a:r>
             <a:r>
               <a:rPr lang="de-DE" sz="2000" dirty="0">
                 <a:solidFill>
-                  <a:schemeClr val="accent2">
-                    <a:lumMod val="75000"/>
+                  <a:schemeClr val="accent6">
+                    <a:lumMod val="40000"/>
+                    <a:lumOff val="60000"/>
                   </a:schemeClr>
                 </a:solidFill>
               </a:rPr>
-              <a:t>#Zeichenkette </a:t>
-            </a:r>
-            <a:r>
-              <a:rPr lang="de-DE" sz="2000" dirty="0"/>
-              <a:t>{“</a:t>
-            </a:r>
-            <a:r>
-              <a:rPr lang="de-DE" sz="2000" dirty="0" err="1"/>
-              <a:t>potato</a:t>
-            </a:r>
-            <a:r>
-              <a:rPr lang="de-DE" sz="2000" dirty="0"/>
-              <a:t>“ “Chips“…}</a:t>
+              <a:t> different</a:t>
             </a:r>
           </a:p>
           <a:p>
-            <a:r>
-              <a:rPr lang="de-DE" sz="2000" dirty="0" err="1">
-                <a:solidFill>
-                  <a:schemeClr val="accent1"/>
-                </a:solidFill>
-              </a:rPr>
-              <a:t>bool</a:t>
-            </a:r>
-            <a:r>
-              <a:rPr lang="de-DE" sz="2000" dirty="0"/>
-              <a:t> </a:t>
-            </a:r>
-            <a:r>
-              <a:rPr lang="de-DE" sz="2000" dirty="0">
-                <a:solidFill>
-                  <a:schemeClr val="accent2">
-                    <a:lumMod val="75000"/>
-                  </a:schemeClr>
-                </a:solidFill>
-              </a:rPr>
-              <a:t>#Wahr oder Falsch </a:t>
-            </a:r>
-            <a:r>
-              <a:rPr lang="de-DE" sz="2000" dirty="0"/>
-              <a:t>{</a:t>
-            </a:r>
-            <a:r>
-              <a:rPr lang="de-DE" sz="2000" b="1" dirty="0"/>
-              <a:t>T</a:t>
-            </a:r>
-            <a:r>
-              <a:rPr lang="de-DE" sz="2000" dirty="0">
-                <a:solidFill>
-                  <a:schemeClr val="bg2">
-                    <a:lumMod val="85000"/>
-                  </a:schemeClr>
-                </a:solidFill>
-              </a:rPr>
-              <a:t>rue</a:t>
-            </a:r>
-            <a:r>
-              <a:rPr lang="de-DE" sz="2000" dirty="0"/>
-              <a:t> </a:t>
-            </a:r>
-            <a:r>
-              <a:rPr lang="de-DE" sz="2000" b="1" dirty="0" err="1"/>
-              <a:t>F</a:t>
-            </a:r>
-            <a:r>
-              <a:rPr lang="de-DE" sz="2000" dirty="0" err="1">
-                <a:solidFill>
-                  <a:schemeClr val="bg2">
-                    <a:lumMod val="85000"/>
-                  </a:schemeClr>
-                </a:solidFill>
-              </a:rPr>
-              <a:t>alse</a:t>
-            </a:r>
-            <a:r>
-              <a:rPr lang="de-DE" sz="2000" dirty="0"/>
-              <a:t>}</a:t>
-            </a:r>
-          </a:p>
-          <a:p>
+            <a:pPr marL="139700" indent="0">
+              <a:buNone/>
+            </a:pPr>
             <a:endParaRPr lang="de-DE" sz="2000" dirty="0"/>
           </a:p>
           <a:p>
@@ -20089,7 +20272,7 @@
                                         <p:tgtEl>
                                           <p:spTgt spid="6">
                                             <p:txEl>
-                                              <p:pRg st="3" end="3"/>
+                                              <p:pRg st="2" end="2"/>
                                             </p:txEl>
                                           </p:spTgt>
                                         </p:tgtEl>
@@ -20107,7 +20290,7 @@
                                         <p:tgtEl>
                                           <p:spTgt spid="6">
                                             <p:txEl>
-                                              <p:pRg st="3" end="3"/>
+                                              <p:pRg st="2" end="2"/>
                                             </p:txEl>
                                           </p:spTgt>
                                         </p:tgtEl>
@@ -20150,7 +20333,7 @@
                                         <p:tgtEl>
                                           <p:spTgt spid="6">
                                             <p:txEl>
-                                              <p:pRg st="4" end="4"/>
+                                              <p:pRg st="3" end="3"/>
                                             </p:txEl>
                                           </p:spTgt>
                                         </p:tgtEl>
@@ -20168,7 +20351,7 @@
                                         <p:tgtEl>
                                           <p:spTgt spid="6">
                                             <p:txEl>
-                                              <p:pRg st="4" end="4"/>
+                                              <p:pRg st="3" end="3"/>
                                             </p:txEl>
                                           </p:spTgt>
                                         </p:tgtEl>
@@ -20259,7 +20442,7 @@
                   <a:schemeClr val="accent1"/>
                 </a:solidFill>
               </a:rPr>
-              <a:t>VARIABLEN</a:t>
+              <a:t>BEDINGUNGEN</a:t>
             </a:r>
             <a:endParaRPr lang="de-DE" dirty="0"/>
           </a:p>
@@ -20300,169 +20483,122 @@
                   <a:schemeClr val="accent1"/>
                 </a:solidFill>
               </a:rPr>
-              <a:t>a </a:t>
+              <a:t>x </a:t>
+            </a:r>
+            <a:r>
+              <a:rPr lang="de-DE" sz="2000" dirty="0"/>
+              <a:t>=</a:t>
             </a:r>
             <a:r>
               <a:rPr lang="de-DE" sz="2000" dirty="0">
                 <a:solidFill>
-                  <a:schemeClr val="tx1"/>
+                  <a:schemeClr val="accent1"/>
                 </a:solidFill>
               </a:rPr>
-              <a:t>= 4 </a:t>
+              <a:t> </a:t>
+            </a:r>
+            <a:r>
+              <a:rPr lang="de-DE" sz="2000" dirty="0"/>
+              <a:t>7</a:t>
             </a:r>
             <a:r>
               <a:rPr lang="de-DE" sz="2000" dirty="0">
                 <a:solidFill>
-                  <a:schemeClr val="accent2">
-                    <a:lumMod val="75000"/>
-                  </a:schemeClr>
+                  <a:schemeClr val="accent1"/>
                 </a:solidFill>
               </a:rPr>
-              <a:t>#integer (</a:t>
-            </a:r>
-            <a:r>
-              <a:rPr lang="de-DE" sz="2000" dirty="0" err="1">
-                <a:solidFill>
-                  <a:schemeClr val="accent2">
-                    <a:lumMod val="75000"/>
-                  </a:schemeClr>
+              <a:t> </a:t>
+            </a:r>
+            <a:r>
+              <a:rPr lang="de-DE" sz="2000" dirty="0"/>
+              <a:t>+</a:t>
+            </a:r>
+            <a:r>
+              <a:rPr lang="de-DE" sz="2000" dirty="0">
+                <a:solidFill>
+                  <a:schemeClr val="accent1"/>
                 </a:solidFill>
               </a:rPr>
-              <a:t>int</a:t>
-            </a:r>
-            <a:r>
-              <a:rPr lang="de-DE" sz="2000" dirty="0">
-                <a:solidFill>
-                  <a:schemeClr val="accent2">
-                    <a:lumMod val="75000"/>
-                  </a:schemeClr>
-                </a:solidFill>
-              </a:rPr>
-              <a:t>)</a:t>
-            </a:r>
-            <a:endParaRPr lang="de-DE" sz="2000" dirty="0"/>
+              <a:t> </a:t>
+            </a:r>
+            <a:r>
+              <a:rPr lang="de-DE" sz="2000" dirty="0"/>
+              <a:t>5</a:t>
+            </a:r>
           </a:p>
           <a:p>
             <a:pPr marL="139700" indent="0">
               <a:buNone/>
             </a:pPr>
             <a:r>
+              <a:rPr lang="de-DE" sz="2000" dirty="0" err="1">
+                <a:solidFill>
+                  <a:schemeClr val="accent1"/>
+                </a:solidFill>
+              </a:rPr>
+              <a:t>if</a:t>
+            </a:r>
+            <a:r>
               <a:rPr lang="de-DE" sz="2000" dirty="0">
                 <a:solidFill>
                   <a:schemeClr val="accent1"/>
                 </a:solidFill>
               </a:rPr>
-              <a:t>b </a:t>
+              <a:t> (x</a:t>
+            </a:r>
+            <a:r>
+              <a:rPr lang="de-DE" sz="2000" dirty="0"/>
+              <a:t> </a:t>
             </a:r>
             <a:r>
               <a:rPr lang="de-DE" sz="2000" dirty="0">
                 <a:solidFill>
-                  <a:schemeClr val="tx1"/>
-                </a:solidFill>
-              </a:rPr>
-              <a:t>= “2“ </a:t>
-            </a:r>
-            <a:r>
-              <a:rPr lang="de-DE" sz="2000" dirty="0">
-                <a:solidFill>
-                  <a:schemeClr val="accent2">
+                  <a:schemeClr val="accent5">
                     <a:lumMod val="75000"/>
                   </a:schemeClr>
                 </a:solidFill>
               </a:rPr>
-              <a:t>#string (</a:t>
-            </a:r>
-            <a:r>
-              <a:rPr lang="de-DE" sz="2000" dirty="0" err="1">
-                <a:solidFill>
-                  <a:schemeClr val="accent2">
-                    <a:lumMod val="75000"/>
-                  </a:schemeClr>
+              <a:t>==</a:t>
+            </a:r>
+            <a:r>
+              <a:rPr lang="de-DE" sz="2000" dirty="0"/>
+              <a:t> 12</a:t>
+            </a:r>
+            <a:r>
+              <a:rPr lang="de-DE" sz="2000" dirty="0">
+                <a:solidFill>
+                  <a:schemeClr val="accent1"/>
                 </a:solidFill>
               </a:rPr>
-              <a:t>str</a:t>
-            </a:r>
-            <a:r>
-              <a:rPr lang="de-DE" sz="2000" dirty="0">
-                <a:solidFill>
-                  <a:schemeClr val="accent2">
-                    <a:lumMod val="75000"/>
-                  </a:schemeClr>
-                </a:solidFill>
-              </a:rPr>
-              <a:t>)</a:t>
-            </a:r>
-            <a:endParaRPr lang="de-DE" sz="2000" dirty="0"/>
+              <a:t>):</a:t>
+            </a:r>
           </a:p>
           <a:p>
             <a:pPr marL="139700" indent="0">
               <a:buNone/>
             </a:pPr>
-            <a:endParaRPr lang="de-DE" sz="2000" dirty="0"/>
-          </a:p>
-          <a:p>
-            <a:pPr marL="139700" indent="0">
-              <a:buNone/>
-            </a:pPr>
             <a:r>
               <a:rPr lang="de-DE" sz="2000" dirty="0">
                 <a:solidFill>
                   <a:schemeClr val="accent1"/>
                 </a:solidFill>
               </a:rPr>
-              <a:t>c </a:t>
-            </a:r>
-            <a:r>
-              <a:rPr lang="de-DE" sz="2000" dirty="0">
-                <a:solidFill>
-                  <a:schemeClr val="tx1"/>
+              <a:t>	</a:t>
+            </a:r>
+            <a:r>
+              <a:rPr lang="de-DE" sz="2000" dirty="0" err="1">
+                <a:solidFill>
+                  <a:schemeClr val="accent6">
+                    <a:lumMod val="40000"/>
+                    <a:lumOff val="60000"/>
+                  </a:schemeClr>
                 </a:solidFill>
               </a:rPr>
-              <a:t>= </a:t>
-            </a:r>
-            <a:r>
-              <a:rPr lang="de-DE" sz="2000" dirty="0">
-                <a:solidFill>
-                  <a:schemeClr val="accent1"/>
-                </a:solidFill>
-              </a:rPr>
-              <a:t>a </a:t>
-            </a:r>
-            <a:r>
-              <a:rPr lang="de-DE" sz="2000" dirty="0">
-                <a:solidFill>
-                  <a:schemeClr val="tx1"/>
-                </a:solidFill>
-              </a:rPr>
-              <a:t>+</a:t>
-            </a:r>
-            <a:r>
-              <a:rPr lang="de-DE" sz="2000" dirty="0">
-                <a:solidFill>
-                  <a:schemeClr val="accent1"/>
-                </a:solidFill>
-              </a:rPr>
-              <a:t> b </a:t>
-            </a:r>
-            <a:r>
-              <a:rPr lang="de-DE" sz="2000" dirty="0">
-                <a:solidFill>
-                  <a:schemeClr val="accent2">
-                    <a:lumMod val="75000"/>
-                  </a:schemeClr>
-                </a:solidFill>
-              </a:rPr>
-              <a:t>#</a:t>
-            </a:r>
-            <a:r>
-              <a:rPr lang="de-DE" sz="2000" b="1" dirty="0">
-                <a:solidFill>
-                  <a:schemeClr val="accent2">
-                    <a:lumMod val="75000"/>
-                  </a:schemeClr>
-                </a:solidFill>
-              </a:rPr>
-              <a:t>??????</a:t>
+              <a:t>print</a:t>
+            </a:r>
+            <a:r>
+              <a:rPr lang="de-DE" sz="2000" dirty="0"/>
+              <a:t>("x ist 12")</a:t>
             </a:r>
             <a:endParaRPr lang="de-DE" sz="2000" dirty="0">
               <a:solidFill>
@@ -20477,37 +20613,53 @@
               <a:buNone/>
             </a:pPr>
             <a:r>
-              <a:rPr lang="de-DE" sz="1200" dirty="0">
-                <a:solidFill>
-                  <a:schemeClr val="accent4">
-                    <a:lumMod val="60000"/>
-                    <a:lumOff val="40000"/>
-                  </a:schemeClr>
+              <a:rPr lang="de-DE" sz="2000" dirty="0" err="1">
+                <a:solidFill>
+                  <a:schemeClr val="accent1"/>
                 </a:solidFill>
               </a:rPr>
-              <a:t>&gt;&gt;&gt; </a:t>
-            </a:r>
-            <a:r>
-              <a:rPr lang="en-US" sz="1200" dirty="0">
-                <a:solidFill>
-                  <a:schemeClr val="accent4">
-                    <a:lumMod val="60000"/>
-                    <a:lumOff val="40000"/>
-                  </a:schemeClr>
+              <a:t>else</a:t>
+            </a:r>
+            <a:r>
+              <a:rPr lang="de-DE" sz="2000" dirty="0">
+                <a:solidFill>
+                  <a:schemeClr val="accent1"/>
                 </a:solidFill>
               </a:rPr>
-              <a:t>ERROR !!!</a:t>
+              <a:t>:</a:t>
             </a:r>
           </a:p>
           <a:p>
             <a:pPr marL="139700" indent="0">
               <a:buNone/>
             </a:pPr>
-            <a:endParaRPr lang="en-US" sz="1200" dirty="0">
+            <a:r>
+              <a:rPr lang="de-DE" sz="2000" dirty="0">
+                <a:solidFill>
+                  <a:schemeClr val="accent1"/>
+                </a:solidFill>
+              </a:rPr>
+              <a:t>	</a:t>
+            </a:r>
+            <a:r>
+              <a:rPr lang="de-DE" sz="2000" dirty="0" err="1">
+                <a:solidFill>
+                  <a:schemeClr val="accent6">
+                    <a:lumMod val="40000"/>
+                    <a:lumOff val="60000"/>
+                  </a:schemeClr>
+                </a:solidFill>
+              </a:rPr>
+              <a:t>print</a:t>
+            </a:r>
+            <a:r>
+              <a:rPr lang="de-DE" sz="2000" dirty="0"/>
+              <a:t>("x ist nicht 12")</a:t>
+            </a:r>
+            <a:endParaRPr lang="de-DE" sz="2000" dirty="0">
               <a:solidFill>
-                <a:schemeClr val="accent4">
-                  <a:lumMod val="60000"/>
-                  <a:lumOff val="40000"/>
+                <a:schemeClr val="accent2">
+                  <a:lumMod val="75000"/>
                 </a:schemeClr>
               </a:solidFill>
             </a:endParaRPr>
@@ -20516,226 +20668,6 @@
             <a:pPr marL="139700" indent="0">
               <a:buNone/>
             </a:pPr>
-            <a:endParaRPr lang="en-US" sz="1200" dirty="0">
-              <a:solidFill>
-                <a:schemeClr val="accent4">
-                  <a:lumMod val="60000"/>
-                  <a:lumOff val="40000"/>
-                </a:schemeClr>
-              </a:solidFill>
-            </a:endParaRPr>
-          </a:p>
-          <a:p>
-            <a:pPr marL="139700" indent="0">
-              <a:buNone/>
-            </a:pPr>
-            <a:r>
-              <a:rPr lang="de-DE" sz="2000" dirty="0">
-                <a:solidFill>
-                  <a:schemeClr val="accent1"/>
-                </a:solidFill>
-              </a:rPr>
-              <a:t>c </a:t>
-            </a:r>
-            <a:r>
-              <a:rPr lang="de-DE" sz="2000" dirty="0">
-                <a:solidFill>
-                  <a:schemeClr val="tx1"/>
-                </a:solidFill>
-              </a:rPr>
-              <a:t>= </a:t>
-            </a:r>
-            <a:r>
-              <a:rPr lang="de-DE" sz="2000" dirty="0" err="1">
-                <a:solidFill>
-                  <a:schemeClr val="accent6">
-                    <a:lumMod val="60000"/>
-                    <a:lumOff val="40000"/>
-                  </a:schemeClr>
-                </a:solidFill>
-              </a:rPr>
-              <a:t>str</a:t>
-            </a:r>
-            <a:r>
-              <a:rPr lang="de-DE" sz="2000" dirty="0">
-                <a:solidFill>
-                  <a:schemeClr val="tx1"/>
-                </a:solidFill>
-              </a:rPr>
-              <a:t>(</a:t>
-            </a:r>
-            <a:r>
-              <a:rPr lang="de-DE" sz="2000" dirty="0">
-                <a:solidFill>
-                  <a:schemeClr val="accent1"/>
-                </a:solidFill>
-              </a:rPr>
-              <a:t>a</a:t>
-            </a:r>
-            <a:r>
-              <a:rPr lang="de-DE" sz="2000" dirty="0">
-                <a:solidFill>
-                  <a:schemeClr val="tx1"/>
-                </a:solidFill>
-              </a:rPr>
-              <a:t>)</a:t>
-            </a:r>
-            <a:r>
-              <a:rPr lang="de-DE" sz="2000" dirty="0">
-                <a:solidFill>
-                  <a:schemeClr val="accent1"/>
-                </a:solidFill>
-              </a:rPr>
-              <a:t> </a:t>
-            </a:r>
-            <a:r>
-              <a:rPr lang="de-DE" sz="2000" dirty="0">
-                <a:solidFill>
-                  <a:schemeClr val="tx1"/>
-                </a:solidFill>
-              </a:rPr>
-              <a:t>+</a:t>
-            </a:r>
-            <a:r>
-              <a:rPr lang="de-DE" sz="2000" dirty="0">
-                <a:solidFill>
-                  <a:schemeClr val="accent1"/>
-                </a:solidFill>
-              </a:rPr>
-              <a:t> b </a:t>
-            </a:r>
-            <a:r>
-              <a:rPr lang="de-DE" sz="2000" dirty="0">
-                <a:solidFill>
-                  <a:schemeClr val="accent2">
-                    <a:lumMod val="75000"/>
-                  </a:schemeClr>
-                </a:solidFill>
-              </a:rPr>
-              <a:t># 42</a:t>
-            </a:r>
-          </a:p>
-          <a:p>
-            <a:pPr marL="139700" indent="0">
-              <a:buNone/>
-            </a:pPr>
-            <a:r>
-              <a:rPr lang="de-DE" sz="2000" dirty="0">
-                <a:solidFill>
-                  <a:schemeClr val="accent1"/>
-                </a:solidFill>
-              </a:rPr>
-              <a:t>c </a:t>
-            </a:r>
-            <a:r>
-              <a:rPr lang="de-DE" sz="2000" dirty="0">
-                <a:solidFill>
-                  <a:schemeClr val="tx1"/>
-                </a:solidFill>
-              </a:rPr>
-              <a:t>= </a:t>
-            </a:r>
-            <a:r>
-              <a:rPr lang="de-DE" sz="2000" dirty="0">
-                <a:solidFill>
-                  <a:schemeClr val="accent1"/>
-                </a:solidFill>
-              </a:rPr>
-              <a:t>a </a:t>
-            </a:r>
-            <a:r>
-              <a:rPr lang="de-DE" sz="2000" dirty="0">
-                <a:solidFill>
-                  <a:schemeClr val="tx1"/>
-                </a:solidFill>
-              </a:rPr>
-              <a:t>+ </a:t>
-            </a:r>
-            <a:r>
-              <a:rPr lang="de-DE" sz="2000" dirty="0" err="1">
-                <a:solidFill>
-                  <a:schemeClr val="accent6">
-                    <a:lumMod val="60000"/>
-                    <a:lumOff val="40000"/>
-                  </a:schemeClr>
-                </a:solidFill>
-              </a:rPr>
-              <a:t>int</a:t>
-            </a:r>
-            <a:r>
-              <a:rPr lang="de-DE" sz="2000" dirty="0">
-                <a:solidFill>
-                  <a:schemeClr val="tx1"/>
-                </a:solidFill>
-              </a:rPr>
-              <a:t>(</a:t>
-            </a:r>
-            <a:r>
-              <a:rPr lang="de-DE" sz="2000" dirty="0">
-                <a:solidFill>
-                  <a:schemeClr val="accent1"/>
-                </a:solidFill>
-              </a:rPr>
-              <a:t>b</a:t>
-            </a:r>
-            <a:r>
-              <a:rPr lang="de-DE" sz="2000" dirty="0">
-                <a:solidFill>
-                  <a:schemeClr val="tx1"/>
-                </a:solidFill>
-              </a:rPr>
-              <a:t>)</a:t>
-            </a:r>
-            <a:r>
-              <a:rPr lang="de-DE" sz="2000" dirty="0">
-                <a:solidFill>
-                  <a:schemeClr val="accent1"/>
-                </a:solidFill>
-              </a:rPr>
-              <a:t> </a:t>
-            </a:r>
-            <a:r>
-              <a:rPr lang="de-DE" sz="2000" dirty="0">
-                <a:solidFill>
-                  <a:schemeClr val="accent2">
-                    <a:lumMod val="75000"/>
-                  </a:schemeClr>
-                </a:solidFill>
-              </a:rPr>
-              <a:t>#</a:t>
-            </a:r>
-            <a:r>
-              <a:rPr lang="de-DE" sz="2000" b="1" dirty="0">
-                <a:solidFill>
-                  <a:schemeClr val="accent2">
-                    <a:lumMod val="75000"/>
-                  </a:schemeClr>
-                </a:solidFill>
-              </a:rPr>
-              <a:t> </a:t>
-            </a:r>
-            <a:r>
-              <a:rPr lang="de-DE" sz="2000" dirty="0">
-                <a:solidFill>
-                  <a:schemeClr val="accent2">
-                    <a:lumMod val="75000"/>
-                  </a:schemeClr>
-                </a:solidFill>
-              </a:rPr>
-              <a:t>6</a:t>
-            </a:r>
-          </a:p>
-          <a:p>
-            <a:endParaRPr lang="de-DE" sz="2000" dirty="0">
-              <a:solidFill>
-                <a:schemeClr val="accent4">
-                  <a:lumMod val="60000"/>
-                  <a:lumOff val="40000"/>
-                </a:schemeClr>
-              </a:solidFill>
-            </a:endParaRPr>
-          </a:p>
-          <a:p>
             <a:endParaRPr lang="de-DE" sz="2000" dirty="0"/>
           </a:p>
           <a:p>
@@ -20749,7 +20681,7 @@
     </p:spTree>
     <p:extLst>
       <p:ext uri="{BB962C8B-B14F-4D97-AF65-F5344CB8AC3E}">
-        <p14:creationId xmlns:p14="http://schemas.microsoft.com/office/powerpoint/2010/main" val="2899968602"/>
+        <p14:creationId xmlns:p14="http://schemas.microsoft.com/office/powerpoint/2010/main" val="2453881077"/>
       </p:ext>
     </p:extLst>
   </p:cSld>
@@ -20780,6 +20712,9 @@
                     <p:cTn id="3" fill="hold">
                       <p:stCondLst>
                         <p:cond delay="indefinite"/>
+                        <p:cond evt="onBegin" delay="0">
+                          <p:tn val="2"/>
+                        </p:cond>
                       </p:stCondLst>
                       <p:childTnLst>
                         <p:par>
@@ -20789,7 +20724,7 @@
                             </p:stCondLst>
                             <p:childTnLst>
                               <p:par>
-                                <p:cTn id="5" presetID="10" presetClass="entr" presetSubtype="0" fill="hold" grpId="0" nodeType="clickEffect">
+                                <p:cTn id="5" presetID="10" presetClass="entr" presetSubtype="0" fill="hold" grpId="0" nodeType="afterEffect">
                                   <p:stCondLst>
                                     <p:cond delay="0"/>
                                   </p:stCondLst>
@@ -20926,7 +20861,7 @@
                                         <p:tgtEl>
                                           <p:spTgt spid="6">
                                             <p:txEl>
-                                              <p:pRg st="3" end="3"/>
+                                              <p:pRg st="2" end="2"/>
                                             </p:txEl>
                                           </p:spTgt>
                                         </p:tgtEl>
@@ -20944,7 +20879,7 @@
                                         <p:tgtEl>
                                           <p:spTgt spid="6">
                                             <p:txEl>
-                                              <p:pRg st="3" end="3"/>
+                                              <p:pRg st="2" end="2"/>
                                             </p:txEl>
                                           </p:spTgt>
                                         </p:tgtEl>
@@ -20987,7 +20922,7 @@
                                         <p:tgtEl>
                                           <p:spTgt spid="6">
                                             <p:txEl>
-                                              <p:pRg st="4" end="4"/>
+                                              <p:pRg st="3" end="3"/>
                                             </p:txEl>
                                           </p:spTgt>
                                         </p:tgtEl>
@@ -21005,7 +20940,7 @@
                                         <p:tgtEl>
                                           <p:spTgt spid="6">
                                             <p:txEl>
-                                              <p:pRg st="4" end="4"/>
+                                              <p:pRg st="3" end="3"/>
                                             </p:txEl>
                                           </p:spTgt>
                                         </p:tgtEl>
@@ -21048,7 +20983,7 @@
                                         <p:tgtEl>
                                           <p:spTgt spid="6">
                                             <p:txEl>
-                                              <p:pRg st="7" end="7"/>
+                                              <p:pRg st="4" end="4"/>
                                             </p:txEl>
                                           </p:spTgt>
                                         </p:tgtEl>
@@ -21066,68 +21001,7 @@
                                         <p:tgtEl>
                                           <p:spTgt spid="6">
                                             <p:txEl>
-                                              <p:pRg st="7" end="7"/>
-                                            </p:txEl>
-                                          </p:spTgt>
-                                        </p:tgtEl>
-                                      </p:cBhvr>
-                                    </p:animEffect>
-                                  </p:childTnLst>
-                                </p:cTn>
-                              </p:par>
-                            </p:childTnLst>
-                          </p:cTn>
-                        </p:par>
-                      </p:childTnLst>
-                    </p:cTn>
-                  </p:par>
-                  <p:par>
-                    <p:cTn id="28" fill="hold">
-                      <p:stCondLst>
-                        <p:cond delay="indefinite"/>
-                      </p:stCondLst>
-                      <p:childTnLst>
-                        <p:par>
-                          <p:cTn id="29" fill="hold">
-                            <p:stCondLst>
-                              <p:cond delay="0"/>
-                            </p:stCondLst>
-                            <p:childTnLst>
-                              <p:par>
-                                <p:cTn id="30" presetID="10" presetClass="entr" presetSubtype="0" fill="hold" grpId="0" nodeType="clickEffect">
-                                  <p:stCondLst>
-                                    <p:cond delay="0"/>
-                                  </p:stCondLst>
-                                  <p:childTnLst>
-                                    <p:set>
-                                      <p:cBhvr>
-                                        <p:cTn id="31" dur="1" fill="hold">
-                                          <p:stCondLst>
-                                            <p:cond delay="0"/>
-                                          </p:stCondLst>
-                                        </p:cTn>
-                                        <p:tgtEl>
-                                          <p:spTgt spid="6">
-                                            <p:txEl>
-                                              <p:pRg st="8" end="8"/>
-                                            </p:txEl>
-                                          </p:spTgt>
-                                        </p:tgtEl>
-                                        <p:attrNameLst>
-                                          <p:attrName>style.visibility</p:attrName>
-                                        </p:attrNameLst>
-                                      </p:cBhvr>
-                                      <p:to>
-                                        <p:strVal val="visible"/>
-                                      </p:to>
-                                    </p:set>
-                                    <p:animEffect transition="in" filter="fade">
-                                      <p:cBhvr>
-                                        <p:cTn id="32" dur="500"/>
-                                        <p:tgtEl>
-                                          <p:spTgt spid="6">
-                                            <p:txEl>
-                                              <p:pRg st="8" end="8"/>
+                                              <p:pRg st="4" end="4"/>
                                             </p:txEl>
                                           </p:spTgt>
                                         </p:tgtEl>
@@ -21164,7 +21038,7 @@
       </p:par>
     </p:tnLst>
     <p:bldLst>
-      <p:bldP spid="6" grpId="0" build="p"/>
+      <p:bldP spid="6" grpId="0" uiExpand="1" build="p"/>
     </p:bldLst>
   </p:timing>
 </p:sld>
@@ -21218,7 +21092,7 @@
                   <a:schemeClr val="accent1"/>
                 </a:solidFill>
               </a:rPr>
-              <a:t>OUT - INPUT</a:t>
+              <a:t>BEDINGUNGEN</a:t>
             </a:r>
             <a:endParaRPr lang="de-DE" dirty="0"/>
           </a:p>
@@ -21250,6 +21124,117 @@
           <a:bodyPr/>
           <a:lstStyle/>
           <a:p>
+            <a:pPr marL="139700" indent="0">
+              <a:buNone/>
+            </a:pPr>
+            <a:r>
+              <a:rPr lang="de-DE" sz="2000" dirty="0">
+                <a:solidFill>
+                  <a:schemeClr val="accent1"/>
+                </a:solidFill>
+              </a:rPr>
+              <a:t>x </a:t>
+            </a:r>
+            <a:r>
+              <a:rPr lang="de-DE" sz="2000" dirty="0"/>
+              <a:t>=</a:t>
+            </a:r>
+            <a:r>
+              <a:rPr lang="de-DE" sz="2000" dirty="0">
+                <a:solidFill>
+                  <a:schemeClr val="accent1"/>
+                </a:solidFill>
+              </a:rPr>
+              <a:t> </a:t>
+            </a:r>
+            <a:r>
+              <a:rPr lang="de-DE" sz="2000" dirty="0"/>
+              <a:t>7</a:t>
+            </a:r>
+            <a:r>
+              <a:rPr lang="de-DE" sz="2000" dirty="0">
+                <a:solidFill>
+                  <a:schemeClr val="accent1"/>
+                </a:solidFill>
+              </a:rPr>
+              <a:t> </a:t>
+            </a:r>
+            <a:r>
+              <a:rPr lang="de-DE" sz="2000" dirty="0"/>
+              <a:t>+</a:t>
+            </a:r>
+            <a:r>
+              <a:rPr lang="de-DE" sz="2000" dirty="0">
+                <a:solidFill>
+                  <a:schemeClr val="accent1"/>
+                </a:solidFill>
+              </a:rPr>
+              <a:t> </a:t>
+            </a:r>
+            <a:r>
+              <a:rPr lang="de-DE" sz="2000" dirty="0"/>
+              <a:t>5</a:t>
+            </a:r>
+          </a:p>
+          <a:p>
+            <a:pPr marL="139700" indent="0">
+              <a:buNone/>
+            </a:pPr>
+            <a:r>
+              <a:rPr lang="de-DE" sz="2000" dirty="0" err="1">
+                <a:solidFill>
+                  <a:schemeClr val="accent1"/>
+                </a:solidFill>
+              </a:rPr>
+              <a:t>if</a:t>
+            </a:r>
+            <a:r>
+              <a:rPr lang="de-DE" sz="2000" dirty="0">
+                <a:solidFill>
+                  <a:schemeClr val="accent1"/>
+                </a:solidFill>
+              </a:rPr>
+              <a:t> (x</a:t>
+            </a:r>
+            <a:r>
+              <a:rPr lang="de-DE" sz="2000" dirty="0"/>
+              <a:t> </a:t>
+            </a:r>
+            <a:r>
+              <a:rPr lang="de-DE" sz="2000" dirty="0">
+                <a:solidFill>
+                  <a:schemeClr val="accent5">
+                    <a:lumMod val="75000"/>
+                  </a:schemeClr>
+                </a:solidFill>
+              </a:rPr>
+              <a:t>==</a:t>
+            </a:r>
+            <a:r>
+              <a:rPr lang="de-DE" sz="2000" dirty="0"/>
+              <a:t> 12</a:t>
+            </a:r>
+            <a:r>
+              <a:rPr lang="de-DE" sz="2000" dirty="0">
+                <a:solidFill>
+                  <a:schemeClr val="accent1"/>
+                </a:solidFill>
+              </a:rPr>
+              <a:t>):</a:t>
+            </a:r>
+          </a:p>
+          <a:p>
+            <a:pPr marL="139700" indent="0">
+              <a:buNone/>
+            </a:pPr>
+            <a:r>
+              <a:rPr lang="de-DE" sz="2000" dirty="0">
+                <a:solidFill>
+                  <a:schemeClr val="accent1"/>
+                </a:solidFill>
+              </a:rPr>
+              <a:t>	</a:t>
+            </a:r>
             <a:r>
               <a:rPr lang="de-DE" sz="2000" dirty="0" err="1">
                 <a:solidFill>
@@ -21263,35 +21248,136 @@
             </a:r>
             <a:r>
               <a:rPr lang="de-DE" sz="2000" dirty="0"/>
-              <a:t>(“</a:t>
+              <a:t>("x ist 12")</a:t>
+            </a:r>
+          </a:p>
+          <a:p>
+            <a:pPr marL="139700" indent="0">
+              <a:buNone/>
+            </a:pPr>
+            <a:r>
+              <a:rPr lang="de-DE" sz="2000" dirty="0" err="1">
+                <a:solidFill>
+                  <a:schemeClr val="accent1"/>
+                </a:solidFill>
+              </a:rPr>
+              <a:t>elif</a:t>
             </a:r>
             <a:r>
               <a:rPr lang="de-DE" sz="2000" dirty="0">
                 <a:solidFill>
-                  <a:schemeClr val="accent1">
-                    <a:lumMod val="60000"/>
-                    <a:lumOff val="40000"/>
-                  </a:schemeClr>
+                  <a:schemeClr val="accent1"/>
                 </a:solidFill>
               </a:rPr>
-              <a:t>Hello World!</a:t>
-            </a:r>
-            <a:r>
-              <a:rPr lang="de-DE" sz="2000" dirty="0"/>
-              <a:t>“) </a:t>
+              <a:t> (x </a:t>
             </a:r>
             <a:r>
               <a:rPr lang="de-DE" sz="2000" dirty="0">
                 <a:solidFill>
-                  <a:schemeClr val="accent2">
+                  <a:schemeClr val="accent5">
                     <a:lumMod val="75000"/>
                   </a:schemeClr>
                 </a:solidFill>
               </a:rPr>
-              <a:t>#Textausgabe</a:t>
+              <a:t>==</a:t>
+            </a:r>
+            <a:r>
+              <a:rPr lang="de-DE" sz="2000" dirty="0">
+                <a:solidFill>
+                  <a:schemeClr val="accent1"/>
+                </a:solidFill>
+              </a:rPr>
+              <a:t> </a:t>
+            </a:r>
+            <a:r>
+              <a:rPr lang="de-DE" sz="2000" dirty="0"/>
+              <a:t>13</a:t>
+            </a:r>
+            <a:r>
+              <a:rPr lang="de-DE" sz="2000" dirty="0">
+                <a:solidFill>
+                  <a:schemeClr val="accent1"/>
+                </a:solidFill>
+              </a:rPr>
+              <a:t>):</a:t>
             </a:r>
           </a:p>
           <a:p>
+            <a:pPr marL="139700" indent="0">
+              <a:buNone/>
+            </a:pPr>
+            <a:r>
+              <a:rPr lang="de-DE" sz="2000" dirty="0">
+                <a:solidFill>
+                  <a:schemeClr val="accent1"/>
+                </a:solidFill>
+              </a:rPr>
+              <a:t>	</a:t>
+            </a:r>
+            <a:r>
+              <a:rPr lang="de-DE" sz="2000" dirty="0" err="1">
+                <a:solidFill>
+                  <a:schemeClr val="accent6">
+                    <a:lumMod val="40000"/>
+                    <a:lumOff val="60000"/>
+                  </a:schemeClr>
+                </a:solidFill>
+              </a:rPr>
+              <a:t>print</a:t>
+            </a:r>
+            <a:r>
+              <a:rPr lang="de-DE" sz="2000" dirty="0"/>
+              <a:t>("x ist 13")</a:t>
+            </a:r>
+          </a:p>
+          <a:p>
+            <a:pPr marL="139700" indent="0">
+              <a:buNone/>
+            </a:pPr>
+            <a:r>
+              <a:rPr lang="de-DE" sz="2000" dirty="0" err="1">
+                <a:solidFill>
+                  <a:schemeClr val="accent1"/>
+                </a:solidFill>
+              </a:rPr>
+              <a:t>else</a:t>
+            </a:r>
+            <a:r>
+              <a:rPr lang="de-DE" sz="2000" dirty="0">
+                <a:solidFill>
+                  <a:schemeClr val="accent1"/>
+                </a:solidFill>
+              </a:rPr>
+              <a:t>:</a:t>
+            </a:r>
+          </a:p>
+          <a:p>
+            <a:pPr marL="139700" indent="0">
+              <a:buNone/>
+            </a:pPr>
+            <a:r>
+              <a:rPr lang="de-DE" sz="2000" dirty="0">
+                <a:solidFill>
+                  <a:schemeClr val="accent1"/>
+                </a:solidFill>
+              </a:rPr>
+              <a:t>	</a:t>
+            </a:r>
+            <a:r>
+              <a:rPr lang="de-DE" sz="2000" dirty="0" err="1">
+                <a:solidFill>
+                  <a:schemeClr val="accent6">
+                    <a:lumMod val="40000"/>
+                    <a:lumOff val="60000"/>
+                  </a:schemeClr>
+                </a:solidFill>
+              </a:rPr>
+              <a:t>print</a:t>
+            </a:r>
+            <a:r>
+              <a:rPr lang="de-DE" sz="2000" dirty="0"/>
+              <a:t>("x ist nicht 12")</a:t>
+            </a:r>
             <a:endParaRPr lang="de-DE" sz="2000" dirty="0">
               <a:solidFill>
                 <a:schemeClr val="accent2">
@@ -21301,131 +21387,10 @@
             </a:endParaRPr>
           </a:p>
           <a:p>
-            <a:r>
-              <a:rPr lang="de-DE" sz="2000" dirty="0">
-                <a:solidFill>
-                  <a:schemeClr val="tx1"/>
-                </a:solidFill>
-              </a:rPr>
-              <a:t>a</a:t>
-            </a:r>
-            <a:r>
-              <a:rPr lang="de-DE" sz="2000" dirty="0"/>
-              <a:t> = </a:t>
-            </a:r>
-            <a:r>
-              <a:rPr lang="de-DE" sz="2000" dirty="0" err="1">
-                <a:solidFill>
-                  <a:schemeClr val="accent6">
-                    <a:lumMod val="40000"/>
-                    <a:lumOff val="60000"/>
-                  </a:schemeClr>
-                </a:solidFill>
-              </a:rPr>
-              <a:t>input</a:t>
-            </a:r>
-            <a:r>
-              <a:rPr lang="de-DE" sz="2000" dirty="0"/>
-              <a:t>(“</a:t>
-            </a:r>
-            <a:r>
-              <a:rPr lang="de-DE" sz="2000" dirty="0">
-                <a:solidFill>
-                  <a:schemeClr val="accent1">
-                    <a:lumMod val="40000"/>
-                    <a:lumOff val="60000"/>
-                  </a:schemeClr>
-                </a:solidFill>
-              </a:rPr>
-              <a:t>Say </a:t>
-            </a:r>
-            <a:r>
-              <a:rPr lang="de-DE" sz="2000" dirty="0" err="1">
-                <a:solidFill>
-                  <a:schemeClr val="accent1">
-                    <a:lumMod val="40000"/>
-                    <a:lumOff val="60000"/>
-                  </a:schemeClr>
-                </a:solidFill>
-              </a:rPr>
-              <a:t>something</a:t>
-            </a:r>
-            <a:r>
-              <a:rPr lang="de-DE" sz="2000" dirty="0">
-                <a:solidFill>
-                  <a:schemeClr val="accent1">
-                    <a:lumMod val="40000"/>
-                    <a:lumOff val="60000"/>
-                  </a:schemeClr>
-                </a:solidFill>
-              </a:rPr>
-              <a:t>:</a:t>
-            </a:r>
-            <a:r>
-              <a:rPr lang="de-DE" sz="2000" dirty="0"/>
-              <a:t>“) </a:t>
-            </a:r>
-            <a:r>
-              <a:rPr lang="de-DE" sz="2000" dirty="0">
-                <a:solidFill>
-                  <a:schemeClr val="accent2">
-                    <a:lumMod val="75000"/>
-                  </a:schemeClr>
-                </a:solidFill>
-              </a:rPr>
-              <a:t>#Texteingabe</a:t>
-            </a:r>
-          </a:p>
-          <a:p>
-            <a:endParaRPr lang="de-DE" sz="2000" dirty="0">
-              <a:solidFill>
-                <a:schemeClr val="accent2">
-                  <a:lumMod val="75000"/>
-                </a:schemeClr>
-              </a:solidFill>
-            </a:endParaRPr>
-          </a:p>
-          <a:p>
-            <a:r>
-              <a:rPr lang="de-DE" sz="2000" dirty="0" err="1">
-                <a:solidFill>
-                  <a:schemeClr val="accent6">
-                    <a:lumMod val="40000"/>
-                    <a:lumOff val="60000"/>
-                  </a:schemeClr>
-                </a:solidFill>
-              </a:rPr>
-              <a:t>print</a:t>
-            </a:r>
-            <a:r>
-              <a:rPr lang="de-DE" sz="2000" dirty="0"/>
-              <a:t>(“</a:t>
-            </a:r>
-            <a:r>
-              <a:rPr lang="de-DE" sz="2000" dirty="0">
-                <a:solidFill>
-                  <a:schemeClr val="accent1">
-                    <a:lumMod val="60000"/>
-                    <a:lumOff val="40000"/>
-                  </a:schemeClr>
-                </a:solidFill>
-              </a:rPr>
-              <a:t>Echo: </a:t>
-            </a:r>
-            <a:r>
-              <a:rPr lang="de-DE" sz="2000" dirty="0"/>
-              <a:t>“+ a) </a:t>
-            </a:r>
-            <a:r>
-              <a:rPr lang="de-DE" sz="2000" dirty="0">
-                <a:solidFill>
-                  <a:schemeClr val="accent2">
-                    <a:lumMod val="75000"/>
-                  </a:schemeClr>
-                </a:solidFill>
-              </a:rPr>
-              <a:t>#Textausgabe</a:t>
-            </a:r>
+            <a:pPr marL="139700" indent="0">
+              <a:buNone/>
+            </a:pPr>
+            <a:endParaRPr lang="de-DE" sz="2000" dirty="0"/>
           </a:p>
           <a:p>
             <a:endParaRPr lang="de-DE" sz="2000" dirty="0"/>
@@ -21438,7 +21403,7 @@
     </p:spTree>
     <p:extLst>
       <p:ext uri="{BB962C8B-B14F-4D97-AF65-F5344CB8AC3E}">
-        <p14:creationId xmlns:p14="http://schemas.microsoft.com/office/powerpoint/2010/main" val="4198760203"/>
+        <p14:creationId xmlns:p14="http://schemas.microsoft.com/office/powerpoint/2010/main" val="2342962614"/>
       </p:ext>
     </p:extLst>
   </p:cSld>
@@ -21469,6 +21434,9 @@
                     <p:cTn id="3" fill="hold">
                       <p:stCondLst>
                         <p:cond delay="indefinite"/>
+                        <p:cond evt="onBegin" delay="0">
+                          <p:tn val="2"/>
+                        </p:cond>
                       </p:stCondLst>
                       <p:childTnLst>
                         <p:par>
@@ -21478,7 +21446,7 @@
                             </p:stCondLst>
                             <p:childTnLst>
                               <p:par>
-                                <p:cTn id="5" presetID="1" presetClass="entr" presetSubtype="0" fill="hold" grpId="0" nodeType="clickEffect">
+                                <p:cTn id="5" presetID="10" presetClass="entr" presetSubtype="0" fill="hold" grpId="0" nodeType="afterEffect">
                                   <p:stCondLst>
                                     <p:cond delay="0"/>
                                   </p:stCondLst>
@@ -21505,6 +21473,18 @@
                                         <p:strVal val="visible"/>
                                       </p:to>
                                     </p:set>
+                                    <p:animEffect transition="in" filter="fade">
+                                      <p:cBhvr>
+                                        <p:cTn id="7" dur="500"/>
+                                        <p:tgtEl>
+                                          <p:spTgt spid="6">
+                                            <p:txEl>
+                                              <p:pRg st="0" end="0"/>
+                                            </p:txEl>
+                                          </p:spTgt>
+                                        </p:tgtEl>
+                                      </p:cBhvr>
+                                    </p:animEffect>
                                   </p:childTnLst>
                                 </p:cTn>
                               </p:par>
@@ -21515,26 +21495,87 @@
                     </p:cTn>
                   </p:par>
                   <p:par>
-                    <p:cTn id="7" fill="hold">
+                    <p:cTn id="8" fill="hold">
                       <p:stCondLst>
                         <p:cond delay="indefinite"/>
                       </p:stCondLst>
                       <p:childTnLst>
                         <p:par>
-                          <p:cTn id="8" fill="hold">
+                          <p:cTn id="9" fill="hold">
                             <p:stCondLst>
                               <p:cond delay="0"/>
                             </p:stCondLst>
                             <p:childTnLst>
                               <p:par>
-                                <p:cTn id="9" presetID="1" presetClass="entr" presetSubtype="0" fill="hold" grpId="0" nodeType="clickEffect">
+                                <p:cTn id="10" presetID="10" presetClass="entr" presetSubtype="0" fill="hold" grpId="0" nodeType="clickEffect">
                                   <p:stCondLst>
                                     <p:cond delay="0"/>
                                   </p:stCondLst>
                                   <p:childTnLst>
                                     <p:set>
                                       <p:cBhvr>
-                                        <p:cTn id="10" dur="1" fill="hold">
+                                        <p:cTn id="11" dur="1" fill="hold">
+                                          <p:stCondLst>
+                                            <p:cond delay="0"/>
+                                          </p:stCondLst>
+                                        </p:cTn>
+                                        <p:tgtEl>
+                                          <p:spTgt spid="6">
+                                            <p:txEl>
+                                              <p:pRg st="1" end="1"/>
+                                            </p:txEl>
+                                          </p:spTgt>
+                                        </p:tgtEl>
+                                        <p:attrNameLst>
+                                          <p:attrName>style.visibility</p:attrName>
+                                        </p:attrNameLst>
+                                      </p:cBhvr>
+                                      <p:to>
+                                        <p:strVal val="visible"/>
+                                      </p:to>
+                                    </p:set>
+                                    <p:animEffect transition="in" filter="fade">
+                                      <p:cBhvr>
+                                        <p:cTn id="12" dur="500"/>
+                                        <p:tgtEl>
+                                          <p:spTgt spid="6">
+                                            <p:txEl>
+                                              <p:pRg st="1" end="1"/>
+                                            </p:txEl>
+                                          </p:spTgt>
+                                        </p:tgtEl>
+                                      </p:cBhvr>
+                                    </p:animEffect>
+                                  </p:childTnLst>
+                                </p:cTn>
+                              </p:par>
+                            </p:childTnLst>
+                          </p:cTn>
+                        </p:par>
+                      </p:childTnLst>
+                    </p:cTn>
+                  </p:par>
+                  <p:par>
+                    <p:cTn id="13" fill="hold">
+                      <p:stCondLst>
+                        <p:cond delay="indefinite"/>
+                      </p:stCondLst>
+                      <p:childTnLst>
+                        <p:par>
+                          <p:cTn id="14" fill="hold">
+                            <p:stCondLst>
+                              <p:cond delay="0"/>
+                            </p:stCondLst>
+                            <p:childTnLst>
+                              <p:par>
+                                <p:cTn id="15" presetID="10" presetClass="entr" presetSubtype="0" fill="hold" grpId="0" nodeType="clickEffect">
+                                  <p:stCondLst>
+                                    <p:cond delay="0"/>
+                                  </p:stCondLst>
+                                  <p:childTnLst>
+                                    <p:set>
+                                      <p:cBhvr>
+                                        <p:cTn id="16" dur="1" fill="hold">
                                           <p:stCondLst>
                                             <p:cond delay="0"/>
                                           </p:stCondLst>
@@ -21554,6 +21595,18 @@
                                         <p:strVal val="visible"/>
                                       </p:to>
                                     </p:set>
+                                    <p:animEffect transition="in" filter="fade">
+                                      <p:cBhvr>
+                                        <p:cTn id="17" dur="500"/>
+                                        <p:tgtEl>
+                                          <p:spTgt spid="6">
+                                            <p:txEl>
+                                              <p:pRg st="2" end="2"/>
+                                            </p:txEl>
+                                          </p:spTgt>
+                                        </p:tgtEl>
+                                      </p:cBhvr>
+                                    </p:animEffect>
                                   </p:childTnLst>
                                 </p:cTn>
                               </p:par>
@@ -21564,26 +21617,87 @@
                     </p:cTn>
                   </p:par>
                   <p:par>
-                    <p:cTn id="11" fill="hold">
+                    <p:cTn id="18" fill="hold">
                       <p:stCondLst>
                         <p:cond delay="indefinite"/>
                       </p:stCondLst>
                       <p:childTnLst>
                         <p:par>
-                          <p:cTn id="12" fill="hold">
+                          <p:cTn id="19" fill="hold">
                             <p:stCondLst>
                               <p:cond delay="0"/>
                             </p:stCondLst>
                             <p:childTnLst>
                               <p:par>
-                                <p:cTn id="13" presetID="1" presetClass="entr" presetSubtype="0" fill="hold" grpId="0" nodeType="clickEffect">
+                                <p:cTn id="20" presetID="10" presetClass="entr" presetSubtype="0" fill="hold" grpId="0" nodeType="clickEffect">
                                   <p:stCondLst>
                                     <p:cond delay="0"/>
                                   </p:stCondLst>
                                   <p:childTnLst>
                                     <p:set>
                                       <p:cBhvr>
-                                        <p:cTn id="14" dur="1" fill="hold">
+                                        <p:cTn id="21" dur="1" fill="hold">
+                                          <p:stCondLst>
+                                            <p:cond delay="0"/>
+                                          </p:stCondLst>
+                                        </p:cTn>
+                                        <p:tgtEl>
+                                          <p:spTgt spid="6">
+                                            <p:txEl>
+                                              <p:pRg st="3" end="3"/>
+                                            </p:txEl>
+                                          </p:spTgt>
+                                        </p:tgtEl>
+                                        <p:attrNameLst>
+                                          <p:attrName>style.visibility</p:attrName>
+                                        </p:attrNameLst>
+                                      </p:cBhvr>
+                                      <p:to>
+                                        <p:strVal val="visible"/>
+                                      </p:to>
+                                    </p:set>
+                                    <p:animEffect transition="in" filter="fade">
+                                      <p:cBhvr>
+                                        <p:cTn id="22" dur="500"/>
+                                        <p:tgtEl>
+                                          <p:spTgt spid="6">
+                                            <p:txEl>
+                                              <p:pRg st="3" end="3"/>
+                                            </p:txEl>
+                                          </p:spTgt>
+                                        </p:tgtEl>
+                                      </p:cBhvr>
+                                    </p:animEffect>
+                                  </p:childTnLst>
+                                </p:cTn>
+                              </p:par>
+                            </p:childTnLst>
+                          </p:cTn>
+                        </p:par>
+                      </p:childTnLst>
+                    </p:cTn>
+                  </p:par>
+                  <p:par>
+                    <p:cTn id="23" fill="hold">
+                      <p:stCondLst>
+                        <p:cond delay="indefinite"/>
+                      </p:stCondLst>
+                      <p:childTnLst>
+                        <p:par>
+                          <p:cTn id="24" fill="hold">
+                            <p:stCondLst>
+                              <p:cond delay="0"/>
+                            </p:stCondLst>
+                            <p:childTnLst>
+                              <p:par>
+                                <p:cTn id="25" presetID="10" presetClass="entr" presetSubtype="0" fill="hold" grpId="0" nodeType="clickEffect">
+                                  <p:stCondLst>
+                                    <p:cond delay="0"/>
+                                  </p:stCondLst>
+                                  <p:childTnLst>
+                                    <p:set>
+                                      <p:cBhvr>
+                                        <p:cTn id="26" dur="1" fill="hold">
                                           <p:stCondLst>
                                             <p:cond delay="0"/>
                                           </p:stCondLst>
@@ -21603,6 +21717,140 @@
                                         <p:strVal val="visible"/>
                                       </p:to>
                                     </p:set>
+                                    <p:animEffect transition="in" filter="fade">
+                                      <p:cBhvr>
+                                        <p:cTn id="27" dur="500"/>
+                                        <p:tgtEl>
+                                          <p:spTgt spid="6">
+                                            <p:txEl>
+                                              <p:pRg st="4" end="4"/>
+                                            </p:txEl>
+                                          </p:spTgt>
+                                        </p:tgtEl>
+                                      </p:cBhvr>
+                                    </p:animEffect>
+                                  </p:childTnLst>
+                                </p:cTn>
+                              </p:par>
+                            </p:childTnLst>
+                          </p:cTn>
+                        </p:par>
+                      </p:childTnLst>
+                    </p:cTn>
+                  </p:par>
+                  <p:par>
+                    <p:cTn id="28" fill="hold">
+                      <p:stCondLst>
+                        <p:cond delay="indefinite"/>
+                      </p:stCondLst>
+                      <p:childTnLst>
+                        <p:par>
+                          <p:cTn id="29" fill="hold">
+                            <p:stCondLst>
+                              <p:cond delay="0"/>
+                            </p:stCondLst>
+                            <p:childTnLst>
+                              <p:par>
+                                <p:cTn id="30" presetID="10" presetClass="entr" presetSubtype="0" fill="hold" grpId="0" nodeType="clickEffect">
+                                  <p:stCondLst>
+                                    <p:cond delay="0"/>
+                                  </p:stCondLst>
+                                  <p:childTnLst>
+                                    <p:set>
+                                      <p:cBhvr>
+                                        <p:cTn id="31" dur="1" fill="hold">
+                                          <p:stCondLst>
+                                            <p:cond delay="0"/>
+                                          </p:stCondLst>
+                                        </p:cTn>
+                                        <p:tgtEl>
+                                          <p:spTgt spid="6">
+                                            <p:txEl>
+                                              <p:pRg st="5" end="5"/>
+                                            </p:txEl>
+                                          </p:spTgt>
+                                        </p:tgtEl>
+                                        <p:attrNameLst>
+                                          <p:attrName>style.visibility</p:attrName>
+                                        </p:attrNameLst>
+                                      </p:cBhvr>
+                                      <p:to>
+                                        <p:strVal val="visible"/>
+                                      </p:to>
+                                    </p:set>
+                                    <p:animEffect transition="in" filter="fade">
+                                      <p:cBhvr>
+                                        <p:cTn id="32" dur="500"/>
+                                        <p:tgtEl>
+                                          <p:spTgt spid="6">
+                                            <p:txEl>
+                                              <p:pRg st="5" end="5"/>
+                                            </p:txEl>
+                                          </p:spTgt>
+                                        </p:tgtEl>
+                                      </p:cBhvr>
+                                    </p:animEffect>
+                                  </p:childTnLst>
+                                </p:cTn>
+                              </p:par>
+                            </p:childTnLst>
+                          </p:cTn>
+                        </p:par>
+                      </p:childTnLst>
+                    </p:cTn>
+                  </p:par>
+                  <p:par>
+                    <p:cTn id="33" fill="hold">
+                      <p:stCondLst>
+                        <p:cond delay="indefinite"/>
+                      </p:stCondLst>
+                      <p:childTnLst>
+                        <p:par>
+                          <p:cTn id="34" fill="hold">
+                            <p:stCondLst>
+                              <p:cond delay="0"/>
+                            </p:stCondLst>
+                            <p:childTnLst>
+                              <p:par>
+                                <p:cTn id="35" presetID="10" presetClass="entr" presetSubtype="0" fill="hold" grpId="0" nodeType="clickEffect">
+                                  <p:stCondLst>
+                                    <p:cond delay="0"/>
+                                  </p:stCondLst>
+                                  <p:childTnLst>
+                                    <p:set>
+                                      <p:cBhvr>
+                                        <p:cTn id="36" dur="1" fill="hold">
+                                          <p:stCondLst>
+                                            <p:cond delay="0"/>
+                                          </p:stCondLst>
+                                        </p:cTn>
+                                        <p:tgtEl>
+                                          <p:spTgt spid="6">
+                                            <p:txEl>
+                                              <p:pRg st="6" end="6"/>
+                                            </p:txEl>
+                                          </p:spTgt>
+                                        </p:tgtEl>
+                                        <p:attrNameLst>
+                                          <p:attrName>style.visibility</p:attrName>
+                                        </p:attrNameLst>
+                                      </p:cBhvr>
+                                      <p:to>
+                                        <p:strVal val="visible"/>
+                                      </p:to>
+                                    </p:set>
+                                    <p:animEffect transition="in" filter="fade">
+                                      <p:cBhvr>
+                                        <p:cTn id="37" dur="500"/>
+                                        <p:tgtEl>
+                                          <p:spTgt spid="6">
+                                            <p:txEl>
+                                              <p:pRg st="6" end="6"/>
+                                            </p:txEl>
+                                          </p:spTgt>
+                                        </p:tgtEl>
+                                      </p:cBhvr>
+                                    </p:animEffect>
                                   </p:childTnLst>
                                 </p:cTn>
                               </p:par>
@@ -21634,7 +21882,7 @@
       </p:par>
     </p:tnLst>
     <p:bldLst>
-      <p:bldP spid="6" grpId="0" build="p"/>
+      <p:bldP spid="6" grpId="0" uiExpand="1" build="p"/>
     </p:bldLst>
   </p:timing>
 </p:sld>
@@ -21645,7 +21893,7 @@
   <p:cSld>
     <p:spTree>
       <p:nvGrpSpPr>
-        <p:cNvPr id="1" name="Shape 409"/>
+        <p:cNvPr id="1" name="Shape 439"/>
         <p:cNvGrpSpPr/>
         <p:nvPr/>
       </p:nvGrpSpPr>
@@ -21659,7 +21907,7 @@
       </p:grpSpPr>
       <p:sp>
         <p:nvSpPr>
-          <p:cNvPr id="411" name="Google Shape;411;p25"/>
+          <p:cNvPr id="440" name="Google Shape;440;p29"/>
           <p:cNvSpPr txBox="1">
             <a:spLocks noGrp="1"/>
           </p:cNvSpPr>
@@ -21669,8 +21917,8 @@
         </p:nvSpPr>
         <p:spPr>
           <a:xfrm>
-            <a:off x="2034300" y="1854000"/>
-            <a:ext cx="7345500" cy="1575000"/>
+            <a:off x="684150" y="358863"/>
+            <a:ext cx="9755100" cy="763500"/>
           </a:xfrm>
           <a:prstGeom prst="rect">
             <a:avLst/>
@@ -21692,83 +21940,1603 @@
               <a:buNone/>
             </a:pPr>
             <a:r>
-              <a:rPr lang="en" sz="5800" dirty="0"/>
-              <a:t>INSTALLATION</a:t>
-            </a:r>
-            <a:endParaRPr sz="5800" dirty="0"/>
+              <a:rPr lang="en" sz="6000" dirty="0">
+                <a:solidFill>
+                  <a:schemeClr val="accent1"/>
+                </a:solidFill>
+                <a:sym typeface="Roboto Mono"/>
+              </a:rPr>
+              <a:t>SCHLEIFEN</a:t>
+            </a:r>
+            <a:endParaRPr sz="6000" dirty="0">
+              <a:solidFill>
+                <a:schemeClr val="accent1"/>
+              </a:solidFill>
+              <a:sym typeface="Roboto Mono"/>
+            </a:endParaRPr>
           </a:p>
         </p:txBody>
       </p:sp>
       <p:sp>
         <p:nvSpPr>
-          <p:cNvPr id="3" name="Text Placeholder 2">
-            <a:extLst>
-              <a:ext uri="{FF2B5EF4-FFF2-40B4-BE49-F238E27FC236}">
-                <a16:creationId xmlns:a16="http://schemas.microsoft.com/office/drawing/2014/main" id="{5ADB15C6-6E2F-2D4B-6FB1-712544EDCA31}"/>
-              </a:ext>
-            </a:extLst>
-          </p:cNvPr>
-          <p:cNvSpPr>
+          <p:cNvPr id="441" name="Google Shape;441;p29"/>
+          <p:cNvSpPr txBox="1">
             <a:spLocks noGrp="1"/>
           </p:cNvSpPr>
           <p:nvPr>
-            <p:ph type="body" idx="1"/>
+            <p:ph type="subTitle" idx="1"/>
           </p:nvPr>
         </p:nvSpPr>
-        <p:spPr/>
+        <p:spPr>
+          <a:xfrm>
+            <a:off x="1217558" y="1800269"/>
+            <a:ext cx="9755100" cy="606900"/>
+          </a:xfrm>
+          <a:prstGeom prst="rect">
+            <a:avLst/>
+          </a:prstGeom>
+        </p:spPr>
         <p:txBody>
-          <a:bodyPr/>
+          <a:bodyPr spcFirstLastPara="1" wrap="square" lIns="121900" tIns="121900" rIns="121900" bIns="121900" anchor="t" anchorCtr="0">
+            <a:noAutofit/>
+          </a:bodyPr>
           <a:lstStyle/>
           <a:p>
-            <a:r>
-              <a:rPr lang="de-DE" dirty="0"/>
-              <a:t>Siehe </a:t>
-            </a:r>
-            <a:r>
-              <a:rPr lang="de-DE" dirty="0">
-                <a:solidFill>
-                  <a:srgbClr val="AF81A6"/>
+            <a:pPr marL="0" lvl="0" indent="0" algn="l" rtl="0">
+              <a:spcBef>
+                <a:spcPts val="0"/>
+              </a:spcBef>
+              <a:spcAft>
+                <a:spcPts val="2100"/>
+              </a:spcAft>
+              <a:buNone/>
+            </a:pPr>
+            <a:r>
+              <a:rPr lang="de-DE" sz="2000" b="1" dirty="0">
+                <a:solidFill>
+                  <a:schemeClr val="tx1"/>
                 </a:solidFill>
               </a:rPr>
-              <a:t>https://</a:t>
-            </a:r>
-            <a:r>
-              <a:rPr lang="de-DE" dirty="0" err="1">
-                <a:solidFill>
-                  <a:srgbClr val="AF81A6"/>
+              <a:t>w</a:t>
+            </a:r>
+            <a:r>
+              <a:rPr lang="en" sz="2000" b="1" dirty="0">
+                <a:solidFill>
+                  <a:schemeClr val="tx1"/>
                 </a:solidFill>
               </a:rPr>
-              <a:t>stura.link</a:t>
-            </a:r>
-            <a:r>
-              <a:rPr lang="de-DE" dirty="0">
-                <a:solidFill>
-                  <a:srgbClr val="AF81A6"/>
-                </a:solidFill>
-              </a:rPr>
-              <a:t>/</a:t>
-            </a:r>
-            <a:r>
-              <a:rPr lang="de-DE" dirty="0" err="1">
-                <a:solidFill>
-                  <a:srgbClr val="AF81A6"/>
-                </a:solidFill>
-              </a:rPr>
-              <a:t>pyInstall</a:t>
-            </a:r>
-            <a:endParaRPr lang="de-DE" dirty="0">
+              <a:t>hile … :</a:t>
+            </a:r>
+            <a:endParaRPr sz="2000" b="1" dirty="0">
               <a:solidFill>
-                <a:srgbClr val="AF81A6"/>
+                <a:schemeClr val="tx1"/>
               </a:solidFill>
             </a:endParaRPr>
           </a:p>
         </p:txBody>
       </p:sp>
+      <p:sp>
+        <p:nvSpPr>
+          <p:cNvPr id="446" name="Google Shape;446;p29"/>
+          <p:cNvSpPr txBox="1">
+            <a:spLocks noGrp="1"/>
+          </p:cNvSpPr>
+          <p:nvPr>
+            <p:ph type="body" idx="4"/>
+          </p:nvPr>
+        </p:nvSpPr>
+        <p:spPr>
+          <a:xfrm>
+            <a:off x="1547371" y="2340134"/>
+            <a:ext cx="9755100" cy="1643048"/>
+          </a:xfrm>
+          <a:prstGeom prst="rect">
+            <a:avLst/>
+          </a:prstGeom>
+        </p:spPr>
+        <p:txBody>
+          <a:bodyPr spcFirstLastPara="1" wrap="square" lIns="121900" tIns="121900" rIns="121900" bIns="121900" anchor="t" anchorCtr="0">
+            <a:noAutofit/>
+          </a:bodyPr>
+          <a:lstStyle/>
+          <a:p>
+            <a:pPr marL="0" indent="0">
+              <a:buNone/>
+            </a:pPr>
+            <a:r>
+              <a:rPr lang="en-US" sz="1800" dirty="0">
+                <a:solidFill>
+                  <a:schemeClr val="accent1"/>
+                </a:solidFill>
+              </a:rPr>
+              <a:t>x</a:t>
+            </a:r>
+            <a:r>
+              <a:rPr lang="en-US" sz="1800" dirty="0"/>
+              <a:t> = 0</a:t>
+            </a:r>
+          </a:p>
+          <a:p>
+            <a:pPr marL="0" indent="0">
+              <a:buNone/>
+            </a:pPr>
+            <a:r>
+              <a:rPr lang="en-US" sz="1800" dirty="0">
+                <a:solidFill>
+                  <a:schemeClr val="accent1"/>
+                </a:solidFill>
+              </a:rPr>
+              <a:t>while</a:t>
+            </a:r>
+            <a:r>
+              <a:rPr lang="en-US" sz="1800" dirty="0"/>
+              <a:t> x </a:t>
+            </a:r>
+            <a:r>
+              <a:rPr lang="en-US" sz="1800" dirty="0">
+                <a:solidFill>
+                  <a:schemeClr val="accent5">
+                    <a:lumMod val="75000"/>
+                  </a:schemeClr>
+                </a:solidFill>
+              </a:rPr>
+              <a:t>&lt;=</a:t>
+            </a:r>
+            <a:r>
+              <a:rPr lang="en-US" sz="1800" dirty="0"/>
+              <a:t> 10</a:t>
+            </a:r>
+            <a:r>
+              <a:rPr lang="en-US" sz="1800" dirty="0">
+                <a:solidFill>
+                  <a:schemeClr val="accent1"/>
+                </a:solidFill>
+              </a:rPr>
+              <a:t>:</a:t>
+            </a:r>
+          </a:p>
+          <a:p>
+            <a:pPr marL="0" indent="0">
+              <a:buNone/>
+            </a:pPr>
+            <a:r>
+              <a:rPr lang="en-US" sz="1800" dirty="0"/>
+              <a:t>    </a:t>
+            </a:r>
+            <a:r>
+              <a:rPr lang="en-US" sz="1800" dirty="0">
+                <a:solidFill>
+                  <a:schemeClr val="accent6">
+                    <a:lumMod val="40000"/>
+                    <a:lumOff val="60000"/>
+                  </a:schemeClr>
+                </a:solidFill>
+              </a:rPr>
+              <a:t>print</a:t>
+            </a:r>
+            <a:r>
+              <a:rPr lang="en-US" sz="1800" dirty="0"/>
+              <a:t>(x)</a:t>
+            </a:r>
+          </a:p>
+          <a:p>
+            <a:pPr marL="0" indent="0">
+              <a:buNone/>
+            </a:pPr>
+            <a:r>
+              <a:rPr lang="en-US" sz="1800" dirty="0"/>
+              <a:t>    </a:t>
+            </a:r>
+            <a:r>
+              <a:rPr lang="en-US" sz="1800" dirty="0">
+                <a:solidFill>
+                  <a:schemeClr val="accent1"/>
+                </a:solidFill>
+              </a:rPr>
+              <a:t>x </a:t>
+            </a:r>
+            <a:r>
+              <a:rPr lang="en-US" sz="1800" dirty="0"/>
+              <a:t>= x + 1</a:t>
+            </a:r>
+          </a:p>
+          <a:p>
+            <a:pPr marL="0" indent="0">
+              <a:buNone/>
+            </a:pPr>
+            <a:endParaRPr lang="en-US" dirty="0"/>
+          </a:p>
+        </p:txBody>
+      </p:sp>
+      <p:sp>
+        <p:nvSpPr>
+          <p:cNvPr id="2" name="Google Shape;441;p29">
+            <a:extLst>
+              <a:ext uri="{FF2B5EF4-FFF2-40B4-BE49-F238E27FC236}">
+                <a16:creationId xmlns:a16="http://schemas.microsoft.com/office/drawing/2014/main" id="{DF325908-7DB0-CCA5-57C1-D3530E45958B}"/>
+              </a:ext>
+            </a:extLst>
+          </p:cNvPr>
+          <p:cNvSpPr txBox="1">
+            <a:spLocks/>
+          </p:cNvSpPr>
+          <p:nvPr/>
+        </p:nvSpPr>
+        <p:spPr>
+          <a:xfrm>
+            <a:off x="1218450" y="4066431"/>
+            <a:ext cx="9755100" cy="606900"/>
+          </a:xfrm>
+          <a:prstGeom prst="rect">
+            <a:avLst/>
+          </a:prstGeom>
+          <a:noFill/>
+          <a:ln>
+            <a:noFill/>
+          </a:ln>
+        </p:spPr>
+        <p:txBody>
+          <a:bodyPr spcFirstLastPara="1" wrap="square" lIns="121900" tIns="121900" rIns="121900" bIns="121900" anchor="t" anchorCtr="0">
+            <a:noAutofit/>
+          </a:bodyPr>
+          <a:lstStyle>
+            <a:defPPr marR="0" lvl="0" algn="l" rtl="0">
+              <a:lnSpc>
+                <a:spcPct val="100000"/>
+              </a:lnSpc>
+              <a:spcBef>
+                <a:spcPts val="0"/>
+              </a:spcBef>
+              <a:spcAft>
+                <a:spcPts val="0"/>
+              </a:spcAft>
+            </a:defPPr>
+            <a:lvl1pPr marL="457200" marR="0" lvl="0" indent="-342900" algn="l" rtl="0">
+              <a:lnSpc>
+                <a:spcPct val="115000"/>
+              </a:lnSpc>
+              <a:spcBef>
+                <a:spcPts val="0"/>
+              </a:spcBef>
+              <a:spcAft>
+                <a:spcPts val="0"/>
+              </a:spcAft>
+              <a:buClr>
+                <a:schemeClr val="dk2"/>
+              </a:buClr>
+              <a:buSzPts val="1800"/>
+              <a:buFont typeface="Roboto Mono"/>
+              <a:buNone/>
+              <a:defRPr sz="1800" b="0" i="0" u="none" strike="noStrike" cap="none">
+                <a:solidFill>
+                  <a:schemeClr val="dk2"/>
+                </a:solidFill>
+                <a:latin typeface="Roboto Mono"/>
+                <a:ea typeface="Roboto Mono"/>
+                <a:cs typeface="Roboto Mono"/>
+                <a:sym typeface="Roboto Mono"/>
+              </a:defRPr>
+            </a:lvl1pPr>
+            <a:lvl2pPr marL="914400" marR="0" lvl="1" indent="-342900" algn="l" rtl="0">
+              <a:lnSpc>
+                <a:spcPct val="115000"/>
+              </a:lnSpc>
+              <a:spcBef>
+                <a:spcPts val="2100"/>
+              </a:spcBef>
+              <a:spcAft>
+                <a:spcPts val="0"/>
+              </a:spcAft>
+              <a:buClr>
+                <a:schemeClr val="dk2"/>
+              </a:buClr>
+              <a:buSzPts val="1800"/>
+              <a:buFont typeface="Roboto Mono"/>
+              <a:buNone/>
+              <a:defRPr sz="1800" b="1" i="0" u="none" strike="noStrike" cap="none">
+                <a:solidFill>
+                  <a:schemeClr val="dk2"/>
+                </a:solidFill>
+                <a:latin typeface="Roboto Mono"/>
+                <a:ea typeface="Roboto Mono"/>
+                <a:cs typeface="Roboto Mono"/>
+                <a:sym typeface="Roboto Mono"/>
+              </a:defRPr>
+            </a:lvl2pPr>
+            <a:lvl3pPr marL="1371600" marR="0" lvl="2" indent="-342900" algn="l" rtl="0">
+              <a:lnSpc>
+                <a:spcPct val="115000"/>
+              </a:lnSpc>
+              <a:spcBef>
+                <a:spcPts val="2100"/>
+              </a:spcBef>
+              <a:spcAft>
+                <a:spcPts val="0"/>
+              </a:spcAft>
+              <a:buClr>
+                <a:schemeClr val="dk2"/>
+              </a:buClr>
+              <a:buSzPts val="1800"/>
+              <a:buFont typeface="Roboto Mono"/>
+              <a:buNone/>
+              <a:defRPr sz="1800" b="1" i="0" u="none" strike="noStrike" cap="none">
+                <a:solidFill>
+                  <a:schemeClr val="dk2"/>
+                </a:solidFill>
+                <a:latin typeface="Roboto Mono"/>
+                <a:ea typeface="Roboto Mono"/>
+                <a:cs typeface="Roboto Mono"/>
+                <a:sym typeface="Roboto Mono"/>
+              </a:defRPr>
+            </a:lvl3pPr>
+            <a:lvl4pPr marL="1828800" marR="0" lvl="3" indent="-342900" algn="l" rtl="0">
+              <a:lnSpc>
+                <a:spcPct val="115000"/>
+              </a:lnSpc>
+              <a:spcBef>
+                <a:spcPts val="2100"/>
+              </a:spcBef>
+              <a:spcAft>
+                <a:spcPts val="0"/>
+              </a:spcAft>
+              <a:buClr>
+                <a:schemeClr val="dk2"/>
+              </a:buClr>
+              <a:buSzPts val="1800"/>
+              <a:buFont typeface="Roboto Mono"/>
+              <a:buNone/>
+              <a:defRPr sz="1800" b="1" i="0" u="none" strike="noStrike" cap="none">
+                <a:solidFill>
+                  <a:schemeClr val="dk2"/>
+                </a:solidFill>
+                <a:latin typeface="Roboto Mono"/>
+                <a:ea typeface="Roboto Mono"/>
+                <a:cs typeface="Roboto Mono"/>
+                <a:sym typeface="Roboto Mono"/>
+              </a:defRPr>
+            </a:lvl4pPr>
+            <a:lvl5pPr marL="2286000" marR="0" lvl="4" indent="-342900" algn="l" rtl="0">
+              <a:lnSpc>
+                <a:spcPct val="115000"/>
+              </a:lnSpc>
+              <a:spcBef>
+                <a:spcPts val="2100"/>
+              </a:spcBef>
+              <a:spcAft>
+                <a:spcPts val="0"/>
+              </a:spcAft>
+              <a:buClr>
+                <a:schemeClr val="dk2"/>
+              </a:buClr>
+              <a:buSzPts val="1800"/>
+              <a:buFont typeface="Roboto Mono"/>
+              <a:buNone/>
+              <a:defRPr sz="1800" b="1" i="0" u="none" strike="noStrike" cap="none">
+                <a:solidFill>
+                  <a:schemeClr val="dk2"/>
+                </a:solidFill>
+                <a:latin typeface="Roboto Mono"/>
+                <a:ea typeface="Roboto Mono"/>
+                <a:cs typeface="Roboto Mono"/>
+                <a:sym typeface="Roboto Mono"/>
+              </a:defRPr>
+            </a:lvl5pPr>
+            <a:lvl6pPr marL="2743200" marR="0" lvl="5" indent="-342900" algn="l" rtl="0">
+              <a:lnSpc>
+                <a:spcPct val="115000"/>
+              </a:lnSpc>
+              <a:spcBef>
+                <a:spcPts val="2100"/>
+              </a:spcBef>
+              <a:spcAft>
+                <a:spcPts val="0"/>
+              </a:spcAft>
+              <a:buClr>
+                <a:schemeClr val="dk2"/>
+              </a:buClr>
+              <a:buSzPts val="1800"/>
+              <a:buFont typeface="Roboto Mono"/>
+              <a:buNone/>
+              <a:defRPr sz="1800" b="1" i="0" u="none" strike="noStrike" cap="none">
+                <a:solidFill>
+                  <a:schemeClr val="dk2"/>
+                </a:solidFill>
+                <a:latin typeface="Roboto Mono"/>
+                <a:ea typeface="Roboto Mono"/>
+                <a:cs typeface="Roboto Mono"/>
+                <a:sym typeface="Roboto Mono"/>
+              </a:defRPr>
+            </a:lvl6pPr>
+            <a:lvl7pPr marL="3200400" marR="0" lvl="6" indent="-342900" algn="l" rtl="0">
+              <a:lnSpc>
+                <a:spcPct val="115000"/>
+              </a:lnSpc>
+              <a:spcBef>
+                <a:spcPts val="2100"/>
+              </a:spcBef>
+              <a:spcAft>
+                <a:spcPts val="0"/>
+              </a:spcAft>
+              <a:buClr>
+                <a:schemeClr val="dk2"/>
+              </a:buClr>
+              <a:buSzPts val="1800"/>
+              <a:buFont typeface="Roboto Mono"/>
+              <a:buNone/>
+              <a:defRPr sz="1800" b="1" i="0" u="none" strike="noStrike" cap="none">
+                <a:solidFill>
+                  <a:schemeClr val="dk2"/>
+                </a:solidFill>
+                <a:latin typeface="Roboto Mono"/>
+                <a:ea typeface="Roboto Mono"/>
+                <a:cs typeface="Roboto Mono"/>
+                <a:sym typeface="Roboto Mono"/>
+              </a:defRPr>
+            </a:lvl7pPr>
+            <a:lvl8pPr marL="3657600" marR="0" lvl="7" indent="-342900" algn="l" rtl="0">
+              <a:lnSpc>
+                <a:spcPct val="115000"/>
+              </a:lnSpc>
+              <a:spcBef>
+                <a:spcPts val="2100"/>
+              </a:spcBef>
+              <a:spcAft>
+                <a:spcPts val="0"/>
+              </a:spcAft>
+              <a:buClr>
+                <a:schemeClr val="dk2"/>
+              </a:buClr>
+              <a:buSzPts val="1800"/>
+              <a:buFont typeface="Roboto Mono"/>
+              <a:buNone/>
+              <a:defRPr sz="1800" b="1" i="0" u="none" strike="noStrike" cap="none">
+                <a:solidFill>
+                  <a:schemeClr val="dk2"/>
+                </a:solidFill>
+                <a:latin typeface="Roboto Mono"/>
+                <a:ea typeface="Roboto Mono"/>
+                <a:cs typeface="Roboto Mono"/>
+                <a:sym typeface="Roboto Mono"/>
+              </a:defRPr>
+            </a:lvl8pPr>
+            <a:lvl9pPr marL="4114800" marR="0" lvl="8" indent="-342900" algn="l" rtl="0">
+              <a:lnSpc>
+                <a:spcPct val="115000"/>
+              </a:lnSpc>
+              <a:spcBef>
+                <a:spcPts val="2100"/>
+              </a:spcBef>
+              <a:spcAft>
+                <a:spcPts val="2100"/>
+              </a:spcAft>
+              <a:buClr>
+                <a:schemeClr val="dk2"/>
+              </a:buClr>
+              <a:buSzPts val="1800"/>
+              <a:buFont typeface="Roboto Mono"/>
+              <a:buNone/>
+              <a:defRPr sz="1800" b="1" i="0" u="none" strike="noStrike" cap="none">
+                <a:solidFill>
+                  <a:schemeClr val="dk2"/>
+                </a:solidFill>
+                <a:latin typeface="Roboto Mono"/>
+                <a:ea typeface="Roboto Mono"/>
+                <a:cs typeface="Roboto Mono"/>
+                <a:sym typeface="Roboto Mono"/>
+              </a:defRPr>
+            </a:lvl9pPr>
+          </a:lstStyle>
+          <a:p>
+            <a:pPr marL="0" indent="0">
+              <a:spcAft>
+                <a:spcPts val="2100"/>
+              </a:spcAft>
+            </a:pPr>
+            <a:r>
+              <a:rPr lang="de-DE" sz="2000" b="1" dirty="0" err="1">
+                <a:solidFill>
+                  <a:schemeClr val="tx1"/>
+                </a:solidFill>
+              </a:rPr>
+              <a:t>for</a:t>
+            </a:r>
+            <a:r>
+              <a:rPr lang="de-DE" sz="2000" b="1" dirty="0">
+                <a:solidFill>
+                  <a:schemeClr val="tx1"/>
+                </a:solidFill>
+              </a:rPr>
+              <a:t> … in … :</a:t>
+            </a:r>
+          </a:p>
+        </p:txBody>
+      </p:sp>
+      <p:sp>
+        <p:nvSpPr>
+          <p:cNvPr id="5" name="Google Shape;446;p29">
+            <a:extLst>
+              <a:ext uri="{FF2B5EF4-FFF2-40B4-BE49-F238E27FC236}">
+                <a16:creationId xmlns:a16="http://schemas.microsoft.com/office/drawing/2014/main" id="{049BF71F-6987-420B-D937-13879675E5C7}"/>
+              </a:ext>
+            </a:extLst>
+          </p:cNvPr>
+          <p:cNvSpPr txBox="1">
+            <a:spLocks/>
+          </p:cNvSpPr>
+          <p:nvPr/>
+        </p:nvSpPr>
+        <p:spPr>
+          <a:xfrm>
+            <a:off x="1547371" y="4565384"/>
+            <a:ext cx="9755100" cy="1643048"/>
+          </a:xfrm>
+          <a:prstGeom prst="rect">
+            <a:avLst/>
+          </a:prstGeom>
+          <a:noFill/>
+          <a:ln>
+            <a:noFill/>
+          </a:ln>
+        </p:spPr>
+        <p:txBody>
+          <a:bodyPr spcFirstLastPara="1" wrap="square" lIns="121900" tIns="121900" rIns="121900" bIns="121900" anchor="t" anchorCtr="0">
+            <a:noAutofit/>
+          </a:bodyPr>
+          <a:lstStyle>
+            <a:defPPr marR="0" lvl="0" algn="l" rtl="0">
+              <a:lnSpc>
+                <a:spcPct val="100000"/>
+              </a:lnSpc>
+              <a:spcBef>
+                <a:spcPts val="0"/>
+              </a:spcBef>
+              <a:spcAft>
+                <a:spcPts val="0"/>
+              </a:spcAft>
+            </a:defPPr>
+            <a:lvl1pPr marL="457200" marR="0" lvl="0" indent="-317500" algn="l" rtl="0">
+              <a:lnSpc>
+                <a:spcPct val="115000"/>
+              </a:lnSpc>
+              <a:spcBef>
+                <a:spcPts val="0"/>
+              </a:spcBef>
+              <a:spcAft>
+                <a:spcPts val="0"/>
+              </a:spcAft>
+              <a:buClr>
+                <a:schemeClr val="dk2"/>
+              </a:buClr>
+              <a:buSzPts val="1400"/>
+              <a:buFont typeface="Roboto Mono"/>
+              <a:buChar char="●"/>
+              <a:defRPr sz="1400" b="0" i="0" u="none" strike="noStrike" cap="none">
+                <a:solidFill>
+                  <a:schemeClr val="dk2"/>
+                </a:solidFill>
+                <a:latin typeface="Roboto Mono"/>
+                <a:ea typeface="Roboto Mono"/>
+                <a:cs typeface="Roboto Mono"/>
+                <a:sym typeface="Roboto Mono"/>
+              </a:defRPr>
+            </a:lvl1pPr>
+            <a:lvl2pPr marL="914400" marR="0" lvl="1" indent="-317500" algn="l" rtl="0">
+              <a:lnSpc>
+                <a:spcPct val="115000"/>
+              </a:lnSpc>
+              <a:spcBef>
+                <a:spcPts val="2100"/>
+              </a:spcBef>
+              <a:spcAft>
+                <a:spcPts val="0"/>
+              </a:spcAft>
+              <a:buClr>
+                <a:schemeClr val="dk2"/>
+              </a:buClr>
+              <a:buSzPts val="1400"/>
+              <a:buFont typeface="Roboto Mono"/>
+              <a:buChar char="○"/>
+              <a:defRPr sz="1400" b="0" i="0" u="none" strike="noStrike" cap="none">
+                <a:solidFill>
+                  <a:schemeClr val="dk2"/>
+                </a:solidFill>
+                <a:latin typeface="Roboto Mono"/>
+                <a:ea typeface="Roboto Mono"/>
+                <a:cs typeface="Roboto Mono"/>
+                <a:sym typeface="Roboto Mono"/>
+              </a:defRPr>
+            </a:lvl2pPr>
+            <a:lvl3pPr marL="1371600" marR="0" lvl="2" indent="-317500" algn="l" rtl="0">
+              <a:lnSpc>
+                <a:spcPct val="115000"/>
+              </a:lnSpc>
+              <a:spcBef>
+                <a:spcPts val="2100"/>
+              </a:spcBef>
+              <a:spcAft>
+                <a:spcPts val="0"/>
+              </a:spcAft>
+              <a:buClr>
+                <a:schemeClr val="dk2"/>
+              </a:buClr>
+              <a:buSzPts val="1400"/>
+              <a:buFont typeface="Roboto Mono"/>
+              <a:buChar char="■"/>
+              <a:defRPr sz="1400" b="0" i="0" u="none" strike="noStrike" cap="none">
+                <a:solidFill>
+                  <a:schemeClr val="dk2"/>
+                </a:solidFill>
+                <a:latin typeface="Roboto Mono"/>
+                <a:ea typeface="Roboto Mono"/>
+                <a:cs typeface="Roboto Mono"/>
+                <a:sym typeface="Roboto Mono"/>
+              </a:defRPr>
+            </a:lvl3pPr>
+            <a:lvl4pPr marL="1828800" marR="0" lvl="3" indent="-317500" algn="l" rtl="0">
+              <a:lnSpc>
+                <a:spcPct val="115000"/>
+              </a:lnSpc>
+              <a:spcBef>
+                <a:spcPts val="2100"/>
+              </a:spcBef>
+              <a:spcAft>
+                <a:spcPts val="0"/>
+              </a:spcAft>
+              <a:buClr>
+                <a:schemeClr val="dk2"/>
+              </a:buClr>
+              <a:buSzPts val="1400"/>
+              <a:buFont typeface="Roboto Mono"/>
+              <a:buChar char="●"/>
+              <a:defRPr sz="1400" b="0" i="0" u="none" strike="noStrike" cap="none">
+                <a:solidFill>
+                  <a:schemeClr val="dk2"/>
+                </a:solidFill>
+                <a:latin typeface="Roboto Mono"/>
+                <a:ea typeface="Roboto Mono"/>
+                <a:cs typeface="Roboto Mono"/>
+                <a:sym typeface="Roboto Mono"/>
+              </a:defRPr>
+            </a:lvl4pPr>
+            <a:lvl5pPr marL="2286000" marR="0" lvl="4" indent="-317500" algn="l" rtl="0">
+              <a:lnSpc>
+                <a:spcPct val="115000"/>
+              </a:lnSpc>
+              <a:spcBef>
+                <a:spcPts val="2100"/>
+              </a:spcBef>
+              <a:spcAft>
+                <a:spcPts val="0"/>
+              </a:spcAft>
+              <a:buClr>
+                <a:schemeClr val="dk2"/>
+              </a:buClr>
+              <a:buSzPts val="1400"/>
+              <a:buFont typeface="Roboto Mono"/>
+              <a:buChar char="○"/>
+              <a:defRPr sz="1400" b="0" i="0" u="none" strike="noStrike" cap="none">
+                <a:solidFill>
+                  <a:schemeClr val="dk2"/>
+                </a:solidFill>
+                <a:latin typeface="Roboto Mono"/>
+                <a:ea typeface="Roboto Mono"/>
+                <a:cs typeface="Roboto Mono"/>
+                <a:sym typeface="Roboto Mono"/>
+              </a:defRPr>
+            </a:lvl5pPr>
+            <a:lvl6pPr marL="2743200" marR="0" lvl="5" indent="-317500" algn="l" rtl="0">
+              <a:lnSpc>
+                <a:spcPct val="115000"/>
+              </a:lnSpc>
+              <a:spcBef>
+                <a:spcPts val="2100"/>
+              </a:spcBef>
+              <a:spcAft>
+                <a:spcPts val="0"/>
+              </a:spcAft>
+              <a:buClr>
+                <a:schemeClr val="dk2"/>
+              </a:buClr>
+              <a:buSzPts val="1400"/>
+              <a:buFont typeface="Roboto Mono"/>
+              <a:buChar char="■"/>
+              <a:defRPr sz="1400" b="0" i="0" u="none" strike="noStrike" cap="none">
+                <a:solidFill>
+                  <a:schemeClr val="dk2"/>
+                </a:solidFill>
+                <a:latin typeface="Roboto Mono"/>
+                <a:ea typeface="Roboto Mono"/>
+                <a:cs typeface="Roboto Mono"/>
+                <a:sym typeface="Roboto Mono"/>
+              </a:defRPr>
+            </a:lvl6pPr>
+            <a:lvl7pPr marL="3200400" marR="0" lvl="6" indent="-317500" algn="l" rtl="0">
+              <a:lnSpc>
+                <a:spcPct val="115000"/>
+              </a:lnSpc>
+              <a:spcBef>
+                <a:spcPts val="2100"/>
+              </a:spcBef>
+              <a:spcAft>
+                <a:spcPts val="0"/>
+              </a:spcAft>
+              <a:buClr>
+                <a:schemeClr val="dk2"/>
+              </a:buClr>
+              <a:buSzPts val="1400"/>
+              <a:buFont typeface="Roboto Mono"/>
+              <a:buChar char="●"/>
+              <a:defRPr sz="1400" b="0" i="0" u="none" strike="noStrike" cap="none">
+                <a:solidFill>
+                  <a:schemeClr val="dk2"/>
+                </a:solidFill>
+                <a:latin typeface="Roboto Mono"/>
+                <a:ea typeface="Roboto Mono"/>
+                <a:cs typeface="Roboto Mono"/>
+                <a:sym typeface="Roboto Mono"/>
+              </a:defRPr>
+            </a:lvl7pPr>
+            <a:lvl8pPr marL="3657600" marR="0" lvl="7" indent="-317500" algn="l" rtl="0">
+              <a:lnSpc>
+                <a:spcPct val="115000"/>
+              </a:lnSpc>
+              <a:spcBef>
+                <a:spcPts val="2100"/>
+              </a:spcBef>
+              <a:spcAft>
+                <a:spcPts val="0"/>
+              </a:spcAft>
+              <a:buClr>
+                <a:schemeClr val="dk2"/>
+              </a:buClr>
+              <a:buSzPts val="1400"/>
+              <a:buFont typeface="Roboto Mono"/>
+              <a:buChar char="○"/>
+              <a:defRPr sz="1400" b="0" i="0" u="none" strike="noStrike" cap="none">
+                <a:solidFill>
+                  <a:schemeClr val="dk2"/>
+                </a:solidFill>
+                <a:latin typeface="Roboto Mono"/>
+                <a:ea typeface="Roboto Mono"/>
+                <a:cs typeface="Roboto Mono"/>
+                <a:sym typeface="Roboto Mono"/>
+              </a:defRPr>
+            </a:lvl8pPr>
+            <a:lvl9pPr marL="4114800" marR="0" lvl="8" indent="-317500" algn="l" rtl="0">
+              <a:lnSpc>
+                <a:spcPct val="115000"/>
+              </a:lnSpc>
+              <a:spcBef>
+                <a:spcPts val="2100"/>
+              </a:spcBef>
+              <a:spcAft>
+                <a:spcPts val="2100"/>
+              </a:spcAft>
+              <a:buClr>
+                <a:schemeClr val="dk2"/>
+              </a:buClr>
+              <a:buSzPts val="1400"/>
+              <a:buFont typeface="Roboto Mono"/>
+              <a:buChar char="■"/>
+              <a:defRPr sz="1400" b="0" i="0" u="none" strike="noStrike" cap="none">
+                <a:solidFill>
+                  <a:schemeClr val="dk2"/>
+                </a:solidFill>
+                <a:latin typeface="Roboto Mono"/>
+                <a:ea typeface="Roboto Mono"/>
+                <a:cs typeface="Roboto Mono"/>
+                <a:sym typeface="Roboto Mono"/>
+              </a:defRPr>
+            </a:lvl9pPr>
+          </a:lstStyle>
+          <a:p>
+            <a:pPr marL="0" indent="0">
+              <a:buFont typeface="Roboto Mono"/>
+              <a:buNone/>
+            </a:pPr>
+            <a:r>
+              <a:rPr lang="en-US" sz="1800" dirty="0">
+                <a:solidFill>
+                  <a:schemeClr val="accent1"/>
+                </a:solidFill>
+              </a:rPr>
+              <a:t>x</a:t>
+            </a:r>
+            <a:r>
+              <a:rPr lang="en-US" sz="1800" dirty="0"/>
+              <a:t> = 0</a:t>
+            </a:r>
+          </a:p>
+          <a:p>
+            <a:pPr marL="0" indent="0">
+              <a:buFont typeface="Roboto Mono"/>
+              <a:buNone/>
+            </a:pPr>
+            <a:r>
+              <a:rPr lang="en-US" sz="1800" dirty="0">
+                <a:solidFill>
+                  <a:schemeClr val="accent1"/>
+                </a:solidFill>
+              </a:rPr>
+              <a:t>for</a:t>
+            </a:r>
+            <a:r>
+              <a:rPr lang="en-US" sz="1800" dirty="0"/>
+              <a:t> </a:t>
+            </a:r>
+            <a:r>
+              <a:rPr lang="en-US" sz="1800" dirty="0" err="1">
+                <a:solidFill>
+                  <a:schemeClr val="accent5">
+                    <a:lumMod val="75000"/>
+                  </a:schemeClr>
+                </a:solidFill>
+              </a:rPr>
+              <a:t>i</a:t>
+            </a:r>
+            <a:r>
+              <a:rPr lang="en-US" sz="1800" dirty="0">
+                <a:solidFill>
+                  <a:schemeClr val="accent5">
+                    <a:lumMod val="75000"/>
+                  </a:schemeClr>
+                </a:solidFill>
+              </a:rPr>
+              <a:t> </a:t>
+            </a:r>
+            <a:r>
+              <a:rPr lang="en-US" sz="1800" dirty="0">
+                <a:solidFill>
+                  <a:schemeClr val="accent1"/>
+                </a:solidFill>
+              </a:rPr>
+              <a:t>in</a:t>
+            </a:r>
+            <a:r>
+              <a:rPr lang="en-US" sz="1800" dirty="0"/>
+              <a:t> </a:t>
+            </a:r>
+            <a:r>
+              <a:rPr lang="en-US" sz="1800" dirty="0">
+                <a:solidFill>
+                  <a:schemeClr val="accent6">
+                    <a:lumMod val="40000"/>
+                    <a:lumOff val="60000"/>
+                  </a:schemeClr>
+                </a:solidFill>
+              </a:rPr>
+              <a:t>range(1, 11)</a:t>
+            </a:r>
+            <a:r>
+              <a:rPr lang="en-US" sz="1800" dirty="0">
+                <a:solidFill>
+                  <a:schemeClr val="accent1"/>
+                </a:solidFill>
+              </a:rPr>
+              <a:t>:</a:t>
+            </a:r>
+          </a:p>
+          <a:p>
+            <a:pPr marL="0" indent="0">
+              <a:buFont typeface="Roboto Mono"/>
+              <a:buNone/>
+            </a:pPr>
+            <a:r>
+              <a:rPr lang="en-US" sz="1800" dirty="0"/>
+              <a:t>    </a:t>
+            </a:r>
+            <a:r>
+              <a:rPr lang="en-US" sz="1800" dirty="0">
+                <a:solidFill>
+                  <a:schemeClr val="accent6">
+                    <a:lumMod val="40000"/>
+                    <a:lumOff val="60000"/>
+                  </a:schemeClr>
+                </a:solidFill>
+              </a:rPr>
+              <a:t>print</a:t>
+            </a:r>
+            <a:r>
+              <a:rPr lang="en-US" sz="1800" dirty="0"/>
+              <a:t>(x)</a:t>
+            </a:r>
+          </a:p>
+          <a:p>
+            <a:pPr marL="0" indent="0">
+              <a:buFont typeface="Roboto Mono"/>
+              <a:buNone/>
+            </a:pPr>
+            <a:r>
+              <a:rPr lang="en-US" sz="1800" dirty="0"/>
+              <a:t>    </a:t>
+            </a:r>
+            <a:r>
+              <a:rPr lang="en-US" sz="1800" dirty="0">
+                <a:solidFill>
+                  <a:schemeClr val="accent1"/>
+                </a:solidFill>
+              </a:rPr>
+              <a:t>x </a:t>
+            </a:r>
+            <a:r>
+              <a:rPr lang="en-US" sz="1800" dirty="0"/>
+              <a:t>= </a:t>
+            </a:r>
+            <a:r>
+              <a:rPr lang="en-US" sz="1800" dirty="0" err="1">
+                <a:solidFill>
+                  <a:schemeClr val="accent5">
+                    <a:lumMod val="75000"/>
+                  </a:schemeClr>
+                </a:solidFill>
+              </a:rPr>
+              <a:t>i</a:t>
+            </a:r>
+            <a:endParaRPr lang="en-US" sz="1800" dirty="0">
+              <a:solidFill>
+                <a:schemeClr val="accent5">
+                  <a:lumMod val="75000"/>
+                </a:schemeClr>
+              </a:solidFill>
+            </a:endParaRPr>
+          </a:p>
+          <a:p>
+            <a:pPr marL="0" indent="0">
+              <a:buFont typeface="Roboto Mono"/>
+              <a:buNone/>
+            </a:pPr>
+            <a:endParaRPr lang="en-US" dirty="0"/>
+          </a:p>
+        </p:txBody>
+      </p:sp>
     </p:spTree>
+    <p:extLst>
+      <p:ext uri="{BB962C8B-B14F-4D97-AF65-F5344CB8AC3E}">
+        <p14:creationId xmlns:p14="http://schemas.microsoft.com/office/powerpoint/2010/main" val="4109646953"/>
+      </p:ext>
+    </p:extLst>
   </p:cSld>
   <p:clrMapOvr>
     <a:masterClrMapping/>
   </p:clrMapOvr>
+  <p:timing>
+    <p:tnLst>
+      <p:par>
+        <p:cTn id="1" dur="indefinite" restart="never" nodeType="tmRoot">
+          <p:childTnLst>
+            <p:seq concurrent="1" nextAc="seek">
+              <p:cTn id="2" dur="indefinite" nodeType="mainSeq">
+                <p:childTnLst>
+                  <p:par>
+                    <p:cTn id="3" fill="hold">
+                      <p:stCondLst>
+                        <p:cond delay="indefinite"/>
+                      </p:stCondLst>
+                      <p:childTnLst>
+                        <p:par>
+                          <p:cTn id="4" fill="hold">
+                            <p:stCondLst>
+                              <p:cond delay="0"/>
+                            </p:stCondLst>
+                            <p:childTnLst>
+                              <p:par>
+                                <p:cTn id="5" presetID="10" presetClass="entr" presetSubtype="0" fill="hold" grpId="0" nodeType="clickEffect">
+                                  <p:stCondLst>
+                                    <p:cond delay="0"/>
+                                  </p:stCondLst>
+                                  <p:childTnLst>
+                                    <p:set>
+                                      <p:cBhvr>
+                                        <p:cTn id="6" dur="1" fill="hold">
+                                          <p:stCondLst>
+                                            <p:cond delay="0"/>
+                                          </p:stCondLst>
+                                        </p:cTn>
+                                        <p:tgtEl>
+                                          <p:spTgt spid="441">
+                                            <p:txEl>
+                                              <p:pRg st="0" end="0"/>
+                                            </p:txEl>
+                                          </p:spTgt>
+                                        </p:tgtEl>
+                                        <p:attrNameLst>
+                                          <p:attrName>style.visibility</p:attrName>
+                                        </p:attrNameLst>
+                                      </p:cBhvr>
+                                      <p:to>
+                                        <p:strVal val="visible"/>
+                                      </p:to>
+                                    </p:set>
+                                    <p:animEffect transition="in" filter="fade">
+                                      <p:cBhvr>
+                                        <p:cTn id="7" dur="500"/>
+                                        <p:tgtEl>
+                                          <p:spTgt spid="441">
+                                            <p:txEl>
+                                              <p:pRg st="0" end="0"/>
+                                            </p:txEl>
+                                          </p:spTgt>
+                                        </p:tgtEl>
+                                      </p:cBhvr>
+                                    </p:animEffect>
+                                  </p:childTnLst>
+                                </p:cTn>
+                              </p:par>
+                            </p:childTnLst>
+                          </p:cTn>
+                        </p:par>
+                      </p:childTnLst>
+                    </p:cTn>
+                  </p:par>
+                  <p:par>
+                    <p:cTn id="8" fill="hold">
+                      <p:stCondLst>
+                        <p:cond delay="indefinite"/>
+                      </p:stCondLst>
+                      <p:childTnLst>
+                        <p:par>
+                          <p:cTn id="9" fill="hold">
+                            <p:stCondLst>
+                              <p:cond delay="0"/>
+                            </p:stCondLst>
+                            <p:childTnLst>
+                              <p:par>
+                                <p:cTn id="10" presetID="10" presetClass="entr" presetSubtype="0" fill="hold" grpId="0" nodeType="clickEffect">
+                                  <p:stCondLst>
+                                    <p:cond delay="0"/>
+                                  </p:stCondLst>
+                                  <p:childTnLst>
+                                    <p:set>
+                                      <p:cBhvr>
+                                        <p:cTn id="11" dur="1" fill="hold">
+                                          <p:stCondLst>
+                                            <p:cond delay="0"/>
+                                          </p:stCondLst>
+                                        </p:cTn>
+                                        <p:tgtEl>
+                                          <p:spTgt spid="446">
+                                            <p:txEl>
+                                              <p:pRg st="0" end="0"/>
+                                            </p:txEl>
+                                          </p:spTgt>
+                                        </p:tgtEl>
+                                        <p:attrNameLst>
+                                          <p:attrName>style.visibility</p:attrName>
+                                        </p:attrNameLst>
+                                      </p:cBhvr>
+                                      <p:to>
+                                        <p:strVal val="visible"/>
+                                      </p:to>
+                                    </p:set>
+                                    <p:animEffect transition="in" filter="fade">
+                                      <p:cBhvr>
+                                        <p:cTn id="12" dur="500"/>
+                                        <p:tgtEl>
+                                          <p:spTgt spid="446">
+                                            <p:txEl>
+                                              <p:pRg st="0" end="0"/>
+                                            </p:txEl>
+                                          </p:spTgt>
+                                        </p:tgtEl>
+                                      </p:cBhvr>
+                                    </p:animEffect>
+                                  </p:childTnLst>
+                                </p:cTn>
+                              </p:par>
+                            </p:childTnLst>
+                          </p:cTn>
+                        </p:par>
+                      </p:childTnLst>
+                    </p:cTn>
+                  </p:par>
+                  <p:par>
+                    <p:cTn id="13" fill="hold">
+                      <p:stCondLst>
+                        <p:cond delay="indefinite"/>
+                      </p:stCondLst>
+                      <p:childTnLst>
+                        <p:par>
+                          <p:cTn id="14" fill="hold">
+                            <p:stCondLst>
+                              <p:cond delay="0"/>
+                            </p:stCondLst>
+                            <p:childTnLst>
+                              <p:par>
+                                <p:cTn id="15" presetID="10" presetClass="entr" presetSubtype="0" fill="hold" grpId="0" nodeType="clickEffect">
+                                  <p:stCondLst>
+                                    <p:cond delay="0"/>
+                                  </p:stCondLst>
+                                  <p:childTnLst>
+                                    <p:set>
+                                      <p:cBhvr>
+                                        <p:cTn id="16" dur="1" fill="hold">
+                                          <p:stCondLst>
+                                            <p:cond delay="0"/>
+                                          </p:stCondLst>
+                                        </p:cTn>
+                                        <p:tgtEl>
+                                          <p:spTgt spid="446">
+                                            <p:txEl>
+                                              <p:pRg st="1" end="1"/>
+                                            </p:txEl>
+                                          </p:spTgt>
+                                        </p:tgtEl>
+                                        <p:attrNameLst>
+                                          <p:attrName>style.visibility</p:attrName>
+                                        </p:attrNameLst>
+                                      </p:cBhvr>
+                                      <p:to>
+                                        <p:strVal val="visible"/>
+                                      </p:to>
+                                    </p:set>
+                                    <p:animEffect transition="in" filter="fade">
+                                      <p:cBhvr>
+                                        <p:cTn id="17" dur="500"/>
+                                        <p:tgtEl>
+                                          <p:spTgt spid="446">
+                                            <p:txEl>
+                                              <p:pRg st="1" end="1"/>
+                                            </p:txEl>
+                                          </p:spTgt>
+                                        </p:tgtEl>
+                                      </p:cBhvr>
+                                    </p:animEffect>
+                                  </p:childTnLst>
+                                </p:cTn>
+                              </p:par>
+                            </p:childTnLst>
+                          </p:cTn>
+                        </p:par>
+                      </p:childTnLst>
+                    </p:cTn>
+                  </p:par>
+                  <p:par>
+                    <p:cTn id="18" fill="hold">
+                      <p:stCondLst>
+                        <p:cond delay="indefinite"/>
+                      </p:stCondLst>
+                      <p:childTnLst>
+                        <p:par>
+                          <p:cTn id="19" fill="hold">
+                            <p:stCondLst>
+                              <p:cond delay="0"/>
+                            </p:stCondLst>
+                            <p:childTnLst>
+                              <p:par>
+                                <p:cTn id="20" presetID="10" presetClass="entr" presetSubtype="0" fill="hold" grpId="0" nodeType="clickEffect">
+                                  <p:stCondLst>
+                                    <p:cond delay="0"/>
+                                  </p:stCondLst>
+                                  <p:childTnLst>
+                                    <p:set>
+                                      <p:cBhvr>
+                                        <p:cTn id="21" dur="1" fill="hold">
+                                          <p:stCondLst>
+                                            <p:cond delay="0"/>
+                                          </p:stCondLst>
+                                        </p:cTn>
+                                        <p:tgtEl>
+                                          <p:spTgt spid="446">
+                                            <p:txEl>
+                                              <p:pRg st="2" end="2"/>
+                                            </p:txEl>
+                                          </p:spTgt>
+                                        </p:tgtEl>
+                                        <p:attrNameLst>
+                                          <p:attrName>style.visibility</p:attrName>
+                                        </p:attrNameLst>
+                                      </p:cBhvr>
+                                      <p:to>
+                                        <p:strVal val="visible"/>
+                                      </p:to>
+                                    </p:set>
+                                    <p:animEffect transition="in" filter="fade">
+                                      <p:cBhvr>
+                                        <p:cTn id="22" dur="500"/>
+                                        <p:tgtEl>
+                                          <p:spTgt spid="446">
+                                            <p:txEl>
+                                              <p:pRg st="2" end="2"/>
+                                            </p:txEl>
+                                          </p:spTgt>
+                                        </p:tgtEl>
+                                      </p:cBhvr>
+                                    </p:animEffect>
+                                  </p:childTnLst>
+                                </p:cTn>
+                              </p:par>
+                            </p:childTnLst>
+                          </p:cTn>
+                        </p:par>
+                      </p:childTnLst>
+                    </p:cTn>
+                  </p:par>
+                  <p:par>
+                    <p:cTn id="23" fill="hold">
+                      <p:stCondLst>
+                        <p:cond delay="indefinite"/>
+                      </p:stCondLst>
+                      <p:childTnLst>
+                        <p:par>
+                          <p:cTn id="24" fill="hold">
+                            <p:stCondLst>
+                              <p:cond delay="0"/>
+                            </p:stCondLst>
+                            <p:childTnLst>
+                              <p:par>
+                                <p:cTn id="25" presetID="10" presetClass="entr" presetSubtype="0" fill="hold" grpId="0" nodeType="clickEffect">
+                                  <p:stCondLst>
+                                    <p:cond delay="0"/>
+                                  </p:stCondLst>
+                                  <p:childTnLst>
+                                    <p:set>
+                                      <p:cBhvr>
+                                        <p:cTn id="26" dur="1" fill="hold">
+                                          <p:stCondLst>
+                                            <p:cond delay="0"/>
+                                          </p:stCondLst>
+                                        </p:cTn>
+                                        <p:tgtEl>
+                                          <p:spTgt spid="446">
+                                            <p:txEl>
+                                              <p:pRg st="3" end="3"/>
+                                            </p:txEl>
+                                          </p:spTgt>
+                                        </p:tgtEl>
+                                        <p:attrNameLst>
+                                          <p:attrName>style.visibility</p:attrName>
+                                        </p:attrNameLst>
+                                      </p:cBhvr>
+                                      <p:to>
+                                        <p:strVal val="visible"/>
+                                      </p:to>
+                                    </p:set>
+                                    <p:animEffect transition="in" filter="fade">
+                                      <p:cBhvr>
+                                        <p:cTn id="27" dur="500"/>
+                                        <p:tgtEl>
+                                          <p:spTgt spid="446">
+                                            <p:txEl>
+                                              <p:pRg st="3" end="3"/>
+                                            </p:txEl>
+                                          </p:spTgt>
+                                        </p:tgtEl>
+                                      </p:cBhvr>
+                                    </p:animEffect>
+                                  </p:childTnLst>
+                                </p:cTn>
+                              </p:par>
+                            </p:childTnLst>
+                          </p:cTn>
+                        </p:par>
+                      </p:childTnLst>
+                    </p:cTn>
+                  </p:par>
+                  <p:par>
+                    <p:cTn id="28" fill="hold">
+                      <p:stCondLst>
+                        <p:cond delay="indefinite"/>
+                      </p:stCondLst>
+                      <p:childTnLst>
+                        <p:par>
+                          <p:cTn id="29" fill="hold">
+                            <p:stCondLst>
+                              <p:cond delay="0"/>
+                            </p:stCondLst>
+                            <p:childTnLst>
+                              <p:par>
+                                <p:cTn id="30" presetID="10" presetClass="entr" presetSubtype="0" fill="hold" grpId="0" nodeType="clickEffect">
+                                  <p:stCondLst>
+                                    <p:cond delay="0"/>
+                                  </p:stCondLst>
+                                  <p:childTnLst>
+                                    <p:set>
+                                      <p:cBhvr>
+                                        <p:cTn id="31" dur="1" fill="hold">
+                                          <p:stCondLst>
+                                            <p:cond delay="0"/>
+                                          </p:stCondLst>
+                                        </p:cTn>
+                                        <p:tgtEl>
+                                          <p:spTgt spid="2"/>
+                                        </p:tgtEl>
+                                        <p:attrNameLst>
+                                          <p:attrName>style.visibility</p:attrName>
+                                        </p:attrNameLst>
+                                      </p:cBhvr>
+                                      <p:to>
+                                        <p:strVal val="visible"/>
+                                      </p:to>
+                                    </p:set>
+                                    <p:animEffect transition="in" filter="fade">
+                                      <p:cBhvr>
+                                        <p:cTn id="32" dur="500"/>
+                                        <p:tgtEl>
+                                          <p:spTgt spid="2"/>
+                                        </p:tgtEl>
+                                      </p:cBhvr>
+                                    </p:animEffect>
+                                  </p:childTnLst>
+                                </p:cTn>
+                              </p:par>
+                            </p:childTnLst>
+                          </p:cTn>
+                        </p:par>
+                      </p:childTnLst>
+                    </p:cTn>
+                  </p:par>
+                  <p:par>
+                    <p:cTn id="33" fill="hold">
+                      <p:stCondLst>
+                        <p:cond delay="indefinite"/>
+                      </p:stCondLst>
+                      <p:childTnLst>
+                        <p:par>
+                          <p:cTn id="34" fill="hold">
+                            <p:stCondLst>
+                              <p:cond delay="0"/>
+                            </p:stCondLst>
+                            <p:childTnLst>
+                              <p:par>
+                                <p:cTn id="35" presetID="10" presetClass="entr" presetSubtype="0" fill="hold" grpId="0" nodeType="clickEffect">
+                                  <p:stCondLst>
+                                    <p:cond delay="0"/>
+                                  </p:stCondLst>
+                                  <p:childTnLst>
+                                    <p:set>
+                                      <p:cBhvr>
+                                        <p:cTn id="36" dur="1" fill="hold">
+                                          <p:stCondLst>
+                                            <p:cond delay="0"/>
+                                          </p:stCondLst>
+                                        </p:cTn>
+                                        <p:tgtEl>
+                                          <p:spTgt spid="5">
+                                            <p:txEl>
+                                              <p:pRg st="0" end="0"/>
+                                            </p:txEl>
+                                          </p:spTgt>
+                                        </p:tgtEl>
+                                        <p:attrNameLst>
+                                          <p:attrName>style.visibility</p:attrName>
+                                        </p:attrNameLst>
+                                      </p:cBhvr>
+                                      <p:to>
+                                        <p:strVal val="visible"/>
+                                      </p:to>
+                                    </p:set>
+                                    <p:animEffect transition="in" filter="fade">
+                                      <p:cBhvr>
+                                        <p:cTn id="37" dur="500"/>
+                                        <p:tgtEl>
+                                          <p:spTgt spid="5">
+                                            <p:txEl>
+                                              <p:pRg st="0" end="0"/>
+                                            </p:txEl>
+                                          </p:spTgt>
+                                        </p:tgtEl>
+                                      </p:cBhvr>
+                                    </p:animEffect>
+                                  </p:childTnLst>
+                                </p:cTn>
+                              </p:par>
+                            </p:childTnLst>
+                          </p:cTn>
+                        </p:par>
+                      </p:childTnLst>
+                    </p:cTn>
+                  </p:par>
+                  <p:par>
+                    <p:cTn id="38" fill="hold">
+                      <p:stCondLst>
+                        <p:cond delay="indefinite"/>
+                      </p:stCondLst>
+                      <p:childTnLst>
+                        <p:par>
+                          <p:cTn id="39" fill="hold">
+                            <p:stCondLst>
+                              <p:cond delay="0"/>
+                            </p:stCondLst>
+                            <p:childTnLst>
+                              <p:par>
+                                <p:cTn id="40" presetID="10" presetClass="entr" presetSubtype="0" fill="hold" grpId="0" nodeType="clickEffect">
+                                  <p:stCondLst>
+                                    <p:cond delay="0"/>
+                                  </p:stCondLst>
+                                  <p:childTnLst>
+                                    <p:set>
+                                      <p:cBhvr>
+                                        <p:cTn id="41" dur="1" fill="hold">
+                                          <p:stCondLst>
+                                            <p:cond delay="0"/>
+                                          </p:stCondLst>
+                                        </p:cTn>
+                                        <p:tgtEl>
+                                          <p:spTgt spid="5">
+                                            <p:txEl>
+                                              <p:pRg st="1" end="1"/>
+                                            </p:txEl>
+                                          </p:spTgt>
+                                        </p:tgtEl>
+                                        <p:attrNameLst>
+                                          <p:attrName>style.visibility</p:attrName>
+                                        </p:attrNameLst>
+                                      </p:cBhvr>
+                                      <p:to>
+                                        <p:strVal val="visible"/>
+                                      </p:to>
+                                    </p:set>
+                                    <p:animEffect transition="in" filter="fade">
+                                      <p:cBhvr>
+                                        <p:cTn id="42" dur="500"/>
+                                        <p:tgtEl>
+                                          <p:spTgt spid="5">
+                                            <p:txEl>
+                                              <p:pRg st="1" end="1"/>
+                                            </p:txEl>
+                                          </p:spTgt>
+                                        </p:tgtEl>
+                                      </p:cBhvr>
+                                    </p:animEffect>
+                                  </p:childTnLst>
+                                </p:cTn>
+                              </p:par>
+                            </p:childTnLst>
+                          </p:cTn>
+                        </p:par>
+                      </p:childTnLst>
+                    </p:cTn>
+                  </p:par>
+                  <p:par>
+                    <p:cTn id="43" fill="hold">
+                      <p:stCondLst>
+                        <p:cond delay="indefinite"/>
+                      </p:stCondLst>
+                      <p:childTnLst>
+                        <p:par>
+                          <p:cTn id="44" fill="hold">
+                            <p:stCondLst>
+                              <p:cond delay="0"/>
+                            </p:stCondLst>
+                            <p:childTnLst>
+                              <p:par>
+                                <p:cTn id="45" presetID="10" presetClass="entr" presetSubtype="0" fill="hold" grpId="0" nodeType="clickEffect">
+                                  <p:stCondLst>
+                                    <p:cond delay="0"/>
+                                  </p:stCondLst>
+                                  <p:childTnLst>
+                                    <p:set>
+                                      <p:cBhvr>
+                                        <p:cTn id="46" dur="1" fill="hold">
+                                          <p:stCondLst>
+                                            <p:cond delay="0"/>
+                                          </p:stCondLst>
+                                        </p:cTn>
+                                        <p:tgtEl>
+                                          <p:spTgt spid="5">
+                                            <p:txEl>
+                                              <p:pRg st="2" end="2"/>
+                                            </p:txEl>
+                                          </p:spTgt>
+                                        </p:tgtEl>
+                                        <p:attrNameLst>
+                                          <p:attrName>style.visibility</p:attrName>
+                                        </p:attrNameLst>
+                                      </p:cBhvr>
+                                      <p:to>
+                                        <p:strVal val="visible"/>
+                                      </p:to>
+                                    </p:set>
+                                    <p:animEffect transition="in" filter="fade">
+                                      <p:cBhvr>
+                                        <p:cTn id="47" dur="500"/>
+                                        <p:tgtEl>
+                                          <p:spTgt spid="5">
+                                            <p:txEl>
+                                              <p:pRg st="2" end="2"/>
+                                            </p:txEl>
+                                          </p:spTgt>
+                                        </p:tgtEl>
+                                      </p:cBhvr>
+                                    </p:animEffect>
+                                  </p:childTnLst>
+                                </p:cTn>
+                              </p:par>
+                            </p:childTnLst>
+                          </p:cTn>
+                        </p:par>
+                      </p:childTnLst>
+                    </p:cTn>
+                  </p:par>
+                  <p:par>
+                    <p:cTn id="48" fill="hold">
+                      <p:stCondLst>
+                        <p:cond delay="indefinite"/>
+                      </p:stCondLst>
+                      <p:childTnLst>
+                        <p:par>
+                          <p:cTn id="49" fill="hold">
+                            <p:stCondLst>
+                              <p:cond delay="0"/>
+                            </p:stCondLst>
+                            <p:childTnLst>
+                              <p:par>
+                                <p:cTn id="50" presetID="10" presetClass="entr" presetSubtype="0" fill="hold" grpId="0" nodeType="clickEffect">
+                                  <p:stCondLst>
+                                    <p:cond delay="0"/>
+                                  </p:stCondLst>
+                                  <p:childTnLst>
+                                    <p:set>
+                                      <p:cBhvr>
+                                        <p:cTn id="51" dur="1" fill="hold">
+                                          <p:stCondLst>
+                                            <p:cond delay="0"/>
+                                          </p:stCondLst>
+                                        </p:cTn>
+                                        <p:tgtEl>
+                                          <p:spTgt spid="5">
+                                            <p:txEl>
+                                              <p:pRg st="3" end="3"/>
+                                            </p:txEl>
+                                          </p:spTgt>
+                                        </p:tgtEl>
+                                        <p:attrNameLst>
+                                          <p:attrName>style.visibility</p:attrName>
+                                        </p:attrNameLst>
+                                      </p:cBhvr>
+                                      <p:to>
+                                        <p:strVal val="visible"/>
+                                      </p:to>
+                                    </p:set>
+                                    <p:animEffect transition="in" filter="fade">
+                                      <p:cBhvr>
+                                        <p:cTn id="52" dur="500"/>
+                                        <p:tgtEl>
+                                          <p:spTgt spid="5">
+                                            <p:txEl>
+                                              <p:pRg st="3" end="3"/>
+                                            </p:txEl>
+                                          </p:spTgt>
+                                        </p:tgtEl>
+                                      </p:cBhvr>
+                                    </p:animEffect>
+                                  </p:childTnLst>
+                                </p:cTn>
+                              </p:par>
+                            </p:childTnLst>
+                          </p:cTn>
+                        </p:par>
+                      </p:childTnLst>
+                    </p:cTn>
+                  </p:par>
+                </p:childTnLst>
+              </p:cTn>
+              <p:prevCondLst>
+                <p:cond evt="onPrev" delay="0">
+                  <p:tgtEl>
+                    <p:sldTgt/>
+                  </p:tgtEl>
+                </p:cond>
+              </p:prevCondLst>
+              <p:nextCondLst>
+                <p:cond evt="onNext" delay="0">
+                  <p:tgtEl>
+                    <p:sldTgt/>
+                  </p:tgtEl>
+                </p:cond>
+              </p:nextCondLst>
+            </p:seq>
+          </p:childTnLst>
+        </p:cTn>
+      </p:par>
+    </p:tnLst>
+    <p:bldLst>
+      <p:bldP spid="441" grpId="0" build="p"/>
+      <p:bldP spid="446" grpId="0" uiExpand="1" build="p"/>
+      <p:bldP spid="2" grpId="0"/>
+      <p:bldP spid="5" grpId="0" uiExpand="1" build="p"/>
+    </p:bldLst>
+  </p:timing>
 </p:sld>
 </file>
 
